--- a/spring14/slidesS14/3color-crossover.pptx
+++ b/spring14/slidesS14/3color-crossover.pptx
@@ -9,6 +9,8 @@
     <p:sldId id="257" r:id="rId3"/>
     <p:sldId id="258" r:id="rId4"/>
     <p:sldId id="259" r:id="rId5"/>
+    <p:sldId id="260" r:id="rId6"/>
+    <p:sldId id="262" r:id="rId7"/>
   </p:sldIdLst>
   <p:sldSz cx="9144000" cy="6858000" type="screen4x3"/>
   <p:notesSz cx="6858000" cy="9144000"/>
@@ -3254,6 +3256,13 @@
   <p:clrMapOvr>
     <a:masterClrMapping/>
   </p:clrMapOvr>
+  <p:timing>
+    <p:tnLst>
+      <p:par>
+        <p:cTn xmlns:p14="http://schemas.microsoft.com/office/powerpoint/2010/main" id="1" dur="indefinite" restart="never" nodeType="tmRoot"/>
+      </p:par>
+    </p:tnLst>
+  </p:timing>
 </p:sld>
 </file>
 
@@ -3276,41 +3285,90 @@
       </p:grpSpPr>
       <p:grpSp>
         <p:nvGrpSpPr>
-          <p:cNvPr id="90" name="Group 89"/>
+          <p:cNvPr id="81" name="Group 80"/>
           <p:cNvGrpSpPr/>
           <p:nvPr/>
         </p:nvGrpSpPr>
         <p:grpSpPr>
           <a:xfrm>
-            <a:off x="2263415" y="1211861"/>
-            <a:ext cx="4560702" cy="4481688"/>
-            <a:chOff x="2263415" y="1211861"/>
-            <a:chExt cx="4560702" cy="4481688"/>
+            <a:off x="2263415" y="1221456"/>
+            <a:ext cx="4560702" cy="4472093"/>
+            <a:chOff x="2263415" y="1221456"/>
+            <a:chExt cx="4560702" cy="4472093"/>
           </a:xfrm>
         </p:grpSpPr>
+        <p:sp>
+          <p:nvSpPr>
+            <p:cNvPr id="7" name="Oval 6"/>
+            <p:cNvSpPr/>
+            <p:nvPr/>
+          </p:nvSpPr>
+          <p:spPr>
+            <a:xfrm>
+              <a:off x="2263978" y="1242341"/>
+              <a:ext cx="182880" cy="182880"/>
+            </a:xfrm>
+            <a:prstGeom prst="ellipse">
+              <a:avLst/>
+            </a:prstGeom>
+            <a:solidFill>
+              <a:schemeClr val="tx1"/>
+            </a:solidFill>
+            <a:ln w="31750">
+              <a:noFill/>
+            </a:ln>
+          </p:spPr>
+          <p:style>
+            <a:lnRef idx="1">
+              <a:schemeClr val="accent1"/>
+            </a:lnRef>
+            <a:fillRef idx="3">
+              <a:schemeClr val="accent1"/>
+            </a:fillRef>
+            <a:effectRef idx="2">
+              <a:schemeClr val="accent1"/>
+            </a:effectRef>
+            <a:fontRef idx="minor">
+              <a:schemeClr val="lt1"/>
+            </a:fontRef>
+          </p:style>
+          <p:txBody>
+            <a:bodyPr rot="0" spcFirstLastPara="0" vertOverflow="overflow" horzOverflow="overflow" vert="horz" wrap="square" lIns="91440" tIns="45720" rIns="91440" bIns="45720" numCol="1" spcCol="0" rtlCol="0" fromWordArt="0" anchor="ctr" anchorCtr="0" forceAA="0" compatLnSpc="1">
+              <a:prstTxWarp prst="textNoShape">
+                <a:avLst/>
+              </a:prstTxWarp>
+              <a:noAutofit/>
+            </a:bodyPr>
+            <a:lstStyle/>
+            <a:p>
+              <a:pPr algn="ctr"/>
+              <a:endParaRPr lang="en-US"/>
+            </a:p>
+          </p:txBody>
+        </p:sp>
         <p:grpSp>
           <p:nvGrpSpPr>
-            <p:cNvPr id="81" name="Group 80"/>
+            <p:cNvPr id="51" name="Group 50"/>
             <p:cNvGrpSpPr/>
             <p:nvPr/>
           </p:nvGrpSpPr>
           <p:grpSpPr>
             <a:xfrm>
               <a:off x="2263415" y="1221456"/>
-              <a:ext cx="4560702" cy="4472093"/>
-              <a:chOff x="2263415" y="1221456"/>
-              <a:chExt cx="4560702" cy="4472093"/>
+              <a:ext cx="4542083" cy="4472093"/>
+              <a:chOff x="1106313" y="1348455"/>
+              <a:chExt cx="4542083" cy="4472093"/>
             </a:xfrm>
           </p:grpSpPr>
           <p:sp>
             <p:nvSpPr>
-              <p:cNvPr id="7" name="Oval 6"/>
+              <p:cNvPr id="8" name="Oval 7"/>
               <p:cNvSpPr/>
               <p:nvPr/>
             </p:nvSpPr>
             <p:spPr>
               <a:xfrm>
-                <a:off x="2263978" y="1242341"/>
+                <a:off x="5465516" y="1348455"/>
                 <a:ext cx="182880" cy="182880"/>
               </a:xfrm>
               <a:prstGeom prst="ellipse">
@@ -3353,1569 +3411,1119 @@
           </p:sp>
           <p:grpSp>
             <p:nvGrpSpPr>
-              <p:cNvPr id="51" name="Group 50"/>
+              <p:cNvPr id="37" name="Group 36"/>
               <p:cNvGrpSpPr/>
               <p:nvPr/>
             </p:nvGrpSpPr>
             <p:grpSpPr>
               <a:xfrm>
-                <a:off x="2263415" y="1221456"/>
-                <a:ext cx="4542083" cy="4472093"/>
-                <a:chOff x="1106313" y="1348455"/>
-                <a:chExt cx="4542083" cy="4472093"/>
+                <a:off x="1106313" y="3500117"/>
+                <a:ext cx="2366150" cy="2320431"/>
+                <a:chOff x="1106313" y="3500117"/>
+                <a:chExt cx="2366150" cy="2320431"/>
               </a:xfrm>
             </p:grpSpPr>
-            <p:sp>
-              <p:nvSpPr>
-                <p:cNvPr id="8" name="Oval 7"/>
-                <p:cNvSpPr/>
-                <p:nvPr/>
-              </p:nvSpPr>
-              <p:spPr>
-                <a:xfrm>
-                  <a:off x="5465516" y="1348455"/>
-                  <a:ext cx="182880" cy="182880"/>
-                </a:xfrm>
-                <a:prstGeom prst="ellipse">
-                  <a:avLst/>
-                </a:prstGeom>
-                <a:solidFill>
-                  <a:schemeClr val="tx1"/>
-                </a:solidFill>
-                <a:ln w="31750">
-                  <a:noFill/>
-                </a:ln>
-              </p:spPr>
-              <p:style>
-                <a:lnRef idx="1">
-                  <a:schemeClr val="accent1"/>
-                </a:lnRef>
-                <a:fillRef idx="3">
-                  <a:schemeClr val="accent1"/>
-                </a:fillRef>
-                <a:effectRef idx="2">
-                  <a:schemeClr val="accent1"/>
-                </a:effectRef>
-                <a:fontRef idx="minor">
-                  <a:schemeClr val="lt1"/>
-                </a:fontRef>
-              </p:style>
-              <p:txBody>
-                <a:bodyPr rot="0" spcFirstLastPara="0" vertOverflow="overflow" horzOverflow="overflow" vert="horz" wrap="square" lIns="91440" tIns="45720" rIns="91440" bIns="45720" numCol="1" spcCol="0" rtlCol="0" fromWordArt="0" anchor="ctr" anchorCtr="0" forceAA="0" compatLnSpc="1">
-                  <a:prstTxWarp prst="textNoShape">
-                    <a:avLst/>
-                  </a:prstTxWarp>
-                  <a:noAutofit/>
-                </a:bodyPr>
-                <a:lstStyle/>
-                <a:p>
-                  <a:pPr algn="ctr"/>
-                  <a:endParaRPr lang="en-US"/>
-                </a:p>
-              </p:txBody>
-            </p:sp>
             <p:grpSp>
               <p:nvGrpSpPr>
-                <p:cNvPr id="37" name="Group 36"/>
+                <p:cNvPr id="13" name="Group 12"/>
                 <p:cNvGrpSpPr/>
                 <p:nvPr/>
               </p:nvGrpSpPr>
               <p:grpSpPr>
                 <a:xfrm>
-                  <a:off x="1106313" y="3500117"/>
-                  <a:ext cx="2366150" cy="2320431"/>
-                  <a:chOff x="1106313" y="3500117"/>
-                  <a:chExt cx="2366150" cy="2320431"/>
+                  <a:off x="1106313" y="4579335"/>
+                  <a:ext cx="1271128" cy="1241213"/>
+                  <a:chOff x="1106313" y="4579335"/>
+                  <a:chExt cx="1271128" cy="1241213"/>
                 </a:xfrm>
               </p:grpSpPr>
-              <p:grpSp>
-                <p:nvGrpSpPr>
-                  <p:cNvPr id="13" name="Group 12"/>
-                  <p:cNvGrpSpPr/>
+              <p:sp>
+                <p:nvSpPr>
+                  <p:cNvPr id="14" name="Rectangle 13"/>
+                  <p:cNvSpPr/>
                   <p:nvPr/>
-                </p:nvGrpSpPr>
-                <p:grpSpPr>
+                </p:nvSpPr>
+                <p:spPr>
                   <a:xfrm>
-                    <a:off x="1106313" y="4579335"/>
-                    <a:ext cx="1271128" cy="1241213"/>
-                    <a:chOff x="1106313" y="4579335"/>
-                    <a:chExt cx="1271128" cy="1241213"/>
+                    <a:off x="1227668" y="4670775"/>
+                    <a:ext cx="1058333" cy="1058333"/>
                   </a:xfrm>
-                </p:grpSpPr>
-                <p:sp>
-                  <p:nvSpPr>
-                    <p:cNvPr id="14" name="Rectangle 13"/>
-                    <p:cNvSpPr/>
-                    <p:nvPr/>
-                  </p:nvSpPr>
-                  <p:spPr>
-                    <a:xfrm>
-                      <a:off x="1227668" y="4670775"/>
-                      <a:ext cx="1058333" cy="1058333"/>
-                    </a:xfrm>
-                    <a:prstGeom prst="rect">
-                      <a:avLst/>
-                    </a:prstGeom>
-                    <a:noFill/>
-                    <a:ln w="31750">
-                      <a:solidFill>
-                        <a:schemeClr val="tx1"/>
-                      </a:solidFill>
-                    </a:ln>
-                  </p:spPr>
-                  <p:style>
-                    <a:lnRef idx="1">
-                      <a:schemeClr val="accent1"/>
-                    </a:lnRef>
-                    <a:fillRef idx="3">
-                      <a:schemeClr val="accent1"/>
-                    </a:fillRef>
-                    <a:effectRef idx="2">
-                      <a:schemeClr val="accent1"/>
-                    </a:effectRef>
-                    <a:fontRef idx="minor">
-                      <a:schemeClr val="lt1"/>
-                    </a:fontRef>
-                  </p:style>
-                  <p:txBody>
-                    <a:bodyPr rtlCol="0" anchor="ctr"/>
-                    <a:lstStyle/>
-                    <a:p>
-                      <a:pPr algn="ctr"/>
-                      <a:endParaRPr lang="en-US"/>
-                    </a:p>
-                  </p:txBody>
-                </p:sp>
-                <p:cxnSp>
-                  <p:nvCxnSpPr>
-                    <p:cNvPr id="15" name="Straight Connector 14"/>
-                    <p:cNvCxnSpPr/>
-                    <p:nvPr/>
-                  </p:nvCxnSpPr>
-                  <p:spPr>
-                    <a:xfrm>
-                      <a:off x="1227668" y="4670775"/>
-                      <a:ext cx="1058333" cy="1058333"/>
-                    </a:xfrm>
-                    <a:prstGeom prst="line">
-                      <a:avLst/>
-                    </a:prstGeom>
-                    <a:ln w="31750">
-                      <a:solidFill>
-                        <a:schemeClr val="tx1"/>
-                      </a:solidFill>
-                    </a:ln>
-                  </p:spPr>
-                  <p:style>
-                    <a:lnRef idx="2">
-                      <a:schemeClr val="accent1"/>
-                    </a:lnRef>
-                    <a:fillRef idx="0">
-                      <a:schemeClr val="accent1"/>
-                    </a:fillRef>
-                    <a:effectRef idx="1">
-                      <a:schemeClr val="accent1"/>
-                    </a:effectRef>
-                    <a:fontRef idx="minor">
-                      <a:schemeClr val="tx1"/>
-                    </a:fontRef>
-                  </p:style>
-                </p:cxnSp>
-                <p:sp>
-                  <p:nvSpPr>
-                    <p:cNvPr id="16" name="Oval 15"/>
-                    <p:cNvSpPr/>
-                    <p:nvPr/>
-                  </p:nvSpPr>
-                  <p:spPr>
-                    <a:xfrm>
-                      <a:off x="2194561" y="5637668"/>
-                      <a:ext cx="182880" cy="182880"/>
-                    </a:xfrm>
-                    <a:prstGeom prst="ellipse">
-                      <a:avLst/>
-                    </a:prstGeom>
+                  <a:prstGeom prst="rect">
+                    <a:avLst/>
+                  </a:prstGeom>
+                  <a:noFill/>
+                  <a:ln w="31750">
                     <a:solidFill>
                       <a:schemeClr val="tx1"/>
                     </a:solidFill>
-                    <a:ln w="31750">
-                      <a:noFill/>
-                    </a:ln>
-                  </p:spPr>
-                  <p:style>
-                    <a:lnRef idx="1">
-                      <a:schemeClr val="accent1"/>
-                    </a:lnRef>
-                    <a:fillRef idx="3">
-                      <a:schemeClr val="accent1"/>
-                    </a:fillRef>
-                    <a:effectRef idx="2">
-                      <a:schemeClr val="accent1"/>
-                    </a:effectRef>
-                    <a:fontRef idx="minor">
-                      <a:schemeClr val="lt1"/>
-                    </a:fontRef>
-                  </p:style>
-                  <p:txBody>
-                    <a:bodyPr rot="0" spcFirstLastPara="0" vertOverflow="overflow" horzOverflow="overflow" vert="horz" wrap="square" lIns="91440" tIns="45720" rIns="91440" bIns="45720" numCol="1" spcCol="0" rtlCol="0" fromWordArt="0" anchor="ctr" anchorCtr="0" forceAA="0" compatLnSpc="1">
-                      <a:prstTxWarp prst="textNoShape">
-                        <a:avLst/>
-                      </a:prstTxWarp>
-                      <a:noAutofit/>
-                    </a:bodyPr>
-                    <a:lstStyle/>
-                    <a:p>
-                      <a:pPr algn="ctr"/>
-                      <a:endParaRPr lang="en-US"/>
-                    </a:p>
-                  </p:txBody>
-                </p:sp>
-                <p:sp>
-                  <p:nvSpPr>
-                    <p:cNvPr id="17" name="Oval 16"/>
-                    <p:cNvSpPr/>
-                    <p:nvPr/>
-                  </p:nvSpPr>
-                  <p:spPr>
-                    <a:xfrm>
-                      <a:off x="1106313" y="5637668"/>
-                      <a:ext cx="182880" cy="182880"/>
-                    </a:xfrm>
-                    <a:prstGeom prst="ellipse">
-                      <a:avLst/>
-                    </a:prstGeom>
+                  </a:ln>
+                </p:spPr>
+                <p:style>
+                  <a:lnRef idx="1">
+                    <a:schemeClr val="accent1"/>
+                  </a:lnRef>
+                  <a:fillRef idx="3">
+                    <a:schemeClr val="accent1"/>
+                  </a:fillRef>
+                  <a:effectRef idx="2">
+                    <a:schemeClr val="accent1"/>
+                  </a:effectRef>
+                  <a:fontRef idx="minor">
+                    <a:schemeClr val="lt1"/>
+                  </a:fontRef>
+                </p:style>
+                <p:txBody>
+                  <a:bodyPr rtlCol="0" anchor="ctr"/>
+                  <a:lstStyle/>
+                  <a:p>
+                    <a:pPr algn="ctr"/>
+                    <a:endParaRPr lang="en-US"/>
+                  </a:p>
+                </p:txBody>
+              </p:sp>
+              <p:cxnSp>
+                <p:nvCxnSpPr>
+                  <p:cNvPr id="15" name="Straight Connector 14"/>
+                  <p:cNvCxnSpPr/>
+                  <p:nvPr/>
+                </p:nvCxnSpPr>
+                <p:spPr>
+                  <a:xfrm>
+                    <a:off x="1227668" y="4670775"/>
+                    <a:ext cx="1058333" cy="1058333"/>
+                  </a:xfrm>
+                  <a:prstGeom prst="line">
+                    <a:avLst/>
+                  </a:prstGeom>
+                  <a:ln w="31750">
                     <a:solidFill>
                       <a:schemeClr val="tx1"/>
                     </a:solidFill>
-                    <a:ln w="31750">
-                      <a:noFill/>
-                    </a:ln>
-                  </p:spPr>
-                  <p:style>
-                    <a:lnRef idx="1">
-                      <a:schemeClr val="accent1"/>
-                    </a:lnRef>
-                    <a:fillRef idx="3">
-                      <a:schemeClr val="accent1"/>
-                    </a:fillRef>
-                    <a:effectRef idx="2">
-                      <a:schemeClr val="accent1"/>
-                    </a:effectRef>
-                    <a:fontRef idx="minor">
-                      <a:schemeClr val="lt1"/>
-                    </a:fontRef>
-                  </p:style>
-                  <p:txBody>
-                    <a:bodyPr rot="0" spcFirstLastPara="0" vertOverflow="overflow" horzOverflow="overflow" vert="horz" wrap="square" lIns="91440" tIns="45720" rIns="91440" bIns="45720" numCol="1" spcCol="0" rtlCol="0" fromWordArt="0" anchor="ctr" anchorCtr="0" forceAA="0" compatLnSpc="1">
-                      <a:prstTxWarp prst="textNoShape">
-                        <a:avLst/>
-                      </a:prstTxWarp>
-                      <a:noAutofit/>
-                    </a:bodyPr>
-                    <a:lstStyle/>
-                    <a:p>
-                      <a:pPr algn="ctr"/>
-                      <a:endParaRPr lang="en-US"/>
-                    </a:p>
-                  </p:txBody>
-                </p:sp>
-                <p:sp>
-                  <p:nvSpPr>
-                    <p:cNvPr id="18" name="Oval 17"/>
-                    <p:cNvSpPr/>
-                    <p:nvPr/>
-                  </p:nvSpPr>
-                  <p:spPr>
-                    <a:xfrm>
-                      <a:off x="1162193" y="4579335"/>
-                      <a:ext cx="182880" cy="182880"/>
-                    </a:xfrm>
-                    <a:prstGeom prst="ellipse">
+                  </a:ln>
+                </p:spPr>
+                <p:style>
+                  <a:lnRef idx="2">
+                    <a:schemeClr val="accent1"/>
+                  </a:lnRef>
+                  <a:fillRef idx="0">
+                    <a:schemeClr val="accent1"/>
+                  </a:fillRef>
+                  <a:effectRef idx="1">
+                    <a:schemeClr val="accent1"/>
+                  </a:effectRef>
+                  <a:fontRef idx="minor">
+                    <a:schemeClr val="tx1"/>
+                  </a:fontRef>
+                </p:style>
+              </p:cxnSp>
+              <p:sp>
+                <p:nvSpPr>
+                  <p:cNvPr id="16" name="Oval 15"/>
+                  <p:cNvSpPr/>
+                  <p:nvPr/>
+                </p:nvSpPr>
+                <p:spPr>
+                  <a:xfrm>
+                    <a:off x="2194561" y="5637668"/>
+                    <a:ext cx="182880" cy="182880"/>
+                  </a:xfrm>
+                  <a:prstGeom prst="ellipse">
+                    <a:avLst/>
+                  </a:prstGeom>
+                  <a:solidFill>
+                    <a:schemeClr val="tx1"/>
+                  </a:solidFill>
+                  <a:ln w="31750">
+                    <a:noFill/>
+                  </a:ln>
+                </p:spPr>
+                <p:style>
+                  <a:lnRef idx="1">
+                    <a:schemeClr val="accent1"/>
+                  </a:lnRef>
+                  <a:fillRef idx="3">
+                    <a:schemeClr val="accent1"/>
+                  </a:fillRef>
+                  <a:effectRef idx="2">
+                    <a:schemeClr val="accent1"/>
+                  </a:effectRef>
+                  <a:fontRef idx="minor">
+                    <a:schemeClr val="lt1"/>
+                  </a:fontRef>
+                </p:style>
+                <p:txBody>
+                  <a:bodyPr rot="0" spcFirstLastPara="0" vertOverflow="overflow" horzOverflow="overflow" vert="horz" wrap="square" lIns="91440" tIns="45720" rIns="91440" bIns="45720" numCol="1" spcCol="0" rtlCol="0" fromWordArt="0" anchor="ctr" anchorCtr="0" forceAA="0" compatLnSpc="1">
+                    <a:prstTxWarp prst="textNoShape">
                       <a:avLst/>
-                    </a:prstGeom>
-                    <a:solidFill>
-                      <a:schemeClr val="tx1"/>
-                    </a:solidFill>
-                    <a:ln w="31750">
-                      <a:noFill/>
-                    </a:ln>
-                  </p:spPr>
-                  <p:style>
-                    <a:lnRef idx="1">
-                      <a:schemeClr val="accent1"/>
-                    </a:lnRef>
-                    <a:fillRef idx="3">
-                      <a:schemeClr val="accent1"/>
-                    </a:fillRef>
-                    <a:effectRef idx="2">
-                      <a:schemeClr val="accent1"/>
-                    </a:effectRef>
-                    <a:fontRef idx="minor">
-                      <a:schemeClr val="lt1"/>
-                    </a:fontRef>
-                  </p:style>
-                  <p:txBody>
-                    <a:bodyPr rot="0" spcFirstLastPara="0" vertOverflow="overflow" horzOverflow="overflow" vert="horz" wrap="square" lIns="91440" tIns="45720" rIns="91440" bIns="45720" numCol="1" spcCol="0" rtlCol="0" fromWordArt="0" anchor="ctr" anchorCtr="0" forceAA="0" compatLnSpc="1">
-                      <a:prstTxWarp prst="textNoShape">
-                        <a:avLst/>
-                      </a:prstTxWarp>
-                      <a:noAutofit/>
-                    </a:bodyPr>
-                    <a:lstStyle/>
-                    <a:p>
-                      <a:pPr algn="ctr"/>
-                      <a:endParaRPr lang="en-US"/>
-                    </a:p>
-                  </p:txBody>
-                </p:sp>
-              </p:grpSp>
-              <p:grpSp>
-                <p:nvGrpSpPr>
-                  <p:cNvPr id="19" name="Group 18"/>
-                  <p:cNvGrpSpPr/>
+                    </a:prstTxWarp>
+                    <a:noAutofit/>
+                  </a:bodyPr>
+                  <a:lstStyle/>
+                  <a:p>
+                    <a:pPr algn="ctr"/>
+                    <a:endParaRPr lang="en-US"/>
+                  </a:p>
+                </p:txBody>
+              </p:sp>
+              <p:sp>
+                <p:nvSpPr>
+                  <p:cNvPr id="17" name="Oval 16"/>
+                  <p:cNvSpPr/>
                   <p:nvPr/>
-                </p:nvGrpSpPr>
-                <p:grpSpPr>
+                </p:nvSpPr>
+                <p:spPr>
                   <a:xfrm>
-                    <a:off x="2201335" y="3500117"/>
-                    <a:ext cx="1271128" cy="1241213"/>
-                    <a:chOff x="1106313" y="4579335"/>
-                    <a:chExt cx="1271128" cy="1241213"/>
+                    <a:off x="1106313" y="5637668"/>
+                    <a:ext cx="182880" cy="182880"/>
                   </a:xfrm>
-                </p:grpSpPr>
-                <p:sp>
-                  <p:nvSpPr>
-                    <p:cNvPr id="20" name="Rectangle 19"/>
-                    <p:cNvSpPr/>
-                    <p:nvPr/>
-                  </p:nvSpPr>
-                  <p:spPr>
-                    <a:xfrm>
-                      <a:off x="1227668" y="4670775"/>
-                      <a:ext cx="1058333" cy="1058333"/>
-                    </a:xfrm>
-                    <a:prstGeom prst="rect">
+                  <a:prstGeom prst="ellipse">
+                    <a:avLst/>
+                  </a:prstGeom>
+                  <a:solidFill>
+                    <a:schemeClr val="tx1"/>
+                  </a:solidFill>
+                  <a:ln w="31750">
+                    <a:noFill/>
+                  </a:ln>
+                </p:spPr>
+                <p:style>
+                  <a:lnRef idx="1">
+                    <a:schemeClr val="accent1"/>
+                  </a:lnRef>
+                  <a:fillRef idx="3">
+                    <a:schemeClr val="accent1"/>
+                  </a:fillRef>
+                  <a:effectRef idx="2">
+                    <a:schemeClr val="accent1"/>
+                  </a:effectRef>
+                  <a:fontRef idx="minor">
+                    <a:schemeClr val="lt1"/>
+                  </a:fontRef>
+                </p:style>
+                <p:txBody>
+                  <a:bodyPr rot="0" spcFirstLastPara="0" vertOverflow="overflow" horzOverflow="overflow" vert="horz" wrap="square" lIns="91440" tIns="45720" rIns="91440" bIns="45720" numCol="1" spcCol="0" rtlCol="0" fromWordArt="0" anchor="ctr" anchorCtr="0" forceAA="0" compatLnSpc="1">
+                    <a:prstTxWarp prst="textNoShape">
                       <a:avLst/>
-                    </a:prstGeom>
+                    </a:prstTxWarp>
+                    <a:noAutofit/>
+                  </a:bodyPr>
+                  <a:lstStyle/>
+                  <a:p>
+                    <a:pPr algn="ctr"/>
+                    <a:endParaRPr lang="en-US"/>
+                  </a:p>
+                </p:txBody>
+              </p:sp>
+              <p:sp>
+                <p:nvSpPr>
+                  <p:cNvPr id="18" name="Oval 17"/>
+                  <p:cNvSpPr/>
+                  <p:nvPr/>
+                </p:nvSpPr>
+                <p:spPr>
+                  <a:xfrm>
+                    <a:off x="1162193" y="4579335"/>
+                    <a:ext cx="182880" cy="182880"/>
+                  </a:xfrm>
+                  <a:prstGeom prst="ellipse">
+                    <a:avLst/>
+                  </a:prstGeom>
+                  <a:solidFill>
+                    <a:schemeClr val="tx1"/>
+                  </a:solidFill>
+                  <a:ln w="31750">
                     <a:noFill/>
-                    <a:ln w="31750">
-                      <a:solidFill>
-                        <a:schemeClr val="tx1"/>
-                      </a:solidFill>
-                    </a:ln>
-                  </p:spPr>
-                  <p:style>
-                    <a:lnRef idx="1">
-                      <a:schemeClr val="accent1"/>
-                    </a:lnRef>
-                    <a:fillRef idx="3">
-                      <a:schemeClr val="accent1"/>
-                    </a:fillRef>
-                    <a:effectRef idx="2">
-                      <a:schemeClr val="accent1"/>
-                    </a:effectRef>
-                    <a:fontRef idx="minor">
-                      <a:schemeClr val="lt1"/>
-                    </a:fontRef>
-                  </p:style>
-                  <p:txBody>
-                    <a:bodyPr rtlCol="0" anchor="ctr"/>
-                    <a:lstStyle/>
-                    <a:p>
-                      <a:pPr algn="ctr"/>
-                      <a:endParaRPr lang="en-US"/>
-                    </a:p>
-                  </p:txBody>
-                </p:sp>
-                <p:cxnSp>
-                  <p:nvCxnSpPr>
-                    <p:cNvPr id="21" name="Straight Connector 20"/>
-                    <p:cNvCxnSpPr/>
-                    <p:nvPr/>
-                  </p:nvCxnSpPr>
-                  <p:spPr>
-                    <a:xfrm>
-                      <a:off x="1227668" y="4670775"/>
-                      <a:ext cx="1058333" cy="1058333"/>
-                    </a:xfrm>
-                    <a:prstGeom prst="line">
+                  </a:ln>
+                </p:spPr>
+                <p:style>
+                  <a:lnRef idx="1">
+                    <a:schemeClr val="accent1"/>
+                  </a:lnRef>
+                  <a:fillRef idx="3">
+                    <a:schemeClr val="accent1"/>
+                  </a:fillRef>
+                  <a:effectRef idx="2">
+                    <a:schemeClr val="accent1"/>
+                  </a:effectRef>
+                  <a:fontRef idx="minor">
+                    <a:schemeClr val="lt1"/>
+                  </a:fontRef>
+                </p:style>
+                <p:txBody>
+                  <a:bodyPr rot="0" spcFirstLastPara="0" vertOverflow="overflow" horzOverflow="overflow" vert="horz" wrap="square" lIns="91440" tIns="45720" rIns="91440" bIns="45720" numCol="1" spcCol="0" rtlCol="0" fromWordArt="0" anchor="ctr" anchorCtr="0" forceAA="0" compatLnSpc="1">
+                    <a:prstTxWarp prst="textNoShape">
                       <a:avLst/>
-                    </a:prstGeom>
-                    <a:ln w="31750">
-                      <a:solidFill>
-                        <a:schemeClr val="tx1"/>
-                      </a:solidFill>
-                    </a:ln>
-                  </p:spPr>
-                  <p:style>
-                    <a:lnRef idx="2">
-                      <a:schemeClr val="accent1"/>
-                    </a:lnRef>
-                    <a:fillRef idx="0">
-                      <a:schemeClr val="accent1"/>
-                    </a:fillRef>
-                    <a:effectRef idx="1">
-                      <a:schemeClr val="accent1"/>
-                    </a:effectRef>
-                    <a:fontRef idx="minor">
-                      <a:schemeClr val="tx1"/>
-                    </a:fontRef>
-                  </p:style>
-                </p:cxnSp>
-                <p:sp>
-                  <p:nvSpPr>
-                    <p:cNvPr id="22" name="Oval 21"/>
-                    <p:cNvSpPr/>
-                    <p:nvPr/>
-                  </p:nvSpPr>
-                  <p:spPr>
-                    <a:xfrm>
-                      <a:off x="2194561" y="5637668"/>
-                      <a:ext cx="182880" cy="182880"/>
-                    </a:xfrm>
-                    <a:prstGeom prst="ellipse">
-                      <a:avLst/>
-                    </a:prstGeom>
-                    <a:solidFill>
-                      <a:schemeClr val="tx1"/>
-                    </a:solidFill>
-                    <a:ln w="31750">
-                      <a:noFill/>
-                    </a:ln>
-                  </p:spPr>
-                  <p:style>
-                    <a:lnRef idx="1">
-                      <a:schemeClr val="accent1"/>
-                    </a:lnRef>
-                    <a:fillRef idx="3">
-                      <a:schemeClr val="accent1"/>
-                    </a:fillRef>
-                    <a:effectRef idx="2">
-                      <a:schemeClr val="accent1"/>
-                    </a:effectRef>
-                    <a:fontRef idx="minor">
-                      <a:schemeClr val="lt1"/>
-                    </a:fontRef>
-                  </p:style>
-                  <p:txBody>
-                    <a:bodyPr rot="0" spcFirstLastPara="0" vertOverflow="overflow" horzOverflow="overflow" vert="horz" wrap="square" lIns="91440" tIns="45720" rIns="91440" bIns="45720" numCol="1" spcCol="0" rtlCol="0" fromWordArt="0" anchor="ctr" anchorCtr="0" forceAA="0" compatLnSpc="1">
-                      <a:prstTxWarp prst="textNoShape">
-                        <a:avLst/>
-                      </a:prstTxWarp>
-                      <a:noAutofit/>
-                    </a:bodyPr>
-                    <a:lstStyle/>
-                    <a:p>
-                      <a:pPr algn="ctr"/>
-                      <a:endParaRPr lang="en-US"/>
-                    </a:p>
-                  </p:txBody>
-                </p:sp>
-                <p:sp>
-                  <p:nvSpPr>
-                    <p:cNvPr id="23" name="Oval 22"/>
-                    <p:cNvSpPr/>
-                    <p:nvPr/>
-                  </p:nvSpPr>
-                  <p:spPr>
-                    <a:xfrm>
-                      <a:off x="1106313" y="5637668"/>
-                      <a:ext cx="182880" cy="182880"/>
-                    </a:xfrm>
-                    <a:prstGeom prst="ellipse">
-                      <a:avLst/>
-                    </a:prstGeom>
-                    <a:solidFill>
-                      <a:schemeClr val="tx1"/>
-                    </a:solidFill>
-                    <a:ln w="31750">
-                      <a:noFill/>
-                    </a:ln>
-                  </p:spPr>
-                  <p:style>
-                    <a:lnRef idx="1">
-                      <a:schemeClr val="accent1"/>
-                    </a:lnRef>
-                    <a:fillRef idx="3">
-                      <a:schemeClr val="accent1"/>
-                    </a:fillRef>
-                    <a:effectRef idx="2">
-                      <a:schemeClr val="accent1"/>
-                    </a:effectRef>
-                    <a:fontRef idx="minor">
-                      <a:schemeClr val="lt1"/>
-                    </a:fontRef>
-                  </p:style>
-                  <p:txBody>
-                    <a:bodyPr rot="0" spcFirstLastPara="0" vertOverflow="overflow" horzOverflow="overflow" vert="horz" wrap="square" lIns="91440" tIns="45720" rIns="91440" bIns="45720" numCol="1" spcCol="0" rtlCol="0" fromWordArt="0" anchor="ctr" anchorCtr="0" forceAA="0" compatLnSpc="1">
-                      <a:prstTxWarp prst="textNoShape">
-                        <a:avLst/>
-                      </a:prstTxWarp>
-                      <a:noAutofit/>
-                    </a:bodyPr>
-                    <a:lstStyle/>
-                    <a:p>
-                      <a:pPr algn="ctr"/>
-                      <a:endParaRPr lang="en-US"/>
-                    </a:p>
-                  </p:txBody>
-                </p:sp>
-                <p:sp>
-                  <p:nvSpPr>
-                    <p:cNvPr id="24" name="Oval 23"/>
-                    <p:cNvSpPr/>
-                    <p:nvPr/>
-                  </p:nvSpPr>
-                  <p:spPr>
-                    <a:xfrm>
-                      <a:off x="1162193" y="4579335"/>
-                      <a:ext cx="182880" cy="182880"/>
-                    </a:xfrm>
-                    <a:prstGeom prst="ellipse">
-                      <a:avLst/>
-                    </a:prstGeom>
-                    <a:solidFill>
-                      <a:schemeClr val="tx1"/>
-                    </a:solidFill>
-                    <a:ln w="31750">
-                      <a:noFill/>
-                    </a:ln>
-                  </p:spPr>
-                  <p:style>
-                    <a:lnRef idx="1">
-                      <a:schemeClr val="accent1"/>
-                    </a:lnRef>
-                    <a:fillRef idx="3">
-                      <a:schemeClr val="accent1"/>
-                    </a:fillRef>
-                    <a:effectRef idx="2">
-                      <a:schemeClr val="accent1"/>
-                    </a:effectRef>
-                    <a:fontRef idx="minor">
-                      <a:schemeClr val="lt1"/>
-                    </a:fontRef>
-                  </p:style>
-                  <p:txBody>
-                    <a:bodyPr rot="0" spcFirstLastPara="0" vertOverflow="overflow" horzOverflow="overflow" vert="horz" wrap="square" lIns="91440" tIns="45720" rIns="91440" bIns="45720" numCol="1" spcCol="0" rtlCol="0" fromWordArt="0" anchor="ctr" anchorCtr="0" forceAA="0" compatLnSpc="1">
-                      <a:prstTxWarp prst="textNoShape">
-                        <a:avLst/>
-                      </a:prstTxWarp>
-                      <a:noAutofit/>
-                    </a:bodyPr>
-                    <a:lstStyle/>
-                    <a:p>
-                      <a:pPr algn="ctr"/>
-                      <a:endParaRPr lang="en-US"/>
-                    </a:p>
-                  </p:txBody>
-                </p:sp>
-              </p:grpSp>
+                    </a:prstTxWarp>
+                    <a:noAutofit/>
+                  </a:bodyPr>
+                  <a:lstStyle/>
+                  <a:p>
+                    <a:pPr algn="ctr"/>
+                    <a:endParaRPr lang="en-US"/>
+                  </a:p>
+                </p:txBody>
+              </p:sp>
             </p:grpSp>
             <p:grpSp>
               <p:nvGrpSpPr>
-                <p:cNvPr id="38" name="Group 37"/>
+                <p:cNvPr id="19" name="Group 18"/>
                 <p:cNvGrpSpPr/>
                 <p:nvPr/>
               </p:nvGrpSpPr>
               <p:grpSpPr>
                 <a:xfrm>
-                  <a:off x="3282246" y="1348455"/>
-                  <a:ext cx="2366150" cy="2320431"/>
-                  <a:chOff x="1106313" y="3500117"/>
-                  <a:chExt cx="2366150" cy="2320431"/>
+                  <a:off x="2201335" y="3500117"/>
+                  <a:ext cx="1271128" cy="1241213"/>
+                  <a:chOff x="1106313" y="4579335"/>
+                  <a:chExt cx="1271128" cy="1241213"/>
                 </a:xfrm>
               </p:grpSpPr>
-              <p:grpSp>
-                <p:nvGrpSpPr>
-                  <p:cNvPr id="39" name="Group 38"/>
-                  <p:cNvGrpSpPr/>
+              <p:sp>
+                <p:nvSpPr>
+                  <p:cNvPr id="20" name="Rectangle 19"/>
+                  <p:cNvSpPr/>
                   <p:nvPr/>
-                </p:nvGrpSpPr>
-                <p:grpSpPr>
+                </p:nvSpPr>
+                <p:spPr>
                   <a:xfrm>
-                    <a:off x="1106313" y="4579335"/>
-                    <a:ext cx="1271128" cy="1241213"/>
-                    <a:chOff x="1106313" y="4579335"/>
-                    <a:chExt cx="1271128" cy="1241213"/>
+                    <a:off x="1227668" y="4670775"/>
+                    <a:ext cx="1058333" cy="1058333"/>
                   </a:xfrm>
-                </p:grpSpPr>
-                <p:sp>
-                  <p:nvSpPr>
-                    <p:cNvPr id="46" name="Rectangle 45"/>
-                    <p:cNvSpPr/>
-                    <p:nvPr/>
-                  </p:nvSpPr>
-                  <p:spPr>
-                    <a:xfrm>
-                      <a:off x="1227668" y="4670775"/>
-                      <a:ext cx="1058333" cy="1058333"/>
-                    </a:xfrm>
-                    <a:prstGeom prst="rect">
-                      <a:avLst/>
-                    </a:prstGeom>
-                    <a:noFill/>
-                    <a:ln w="31750">
-                      <a:solidFill>
-                        <a:schemeClr val="tx1"/>
-                      </a:solidFill>
-                    </a:ln>
-                  </p:spPr>
-                  <p:style>
-                    <a:lnRef idx="1">
-                      <a:schemeClr val="accent1"/>
-                    </a:lnRef>
-                    <a:fillRef idx="3">
-                      <a:schemeClr val="accent1"/>
-                    </a:fillRef>
-                    <a:effectRef idx="2">
-                      <a:schemeClr val="accent1"/>
-                    </a:effectRef>
-                    <a:fontRef idx="minor">
-                      <a:schemeClr val="lt1"/>
-                    </a:fontRef>
-                  </p:style>
-                  <p:txBody>
-                    <a:bodyPr rtlCol="0" anchor="ctr"/>
-                    <a:lstStyle/>
-                    <a:p>
-                      <a:pPr algn="ctr"/>
-                      <a:endParaRPr lang="en-US"/>
-                    </a:p>
-                  </p:txBody>
-                </p:sp>
-                <p:cxnSp>
-                  <p:nvCxnSpPr>
-                    <p:cNvPr id="47" name="Straight Connector 46"/>
-                    <p:cNvCxnSpPr/>
-                    <p:nvPr/>
-                  </p:nvCxnSpPr>
-                  <p:spPr>
-                    <a:xfrm>
-                      <a:off x="1227668" y="4670775"/>
-                      <a:ext cx="1058333" cy="1058333"/>
-                    </a:xfrm>
-                    <a:prstGeom prst="line">
-                      <a:avLst/>
-                    </a:prstGeom>
-                    <a:ln w="31750">
-                      <a:solidFill>
-                        <a:schemeClr val="tx1"/>
-                      </a:solidFill>
-                    </a:ln>
-                  </p:spPr>
-                  <p:style>
-                    <a:lnRef idx="2">
-                      <a:schemeClr val="accent1"/>
-                    </a:lnRef>
-                    <a:fillRef idx="0">
-                      <a:schemeClr val="accent1"/>
-                    </a:fillRef>
-                    <a:effectRef idx="1">
-                      <a:schemeClr val="accent1"/>
-                    </a:effectRef>
-                    <a:fontRef idx="minor">
-                      <a:schemeClr val="tx1"/>
-                    </a:fontRef>
-                  </p:style>
-                </p:cxnSp>
-                <p:sp>
-                  <p:nvSpPr>
-                    <p:cNvPr id="48" name="Oval 47"/>
-                    <p:cNvSpPr/>
-                    <p:nvPr/>
-                  </p:nvSpPr>
-                  <p:spPr>
-                    <a:xfrm>
-                      <a:off x="2194561" y="5637668"/>
-                      <a:ext cx="182880" cy="182880"/>
-                    </a:xfrm>
-                    <a:prstGeom prst="ellipse">
-                      <a:avLst/>
-                    </a:prstGeom>
+                  <a:prstGeom prst="rect">
+                    <a:avLst/>
+                  </a:prstGeom>
+                  <a:noFill/>
+                  <a:ln w="31750">
                     <a:solidFill>
                       <a:schemeClr val="tx1"/>
                     </a:solidFill>
-                    <a:ln w="31750">
-                      <a:noFill/>
-                    </a:ln>
-                  </p:spPr>
-                  <p:style>
-                    <a:lnRef idx="1">
-                      <a:schemeClr val="accent1"/>
-                    </a:lnRef>
-                    <a:fillRef idx="3">
-                      <a:schemeClr val="accent1"/>
-                    </a:fillRef>
-                    <a:effectRef idx="2">
-                      <a:schemeClr val="accent1"/>
-                    </a:effectRef>
-                    <a:fontRef idx="minor">
-                      <a:schemeClr val="lt1"/>
-                    </a:fontRef>
-                  </p:style>
-                  <p:txBody>
-                    <a:bodyPr rot="0" spcFirstLastPara="0" vertOverflow="overflow" horzOverflow="overflow" vert="horz" wrap="square" lIns="91440" tIns="45720" rIns="91440" bIns="45720" numCol="1" spcCol="0" rtlCol="0" fromWordArt="0" anchor="ctr" anchorCtr="0" forceAA="0" compatLnSpc="1">
-                      <a:prstTxWarp prst="textNoShape">
-                        <a:avLst/>
-                      </a:prstTxWarp>
-                      <a:noAutofit/>
-                    </a:bodyPr>
-                    <a:lstStyle/>
-                    <a:p>
-                      <a:pPr algn="ctr"/>
-                      <a:endParaRPr lang="en-US"/>
-                    </a:p>
-                  </p:txBody>
-                </p:sp>
-                <p:sp>
-                  <p:nvSpPr>
-                    <p:cNvPr id="49" name="Oval 48"/>
-                    <p:cNvSpPr/>
-                    <p:nvPr/>
-                  </p:nvSpPr>
-                  <p:spPr>
-                    <a:xfrm>
-                      <a:off x="1106313" y="5637668"/>
-                      <a:ext cx="182880" cy="182880"/>
-                    </a:xfrm>
-                    <a:prstGeom prst="ellipse">
-                      <a:avLst/>
-                    </a:prstGeom>
+                  </a:ln>
+                </p:spPr>
+                <p:style>
+                  <a:lnRef idx="1">
+                    <a:schemeClr val="accent1"/>
+                  </a:lnRef>
+                  <a:fillRef idx="3">
+                    <a:schemeClr val="accent1"/>
+                  </a:fillRef>
+                  <a:effectRef idx="2">
+                    <a:schemeClr val="accent1"/>
+                  </a:effectRef>
+                  <a:fontRef idx="minor">
+                    <a:schemeClr val="lt1"/>
+                  </a:fontRef>
+                </p:style>
+                <p:txBody>
+                  <a:bodyPr rtlCol="0" anchor="ctr"/>
+                  <a:lstStyle/>
+                  <a:p>
+                    <a:pPr algn="ctr"/>
+                    <a:endParaRPr lang="en-US"/>
+                  </a:p>
+                </p:txBody>
+              </p:sp>
+              <p:cxnSp>
+                <p:nvCxnSpPr>
+                  <p:cNvPr id="21" name="Straight Connector 20"/>
+                  <p:cNvCxnSpPr/>
+                  <p:nvPr/>
+                </p:nvCxnSpPr>
+                <p:spPr>
+                  <a:xfrm>
+                    <a:off x="1227668" y="4670775"/>
+                    <a:ext cx="1058333" cy="1058333"/>
+                  </a:xfrm>
+                  <a:prstGeom prst="line">
+                    <a:avLst/>
+                  </a:prstGeom>
+                  <a:ln w="31750">
                     <a:solidFill>
                       <a:schemeClr val="tx1"/>
                     </a:solidFill>
-                    <a:ln w="31750">
-                      <a:noFill/>
-                    </a:ln>
-                  </p:spPr>
-                  <p:style>
-                    <a:lnRef idx="1">
-                      <a:schemeClr val="accent1"/>
-                    </a:lnRef>
-                    <a:fillRef idx="3">
-                      <a:schemeClr val="accent1"/>
-                    </a:fillRef>
-                    <a:effectRef idx="2">
-                      <a:schemeClr val="accent1"/>
-                    </a:effectRef>
-                    <a:fontRef idx="minor">
-                      <a:schemeClr val="lt1"/>
-                    </a:fontRef>
-                  </p:style>
-                  <p:txBody>
-                    <a:bodyPr rot="0" spcFirstLastPara="0" vertOverflow="overflow" horzOverflow="overflow" vert="horz" wrap="square" lIns="91440" tIns="45720" rIns="91440" bIns="45720" numCol="1" spcCol="0" rtlCol="0" fromWordArt="0" anchor="ctr" anchorCtr="0" forceAA="0" compatLnSpc="1">
-                      <a:prstTxWarp prst="textNoShape">
-                        <a:avLst/>
-                      </a:prstTxWarp>
-                      <a:noAutofit/>
-                    </a:bodyPr>
-                    <a:lstStyle/>
-                    <a:p>
-                      <a:pPr algn="ctr"/>
-                      <a:endParaRPr lang="en-US"/>
-                    </a:p>
-                  </p:txBody>
-                </p:sp>
-                <p:sp>
-                  <p:nvSpPr>
-                    <p:cNvPr id="50" name="Oval 49"/>
-                    <p:cNvSpPr/>
-                    <p:nvPr/>
-                  </p:nvSpPr>
-                  <p:spPr>
-                    <a:xfrm>
-                      <a:off x="1162193" y="4579335"/>
-                      <a:ext cx="182880" cy="182880"/>
-                    </a:xfrm>
-                    <a:prstGeom prst="ellipse">
+                  </a:ln>
+                </p:spPr>
+                <p:style>
+                  <a:lnRef idx="2">
+                    <a:schemeClr val="accent1"/>
+                  </a:lnRef>
+                  <a:fillRef idx="0">
+                    <a:schemeClr val="accent1"/>
+                  </a:fillRef>
+                  <a:effectRef idx="1">
+                    <a:schemeClr val="accent1"/>
+                  </a:effectRef>
+                  <a:fontRef idx="minor">
+                    <a:schemeClr val="tx1"/>
+                  </a:fontRef>
+                </p:style>
+              </p:cxnSp>
+              <p:sp>
+                <p:nvSpPr>
+                  <p:cNvPr id="22" name="Oval 21"/>
+                  <p:cNvSpPr/>
+                  <p:nvPr/>
+                </p:nvSpPr>
+                <p:spPr>
+                  <a:xfrm>
+                    <a:off x="2194561" y="5637668"/>
+                    <a:ext cx="182880" cy="182880"/>
+                  </a:xfrm>
+                  <a:prstGeom prst="ellipse">
+                    <a:avLst/>
+                  </a:prstGeom>
+                  <a:solidFill>
+                    <a:schemeClr val="tx1"/>
+                  </a:solidFill>
+                  <a:ln w="31750">
+                    <a:noFill/>
+                  </a:ln>
+                </p:spPr>
+                <p:style>
+                  <a:lnRef idx="1">
+                    <a:schemeClr val="accent1"/>
+                  </a:lnRef>
+                  <a:fillRef idx="3">
+                    <a:schemeClr val="accent1"/>
+                  </a:fillRef>
+                  <a:effectRef idx="2">
+                    <a:schemeClr val="accent1"/>
+                  </a:effectRef>
+                  <a:fontRef idx="minor">
+                    <a:schemeClr val="lt1"/>
+                  </a:fontRef>
+                </p:style>
+                <p:txBody>
+                  <a:bodyPr rot="0" spcFirstLastPara="0" vertOverflow="overflow" horzOverflow="overflow" vert="horz" wrap="square" lIns="91440" tIns="45720" rIns="91440" bIns="45720" numCol="1" spcCol="0" rtlCol="0" fromWordArt="0" anchor="ctr" anchorCtr="0" forceAA="0" compatLnSpc="1">
+                    <a:prstTxWarp prst="textNoShape">
                       <a:avLst/>
-                    </a:prstGeom>
+                    </a:prstTxWarp>
+                    <a:noAutofit/>
+                  </a:bodyPr>
+                  <a:lstStyle/>
+                  <a:p>
+                    <a:pPr algn="ctr"/>
+                    <a:endParaRPr lang="en-US"/>
+                  </a:p>
+                </p:txBody>
+              </p:sp>
+              <p:sp>
+                <p:nvSpPr>
+                  <p:cNvPr id="23" name="Oval 22"/>
+                  <p:cNvSpPr/>
+                  <p:nvPr/>
+                </p:nvSpPr>
+                <p:spPr>
+                  <a:xfrm>
+                    <a:off x="1106313" y="5637668"/>
+                    <a:ext cx="182880" cy="182880"/>
+                  </a:xfrm>
+                  <a:prstGeom prst="ellipse">
+                    <a:avLst/>
+                  </a:prstGeom>
+                  <a:solidFill>
+                    <a:schemeClr val="tx1"/>
+                  </a:solidFill>
+                  <a:ln w="31750">
+                    <a:noFill/>
+                  </a:ln>
+                </p:spPr>
+                <p:style>
+                  <a:lnRef idx="1">
+                    <a:schemeClr val="accent1"/>
+                  </a:lnRef>
+                  <a:fillRef idx="3">
+                    <a:schemeClr val="accent1"/>
+                  </a:fillRef>
+                  <a:effectRef idx="2">
+                    <a:schemeClr val="accent1"/>
+                  </a:effectRef>
+                  <a:fontRef idx="minor">
+                    <a:schemeClr val="lt1"/>
+                  </a:fontRef>
+                </p:style>
+                <p:txBody>
+                  <a:bodyPr rot="0" spcFirstLastPara="0" vertOverflow="overflow" horzOverflow="overflow" vert="horz" wrap="square" lIns="91440" tIns="45720" rIns="91440" bIns="45720" numCol="1" spcCol="0" rtlCol="0" fromWordArt="0" anchor="ctr" anchorCtr="0" forceAA="0" compatLnSpc="1">
+                    <a:prstTxWarp prst="textNoShape">
+                      <a:avLst/>
+                    </a:prstTxWarp>
+                    <a:noAutofit/>
+                  </a:bodyPr>
+                  <a:lstStyle/>
+                  <a:p>
+                    <a:pPr algn="ctr"/>
+                    <a:endParaRPr lang="en-US"/>
+                  </a:p>
+                </p:txBody>
+              </p:sp>
+              <p:sp>
+                <p:nvSpPr>
+                  <p:cNvPr id="24" name="Oval 23"/>
+                  <p:cNvSpPr/>
+                  <p:nvPr/>
+                </p:nvSpPr>
+                <p:spPr>
+                  <a:xfrm>
+                    <a:off x="1162193" y="4579335"/>
+                    <a:ext cx="182880" cy="182880"/>
+                  </a:xfrm>
+                  <a:prstGeom prst="ellipse">
+                    <a:avLst/>
+                  </a:prstGeom>
+                  <a:solidFill>
+                    <a:schemeClr val="tx1"/>
+                  </a:solidFill>
+                  <a:ln w="31750">
+                    <a:noFill/>
+                  </a:ln>
+                </p:spPr>
+                <p:style>
+                  <a:lnRef idx="1">
+                    <a:schemeClr val="accent1"/>
+                  </a:lnRef>
+                  <a:fillRef idx="3">
+                    <a:schemeClr val="accent1"/>
+                  </a:fillRef>
+                  <a:effectRef idx="2">
+                    <a:schemeClr val="accent1"/>
+                  </a:effectRef>
+                  <a:fontRef idx="minor">
+                    <a:schemeClr val="lt1"/>
+                  </a:fontRef>
+                </p:style>
+                <p:txBody>
+                  <a:bodyPr rot="0" spcFirstLastPara="0" vertOverflow="overflow" horzOverflow="overflow" vert="horz" wrap="square" lIns="91440" tIns="45720" rIns="91440" bIns="45720" numCol="1" spcCol="0" rtlCol="0" fromWordArt="0" anchor="ctr" anchorCtr="0" forceAA="0" compatLnSpc="1">
+                    <a:prstTxWarp prst="textNoShape">
+                      <a:avLst/>
+                    </a:prstTxWarp>
+                    <a:noAutofit/>
+                  </a:bodyPr>
+                  <a:lstStyle/>
+                  <a:p>
+                    <a:pPr algn="ctr"/>
+                    <a:endParaRPr lang="en-US"/>
+                  </a:p>
+                </p:txBody>
+              </p:sp>
+            </p:grpSp>
+          </p:grpSp>
+          <p:grpSp>
+            <p:nvGrpSpPr>
+              <p:cNvPr id="38" name="Group 37"/>
+              <p:cNvGrpSpPr/>
+              <p:nvPr/>
+            </p:nvGrpSpPr>
+            <p:grpSpPr>
+              <a:xfrm>
+                <a:off x="3282246" y="1348455"/>
+                <a:ext cx="2366150" cy="2320431"/>
+                <a:chOff x="1106313" y="3500117"/>
+                <a:chExt cx="2366150" cy="2320431"/>
+              </a:xfrm>
+            </p:grpSpPr>
+            <p:grpSp>
+              <p:nvGrpSpPr>
+                <p:cNvPr id="39" name="Group 38"/>
+                <p:cNvGrpSpPr/>
+                <p:nvPr/>
+              </p:nvGrpSpPr>
+              <p:grpSpPr>
+                <a:xfrm>
+                  <a:off x="1106313" y="4579335"/>
+                  <a:ext cx="1271128" cy="1241213"/>
+                  <a:chOff x="1106313" y="4579335"/>
+                  <a:chExt cx="1271128" cy="1241213"/>
+                </a:xfrm>
+              </p:grpSpPr>
+              <p:sp>
+                <p:nvSpPr>
+                  <p:cNvPr id="46" name="Rectangle 45"/>
+                  <p:cNvSpPr/>
+                  <p:nvPr/>
+                </p:nvSpPr>
+                <p:spPr>
+                  <a:xfrm>
+                    <a:off x="1227668" y="4670775"/>
+                    <a:ext cx="1058333" cy="1058333"/>
+                  </a:xfrm>
+                  <a:prstGeom prst="rect">
+                    <a:avLst/>
+                  </a:prstGeom>
+                  <a:noFill/>
+                  <a:ln w="31750">
                     <a:solidFill>
                       <a:schemeClr val="tx1"/>
                     </a:solidFill>
-                    <a:ln w="31750">
-                      <a:noFill/>
-                    </a:ln>
-                  </p:spPr>
-                  <p:style>
-                    <a:lnRef idx="1">
-                      <a:schemeClr val="accent1"/>
-                    </a:lnRef>
-                    <a:fillRef idx="3">
-                      <a:schemeClr val="accent1"/>
-                    </a:fillRef>
-                    <a:effectRef idx="2">
-                      <a:schemeClr val="accent1"/>
-                    </a:effectRef>
-                    <a:fontRef idx="minor">
-                      <a:schemeClr val="lt1"/>
-                    </a:fontRef>
-                  </p:style>
-                  <p:txBody>
-                    <a:bodyPr rot="0" spcFirstLastPara="0" vertOverflow="overflow" horzOverflow="overflow" vert="horz" wrap="square" lIns="91440" tIns="45720" rIns="91440" bIns="45720" numCol="1" spcCol="0" rtlCol="0" fromWordArt="0" anchor="ctr" anchorCtr="0" forceAA="0" compatLnSpc="1">
-                      <a:prstTxWarp prst="textNoShape">
-                        <a:avLst/>
-                      </a:prstTxWarp>
-                      <a:noAutofit/>
-                    </a:bodyPr>
-                    <a:lstStyle/>
-                    <a:p>
-                      <a:pPr algn="ctr"/>
-                      <a:endParaRPr lang="en-US"/>
-                    </a:p>
-                  </p:txBody>
-                </p:sp>
-              </p:grpSp>
-              <p:grpSp>
-                <p:nvGrpSpPr>
-                  <p:cNvPr id="40" name="Group 39"/>
-                  <p:cNvGrpSpPr/>
+                  </a:ln>
+                </p:spPr>
+                <p:style>
+                  <a:lnRef idx="1">
+                    <a:schemeClr val="accent1"/>
+                  </a:lnRef>
+                  <a:fillRef idx="3">
+                    <a:schemeClr val="accent1"/>
+                  </a:fillRef>
+                  <a:effectRef idx="2">
+                    <a:schemeClr val="accent1"/>
+                  </a:effectRef>
+                  <a:fontRef idx="minor">
+                    <a:schemeClr val="lt1"/>
+                  </a:fontRef>
+                </p:style>
+                <p:txBody>
+                  <a:bodyPr rtlCol="0" anchor="ctr"/>
+                  <a:lstStyle/>
+                  <a:p>
+                    <a:pPr algn="ctr"/>
+                    <a:endParaRPr lang="en-US"/>
+                  </a:p>
+                </p:txBody>
+              </p:sp>
+              <p:cxnSp>
+                <p:nvCxnSpPr>
+                  <p:cNvPr id="47" name="Straight Connector 46"/>
+                  <p:cNvCxnSpPr/>
                   <p:nvPr/>
-                </p:nvGrpSpPr>
-                <p:grpSpPr>
+                </p:nvCxnSpPr>
+                <p:spPr>
                   <a:xfrm>
-                    <a:off x="2201335" y="3500117"/>
-                    <a:ext cx="1271128" cy="1241213"/>
-                    <a:chOff x="1106313" y="4579335"/>
-                    <a:chExt cx="1271128" cy="1241213"/>
+                    <a:off x="1227668" y="4670775"/>
+                    <a:ext cx="1058333" cy="1058333"/>
                   </a:xfrm>
-                </p:grpSpPr>
-                <p:sp>
-                  <p:nvSpPr>
-                    <p:cNvPr id="41" name="Rectangle 40"/>
-                    <p:cNvSpPr/>
-                    <p:nvPr/>
-                  </p:nvSpPr>
-                  <p:spPr>
-                    <a:xfrm>
-                      <a:off x="1227668" y="4670775"/>
-                      <a:ext cx="1058333" cy="1058333"/>
-                    </a:xfrm>
-                    <a:prstGeom prst="rect">
-                      <a:avLst/>
-                    </a:prstGeom>
-                    <a:noFill/>
-                    <a:ln w="31750">
-                      <a:solidFill>
-                        <a:schemeClr val="tx1"/>
-                      </a:solidFill>
-                    </a:ln>
-                  </p:spPr>
-                  <p:style>
-                    <a:lnRef idx="1">
-                      <a:schemeClr val="accent1"/>
-                    </a:lnRef>
-                    <a:fillRef idx="3">
-                      <a:schemeClr val="accent1"/>
-                    </a:fillRef>
-                    <a:effectRef idx="2">
-                      <a:schemeClr val="accent1"/>
-                    </a:effectRef>
-                    <a:fontRef idx="minor">
-                      <a:schemeClr val="lt1"/>
-                    </a:fontRef>
-                  </p:style>
-                  <p:txBody>
-                    <a:bodyPr rtlCol="0" anchor="ctr"/>
-                    <a:lstStyle/>
-                    <a:p>
-                      <a:pPr algn="ctr"/>
-                      <a:endParaRPr lang="en-US"/>
-                    </a:p>
-                  </p:txBody>
-                </p:sp>
-                <p:cxnSp>
-                  <p:nvCxnSpPr>
-                    <p:cNvPr id="42" name="Straight Connector 41"/>
-                    <p:cNvCxnSpPr/>
-                    <p:nvPr/>
-                  </p:nvCxnSpPr>
-                  <p:spPr>
-                    <a:xfrm>
-                      <a:off x="1227668" y="4670775"/>
-                      <a:ext cx="1058333" cy="1058333"/>
-                    </a:xfrm>
-                    <a:prstGeom prst="line">
-                      <a:avLst/>
-                    </a:prstGeom>
-                    <a:ln w="31750">
-                      <a:solidFill>
-                        <a:schemeClr val="tx1"/>
-                      </a:solidFill>
-                    </a:ln>
-                  </p:spPr>
-                  <p:style>
-                    <a:lnRef idx="2">
-                      <a:schemeClr val="accent1"/>
-                    </a:lnRef>
-                    <a:fillRef idx="0">
-                      <a:schemeClr val="accent1"/>
-                    </a:fillRef>
-                    <a:effectRef idx="1">
-                      <a:schemeClr val="accent1"/>
-                    </a:effectRef>
-                    <a:fontRef idx="minor">
-                      <a:schemeClr val="tx1"/>
-                    </a:fontRef>
-                  </p:style>
-                </p:cxnSp>
-                <p:sp>
-                  <p:nvSpPr>
-                    <p:cNvPr id="43" name="Oval 42"/>
-                    <p:cNvSpPr/>
-                    <p:nvPr/>
-                  </p:nvSpPr>
-                  <p:spPr>
-                    <a:xfrm>
-                      <a:off x="2194561" y="5637668"/>
-                      <a:ext cx="182880" cy="182880"/>
-                    </a:xfrm>
-                    <a:prstGeom prst="ellipse">
-                      <a:avLst/>
-                    </a:prstGeom>
+                  <a:prstGeom prst="line">
+                    <a:avLst/>
+                  </a:prstGeom>
+                  <a:ln w="31750">
                     <a:solidFill>
                       <a:schemeClr val="tx1"/>
                     </a:solidFill>
-                    <a:ln w="31750">
-                      <a:noFill/>
-                    </a:ln>
-                  </p:spPr>
-                  <p:style>
-                    <a:lnRef idx="1">
-                      <a:schemeClr val="accent1"/>
-                    </a:lnRef>
-                    <a:fillRef idx="3">
-                      <a:schemeClr val="accent1"/>
-                    </a:fillRef>
-                    <a:effectRef idx="2">
-                      <a:schemeClr val="accent1"/>
-                    </a:effectRef>
-                    <a:fontRef idx="minor">
-                      <a:schemeClr val="lt1"/>
-                    </a:fontRef>
-                  </p:style>
-                  <p:txBody>
-                    <a:bodyPr rot="0" spcFirstLastPara="0" vertOverflow="overflow" horzOverflow="overflow" vert="horz" wrap="square" lIns="91440" tIns="45720" rIns="91440" bIns="45720" numCol="1" spcCol="0" rtlCol="0" fromWordArt="0" anchor="ctr" anchorCtr="0" forceAA="0" compatLnSpc="1">
-                      <a:prstTxWarp prst="textNoShape">
-                        <a:avLst/>
-                      </a:prstTxWarp>
-                      <a:noAutofit/>
-                    </a:bodyPr>
-                    <a:lstStyle/>
-                    <a:p>
-                      <a:pPr algn="ctr"/>
-                      <a:endParaRPr lang="en-US"/>
-                    </a:p>
-                  </p:txBody>
-                </p:sp>
-                <p:sp>
-                  <p:nvSpPr>
-                    <p:cNvPr id="44" name="Oval 43"/>
-                    <p:cNvSpPr/>
-                    <p:nvPr/>
-                  </p:nvSpPr>
-                  <p:spPr>
-                    <a:xfrm>
-                      <a:off x="1106313" y="5637668"/>
-                      <a:ext cx="182880" cy="182880"/>
-                    </a:xfrm>
-                    <a:prstGeom prst="ellipse">
+                  </a:ln>
+                </p:spPr>
+                <p:style>
+                  <a:lnRef idx="2">
+                    <a:schemeClr val="accent1"/>
+                  </a:lnRef>
+                  <a:fillRef idx="0">
+                    <a:schemeClr val="accent1"/>
+                  </a:fillRef>
+                  <a:effectRef idx="1">
+                    <a:schemeClr val="accent1"/>
+                  </a:effectRef>
+                  <a:fontRef idx="minor">
+                    <a:schemeClr val="tx1"/>
+                  </a:fontRef>
+                </p:style>
+              </p:cxnSp>
+              <p:sp>
+                <p:nvSpPr>
+                  <p:cNvPr id="48" name="Oval 47"/>
+                  <p:cNvSpPr/>
+                  <p:nvPr/>
+                </p:nvSpPr>
+                <p:spPr>
+                  <a:xfrm>
+                    <a:off x="2194561" y="5637668"/>
+                    <a:ext cx="182880" cy="182880"/>
+                  </a:xfrm>
+                  <a:prstGeom prst="ellipse">
+                    <a:avLst/>
+                  </a:prstGeom>
+                  <a:solidFill>
+                    <a:schemeClr val="tx1"/>
+                  </a:solidFill>
+                  <a:ln w="31750">
+                    <a:noFill/>
+                  </a:ln>
+                </p:spPr>
+                <p:style>
+                  <a:lnRef idx="1">
+                    <a:schemeClr val="accent1"/>
+                  </a:lnRef>
+                  <a:fillRef idx="3">
+                    <a:schemeClr val="accent1"/>
+                  </a:fillRef>
+                  <a:effectRef idx="2">
+                    <a:schemeClr val="accent1"/>
+                  </a:effectRef>
+                  <a:fontRef idx="minor">
+                    <a:schemeClr val="lt1"/>
+                  </a:fontRef>
+                </p:style>
+                <p:txBody>
+                  <a:bodyPr rot="0" spcFirstLastPara="0" vertOverflow="overflow" horzOverflow="overflow" vert="horz" wrap="square" lIns="91440" tIns="45720" rIns="91440" bIns="45720" numCol="1" spcCol="0" rtlCol="0" fromWordArt="0" anchor="ctr" anchorCtr="0" forceAA="0" compatLnSpc="1">
+                    <a:prstTxWarp prst="textNoShape">
                       <a:avLst/>
-                    </a:prstGeom>
+                    </a:prstTxWarp>
+                    <a:noAutofit/>
+                  </a:bodyPr>
+                  <a:lstStyle/>
+                  <a:p>
+                    <a:pPr algn="ctr"/>
+                    <a:endParaRPr lang="en-US"/>
+                  </a:p>
+                </p:txBody>
+              </p:sp>
+              <p:sp>
+                <p:nvSpPr>
+                  <p:cNvPr id="49" name="Oval 48"/>
+                  <p:cNvSpPr/>
+                  <p:nvPr/>
+                </p:nvSpPr>
+                <p:spPr>
+                  <a:xfrm>
+                    <a:off x="1106313" y="5637668"/>
+                    <a:ext cx="182880" cy="182880"/>
+                  </a:xfrm>
+                  <a:prstGeom prst="ellipse">
+                    <a:avLst/>
+                  </a:prstGeom>
+                  <a:solidFill>
+                    <a:schemeClr val="tx1"/>
+                  </a:solidFill>
+                  <a:ln w="31750">
+                    <a:noFill/>
+                  </a:ln>
+                </p:spPr>
+                <p:style>
+                  <a:lnRef idx="1">
+                    <a:schemeClr val="accent1"/>
+                  </a:lnRef>
+                  <a:fillRef idx="3">
+                    <a:schemeClr val="accent1"/>
+                  </a:fillRef>
+                  <a:effectRef idx="2">
+                    <a:schemeClr val="accent1"/>
+                  </a:effectRef>
+                  <a:fontRef idx="minor">
+                    <a:schemeClr val="lt1"/>
+                  </a:fontRef>
+                </p:style>
+                <p:txBody>
+                  <a:bodyPr rot="0" spcFirstLastPara="0" vertOverflow="overflow" horzOverflow="overflow" vert="horz" wrap="square" lIns="91440" tIns="45720" rIns="91440" bIns="45720" numCol="1" spcCol="0" rtlCol="0" fromWordArt="0" anchor="ctr" anchorCtr="0" forceAA="0" compatLnSpc="1">
+                    <a:prstTxWarp prst="textNoShape">
+                      <a:avLst/>
+                    </a:prstTxWarp>
+                    <a:noAutofit/>
+                  </a:bodyPr>
+                  <a:lstStyle/>
+                  <a:p>
+                    <a:pPr algn="ctr"/>
+                    <a:endParaRPr lang="en-US"/>
+                  </a:p>
+                </p:txBody>
+              </p:sp>
+              <p:sp>
+                <p:nvSpPr>
+                  <p:cNvPr id="50" name="Oval 49"/>
+                  <p:cNvSpPr/>
+                  <p:nvPr/>
+                </p:nvSpPr>
+                <p:spPr>
+                  <a:xfrm>
+                    <a:off x="1162193" y="4579335"/>
+                    <a:ext cx="182880" cy="182880"/>
+                  </a:xfrm>
+                  <a:prstGeom prst="ellipse">
+                    <a:avLst/>
+                  </a:prstGeom>
+                  <a:solidFill>
+                    <a:schemeClr val="tx1"/>
+                  </a:solidFill>
+                  <a:ln w="31750">
+                    <a:noFill/>
+                  </a:ln>
+                </p:spPr>
+                <p:style>
+                  <a:lnRef idx="1">
+                    <a:schemeClr val="accent1"/>
+                  </a:lnRef>
+                  <a:fillRef idx="3">
+                    <a:schemeClr val="accent1"/>
+                  </a:fillRef>
+                  <a:effectRef idx="2">
+                    <a:schemeClr val="accent1"/>
+                  </a:effectRef>
+                  <a:fontRef idx="minor">
+                    <a:schemeClr val="lt1"/>
+                  </a:fontRef>
+                </p:style>
+                <p:txBody>
+                  <a:bodyPr rot="0" spcFirstLastPara="0" vertOverflow="overflow" horzOverflow="overflow" vert="horz" wrap="square" lIns="91440" tIns="45720" rIns="91440" bIns="45720" numCol="1" spcCol="0" rtlCol="0" fromWordArt="0" anchor="ctr" anchorCtr="0" forceAA="0" compatLnSpc="1">
+                    <a:prstTxWarp prst="textNoShape">
+                      <a:avLst/>
+                    </a:prstTxWarp>
+                    <a:noAutofit/>
+                  </a:bodyPr>
+                  <a:lstStyle/>
+                  <a:p>
+                    <a:pPr algn="ctr"/>
+                    <a:endParaRPr lang="en-US"/>
+                  </a:p>
+                </p:txBody>
+              </p:sp>
+            </p:grpSp>
+            <p:grpSp>
+              <p:nvGrpSpPr>
+                <p:cNvPr id="40" name="Group 39"/>
+                <p:cNvGrpSpPr/>
+                <p:nvPr/>
+              </p:nvGrpSpPr>
+              <p:grpSpPr>
+                <a:xfrm>
+                  <a:off x="2201335" y="3500117"/>
+                  <a:ext cx="1271128" cy="1241213"/>
+                  <a:chOff x="1106313" y="4579335"/>
+                  <a:chExt cx="1271128" cy="1241213"/>
+                </a:xfrm>
+              </p:grpSpPr>
+              <p:sp>
+                <p:nvSpPr>
+                  <p:cNvPr id="41" name="Rectangle 40"/>
+                  <p:cNvSpPr/>
+                  <p:nvPr/>
+                </p:nvSpPr>
+                <p:spPr>
+                  <a:xfrm>
+                    <a:off x="1227668" y="4670775"/>
+                    <a:ext cx="1058333" cy="1058333"/>
+                  </a:xfrm>
+                  <a:prstGeom prst="rect">
+                    <a:avLst/>
+                  </a:prstGeom>
+                  <a:noFill/>
+                  <a:ln w="31750">
                     <a:solidFill>
                       <a:schemeClr val="tx1"/>
                     </a:solidFill>
-                    <a:ln w="31750">
-                      <a:noFill/>
-                    </a:ln>
-                  </p:spPr>
-                  <p:style>
-                    <a:lnRef idx="1">
-                      <a:schemeClr val="accent1"/>
-                    </a:lnRef>
-                    <a:fillRef idx="3">
-                      <a:schemeClr val="accent1"/>
-                    </a:fillRef>
-                    <a:effectRef idx="2">
-                      <a:schemeClr val="accent1"/>
-                    </a:effectRef>
-                    <a:fontRef idx="minor">
-                      <a:schemeClr val="lt1"/>
-                    </a:fontRef>
-                  </p:style>
-                  <p:txBody>
-                    <a:bodyPr rot="0" spcFirstLastPara="0" vertOverflow="overflow" horzOverflow="overflow" vert="horz" wrap="square" lIns="91440" tIns="45720" rIns="91440" bIns="45720" numCol="1" spcCol="0" rtlCol="0" fromWordArt="0" anchor="ctr" anchorCtr="0" forceAA="0" compatLnSpc="1">
-                      <a:prstTxWarp prst="textNoShape">
-                        <a:avLst/>
-                      </a:prstTxWarp>
-                      <a:noAutofit/>
-                    </a:bodyPr>
-                    <a:lstStyle/>
-                    <a:p>
-                      <a:pPr algn="ctr"/>
-                      <a:endParaRPr lang="en-US"/>
-                    </a:p>
-                  </p:txBody>
-                </p:sp>
-                <p:sp>
-                  <p:nvSpPr>
-                    <p:cNvPr id="45" name="Oval 44"/>
-                    <p:cNvSpPr/>
-                    <p:nvPr/>
-                  </p:nvSpPr>
-                  <p:spPr>
-                    <a:xfrm>
-                      <a:off x="1162193" y="4579335"/>
-                      <a:ext cx="182880" cy="182880"/>
-                    </a:xfrm>
-                    <a:prstGeom prst="ellipse">
-                      <a:avLst/>
-                    </a:prstGeom>
+                  </a:ln>
+                </p:spPr>
+                <p:style>
+                  <a:lnRef idx="1">
+                    <a:schemeClr val="accent1"/>
+                  </a:lnRef>
+                  <a:fillRef idx="3">
+                    <a:schemeClr val="accent1"/>
+                  </a:fillRef>
+                  <a:effectRef idx="2">
+                    <a:schemeClr val="accent1"/>
+                  </a:effectRef>
+                  <a:fontRef idx="minor">
+                    <a:schemeClr val="lt1"/>
+                  </a:fontRef>
+                </p:style>
+                <p:txBody>
+                  <a:bodyPr rtlCol="0" anchor="ctr"/>
+                  <a:lstStyle/>
+                  <a:p>
+                    <a:pPr algn="ctr"/>
+                    <a:endParaRPr lang="en-US"/>
+                  </a:p>
+                </p:txBody>
+              </p:sp>
+              <p:cxnSp>
+                <p:nvCxnSpPr>
+                  <p:cNvPr id="42" name="Straight Connector 41"/>
+                  <p:cNvCxnSpPr/>
+                  <p:nvPr/>
+                </p:nvCxnSpPr>
+                <p:spPr>
+                  <a:xfrm>
+                    <a:off x="1227668" y="4670775"/>
+                    <a:ext cx="1058333" cy="1058333"/>
+                  </a:xfrm>
+                  <a:prstGeom prst="line">
+                    <a:avLst/>
+                  </a:prstGeom>
+                  <a:ln w="31750">
                     <a:solidFill>
                       <a:schemeClr val="tx1"/>
                     </a:solidFill>
-                    <a:ln w="31750">
-                      <a:noFill/>
-                    </a:ln>
-                  </p:spPr>
-                  <p:style>
-                    <a:lnRef idx="1">
-                      <a:schemeClr val="accent1"/>
-                    </a:lnRef>
-                    <a:fillRef idx="3">
-                      <a:schemeClr val="accent1"/>
-                    </a:fillRef>
-                    <a:effectRef idx="2">
-                      <a:schemeClr val="accent1"/>
-                    </a:effectRef>
-                    <a:fontRef idx="minor">
-                      <a:schemeClr val="lt1"/>
-                    </a:fontRef>
-                  </p:style>
-                  <p:txBody>
-                    <a:bodyPr rot="0" spcFirstLastPara="0" vertOverflow="overflow" horzOverflow="overflow" vert="horz" wrap="square" lIns="91440" tIns="45720" rIns="91440" bIns="45720" numCol="1" spcCol="0" rtlCol="0" fromWordArt="0" anchor="ctr" anchorCtr="0" forceAA="0" compatLnSpc="1">
-                      <a:prstTxWarp prst="textNoShape">
-                        <a:avLst/>
-                      </a:prstTxWarp>
-                      <a:noAutofit/>
-                    </a:bodyPr>
-                    <a:lstStyle/>
-                    <a:p>
-                      <a:pPr algn="ctr"/>
-                      <a:endParaRPr lang="en-US"/>
-                    </a:p>
-                  </p:txBody>
-                </p:sp>
-              </p:grpSp>
+                  </a:ln>
+                </p:spPr>
+                <p:style>
+                  <a:lnRef idx="2">
+                    <a:schemeClr val="accent1"/>
+                  </a:lnRef>
+                  <a:fillRef idx="0">
+                    <a:schemeClr val="accent1"/>
+                  </a:fillRef>
+                  <a:effectRef idx="1">
+                    <a:schemeClr val="accent1"/>
+                  </a:effectRef>
+                  <a:fontRef idx="minor">
+                    <a:schemeClr val="tx1"/>
+                  </a:fontRef>
+                </p:style>
+              </p:cxnSp>
+              <p:sp>
+                <p:nvSpPr>
+                  <p:cNvPr id="43" name="Oval 42"/>
+                  <p:cNvSpPr/>
+                  <p:nvPr/>
+                </p:nvSpPr>
+                <p:spPr>
+                  <a:xfrm>
+                    <a:off x="2194561" y="5637668"/>
+                    <a:ext cx="182880" cy="182880"/>
+                  </a:xfrm>
+                  <a:prstGeom prst="ellipse">
+                    <a:avLst/>
+                  </a:prstGeom>
+                  <a:solidFill>
+                    <a:schemeClr val="tx1"/>
+                  </a:solidFill>
+                  <a:ln w="31750">
+                    <a:noFill/>
+                  </a:ln>
+                </p:spPr>
+                <p:style>
+                  <a:lnRef idx="1">
+                    <a:schemeClr val="accent1"/>
+                  </a:lnRef>
+                  <a:fillRef idx="3">
+                    <a:schemeClr val="accent1"/>
+                  </a:fillRef>
+                  <a:effectRef idx="2">
+                    <a:schemeClr val="accent1"/>
+                  </a:effectRef>
+                  <a:fontRef idx="minor">
+                    <a:schemeClr val="lt1"/>
+                  </a:fontRef>
+                </p:style>
+                <p:txBody>
+                  <a:bodyPr rot="0" spcFirstLastPara="0" vertOverflow="overflow" horzOverflow="overflow" vert="horz" wrap="square" lIns="91440" tIns="45720" rIns="91440" bIns="45720" numCol="1" spcCol="0" rtlCol="0" fromWordArt="0" anchor="ctr" anchorCtr="0" forceAA="0" compatLnSpc="1">
+                    <a:prstTxWarp prst="textNoShape">
+                      <a:avLst/>
+                    </a:prstTxWarp>
+                    <a:noAutofit/>
+                  </a:bodyPr>
+                  <a:lstStyle/>
+                  <a:p>
+                    <a:pPr algn="ctr"/>
+                    <a:endParaRPr lang="en-US"/>
+                  </a:p>
+                </p:txBody>
+              </p:sp>
+              <p:sp>
+                <p:nvSpPr>
+                  <p:cNvPr id="44" name="Oval 43"/>
+                  <p:cNvSpPr/>
+                  <p:nvPr/>
+                </p:nvSpPr>
+                <p:spPr>
+                  <a:xfrm>
+                    <a:off x="1106313" y="5637668"/>
+                    <a:ext cx="182880" cy="182880"/>
+                  </a:xfrm>
+                  <a:prstGeom prst="ellipse">
+                    <a:avLst/>
+                  </a:prstGeom>
+                  <a:solidFill>
+                    <a:schemeClr val="tx1"/>
+                  </a:solidFill>
+                  <a:ln w="31750">
+                    <a:noFill/>
+                  </a:ln>
+                </p:spPr>
+                <p:style>
+                  <a:lnRef idx="1">
+                    <a:schemeClr val="accent1"/>
+                  </a:lnRef>
+                  <a:fillRef idx="3">
+                    <a:schemeClr val="accent1"/>
+                  </a:fillRef>
+                  <a:effectRef idx="2">
+                    <a:schemeClr val="accent1"/>
+                  </a:effectRef>
+                  <a:fontRef idx="minor">
+                    <a:schemeClr val="lt1"/>
+                  </a:fontRef>
+                </p:style>
+                <p:txBody>
+                  <a:bodyPr rot="0" spcFirstLastPara="0" vertOverflow="overflow" horzOverflow="overflow" vert="horz" wrap="square" lIns="91440" tIns="45720" rIns="91440" bIns="45720" numCol="1" spcCol="0" rtlCol="0" fromWordArt="0" anchor="ctr" anchorCtr="0" forceAA="0" compatLnSpc="1">
+                    <a:prstTxWarp prst="textNoShape">
+                      <a:avLst/>
+                    </a:prstTxWarp>
+                    <a:noAutofit/>
+                  </a:bodyPr>
+                  <a:lstStyle/>
+                  <a:p>
+                    <a:pPr algn="ctr"/>
+                    <a:endParaRPr lang="en-US"/>
+                  </a:p>
+                </p:txBody>
+              </p:sp>
+              <p:sp>
+                <p:nvSpPr>
+                  <p:cNvPr id="45" name="Oval 44"/>
+                  <p:cNvSpPr/>
+                  <p:nvPr/>
+                </p:nvSpPr>
+                <p:spPr>
+                  <a:xfrm>
+                    <a:off x="1162193" y="4579335"/>
+                    <a:ext cx="182880" cy="182880"/>
+                  </a:xfrm>
+                  <a:prstGeom prst="ellipse">
+                    <a:avLst/>
+                  </a:prstGeom>
+                  <a:solidFill>
+                    <a:schemeClr val="tx1"/>
+                  </a:solidFill>
+                  <a:ln w="31750">
+                    <a:noFill/>
+                  </a:ln>
+                </p:spPr>
+                <p:style>
+                  <a:lnRef idx="1">
+                    <a:schemeClr val="accent1"/>
+                  </a:lnRef>
+                  <a:fillRef idx="3">
+                    <a:schemeClr val="accent1"/>
+                  </a:fillRef>
+                  <a:effectRef idx="2">
+                    <a:schemeClr val="accent1"/>
+                  </a:effectRef>
+                  <a:fontRef idx="minor">
+                    <a:schemeClr val="lt1"/>
+                  </a:fontRef>
+                </p:style>
+                <p:txBody>
+                  <a:bodyPr rot="0" spcFirstLastPara="0" vertOverflow="overflow" horzOverflow="overflow" vert="horz" wrap="square" lIns="91440" tIns="45720" rIns="91440" bIns="45720" numCol="1" spcCol="0" rtlCol="0" fromWordArt="0" anchor="ctr" anchorCtr="0" forceAA="0" compatLnSpc="1">
+                    <a:prstTxWarp prst="textNoShape">
+                      <a:avLst/>
+                    </a:prstTxWarp>
+                    <a:noAutofit/>
+                  </a:bodyPr>
+                  <a:lstStyle/>
+                  <a:p>
+                    <a:pPr algn="ctr"/>
+                    <a:endParaRPr lang="en-US"/>
+                  </a:p>
+                </p:txBody>
+              </p:sp>
             </p:grpSp>
           </p:grpSp>
-          <p:cxnSp>
-            <p:nvCxnSpPr>
-              <p:cNvPr id="53" name="Straight Connector 52"/>
-              <p:cNvCxnSpPr>
-                <a:stCxn id="7" idx="4"/>
-                <a:endCxn id="18" idx="0"/>
-              </p:cNvCxnSpPr>
-              <p:nvPr/>
-            </p:nvCxnSpPr>
-            <p:spPr>
-              <a:xfrm>
-                <a:off x="2355418" y="1425221"/>
-                <a:ext cx="55317" cy="3027115"/>
-              </a:xfrm>
-              <a:prstGeom prst="line">
-                <a:avLst/>
-              </a:prstGeom>
-              <a:ln w="31750">
-                <a:solidFill>
-                  <a:schemeClr val="tx1"/>
-                </a:solidFill>
-              </a:ln>
-            </p:spPr>
-            <p:style>
-              <a:lnRef idx="2">
-                <a:schemeClr val="accent1"/>
-              </a:lnRef>
-              <a:fillRef idx="0">
-                <a:schemeClr val="accent1"/>
-              </a:fillRef>
-              <a:effectRef idx="1">
-                <a:schemeClr val="accent1"/>
-              </a:effectRef>
-              <a:fontRef idx="minor">
-                <a:schemeClr val="tx1"/>
-              </a:fontRef>
-            </p:style>
-          </p:cxnSp>
-          <p:cxnSp>
-            <p:nvCxnSpPr>
-              <p:cNvPr id="55" name="Straight Connector 54"/>
-              <p:cNvCxnSpPr>
-                <a:stCxn id="7" idx="5"/>
-                <a:endCxn id="24" idx="1"/>
-              </p:cNvCxnSpPr>
-              <p:nvPr/>
-            </p:nvCxnSpPr>
-            <p:spPr>
-              <a:xfrm>
-                <a:off x="2420076" y="1398439"/>
-                <a:ext cx="1021023" cy="2001461"/>
-              </a:xfrm>
-              <a:prstGeom prst="line">
-                <a:avLst/>
-              </a:prstGeom>
-              <a:ln w="31750">
-                <a:solidFill>
-                  <a:schemeClr val="tx1"/>
-                </a:solidFill>
-              </a:ln>
-            </p:spPr>
-            <p:style>
-              <a:lnRef idx="2">
-                <a:schemeClr val="accent1"/>
-              </a:lnRef>
-              <a:fillRef idx="0">
-                <a:schemeClr val="accent1"/>
-              </a:fillRef>
-              <a:effectRef idx="1">
-                <a:schemeClr val="accent1"/>
-              </a:effectRef>
-              <a:fontRef idx="minor">
-                <a:schemeClr val="tx1"/>
-              </a:fontRef>
-            </p:style>
-          </p:cxnSp>
-          <p:cxnSp>
-            <p:nvCxnSpPr>
-              <p:cNvPr id="59" name="Straight Connector 58"/>
-              <p:cNvCxnSpPr/>
-              <p:nvPr/>
-            </p:nvCxnSpPr>
-            <p:spPr>
-              <a:xfrm>
-                <a:off x="5675480" y="3541887"/>
-                <a:ext cx="1021023" cy="1930906"/>
-              </a:xfrm>
-              <a:prstGeom prst="line">
-                <a:avLst/>
-              </a:prstGeom>
-              <a:ln w="31750">
-                <a:solidFill>
-                  <a:schemeClr val="tx1"/>
-                </a:solidFill>
-              </a:ln>
-            </p:spPr>
-            <p:style>
-              <a:lnRef idx="2">
-                <a:schemeClr val="accent1"/>
-              </a:lnRef>
-              <a:fillRef idx="0">
-                <a:schemeClr val="accent1"/>
-              </a:fillRef>
-              <a:effectRef idx="1">
-                <a:schemeClr val="accent1"/>
-              </a:effectRef>
-              <a:fontRef idx="minor">
-                <a:schemeClr val="tx1"/>
-              </a:fontRef>
-            </p:style>
-          </p:cxnSp>
-          <p:sp>
-            <p:nvSpPr>
-              <p:cNvPr id="61" name="Oval 60"/>
-              <p:cNvSpPr/>
-              <p:nvPr/>
-            </p:nvSpPr>
-            <p:spPr>
-              <a:xfrm>
-                <a:off x="6641237" y="5468334"/>
-                <a:ext cx="182880" cy="182880"/>
-              </a:xfrm>
-              <a:prstGeom prst="ellipse">
-                <a:avLst/>
-              </a:prstGeom>
+        </p:grpSp>
+        <p:cxnSp>
+          <p:nvCxnSpPr>
+            <p:cNvPr id="53" name="Straight Connector 52"/>
+            <p:cNvCxnSpPr>
+              <a:stCxn id="7" idx="4"/>
+              <a:endCxn id="18" idx="0"/>
+            </p:cNvCxnSpPr>
+            <p:nvPr/>
+          </p:nvCxnSpPr>
+          <p:spPr>
+            <a:xfrm>
+              <a:off x="2355418" y="1425221"/>
+              <a:ext cx="55317" cy="3027115"/>
+            </a:xfrm>
+            <a:prstGeom prst="line">
+              <a:avLst/>
+            </a:prstGeom>
+            <a:ln w="31750">
               <a:solidFill>
                 <a:schemeClr val="tx1"/>
               </a:solidFill>
-              <a:ln w="31750">
-                <a:noFill/>
-              </a:ln>
-            </p:spPr>
-            <p:style>
-              <a:lnRef idx="1">
-                <a:schemeClr val="accent1"/>
-              </a:lnRef>
-              <a:fillRef idx="3">
-                <a:schemeClr val="accent1"/>
-              </a:fillRef>
-              <a:effectRef idx="2">
-                <a:schemeClr val="accent1"/>
-              </a:effectRef>
-              <a:fontRef idx="minor">
-                <a:schemeClr val="lt1"/>
-              </a:fontRef>
-            </p:style>
-            <p:txBody>
-              <a:bodyPr rot="0" spcFirstLastPara="0" vertOverflow="overflow" horzOverflow="overflow" vert="horz" wrap="square" lIns="91440" tIns="45720" rIns="91440" bIns="45720" numCol="1" spcCol="0" rtlCol="0" fromWordArt="0" anchor="ctr" anchorCtr="0" forceAA="0" compatLnSpc="1">
-                <a:prstTxWarp prst="textNoShape">
-                  <a:avLst/>
-                </a:prstTxWarp>
-                <a:noAutofit/>
-              </a:bodyPr>
-              <a:lstStyle/>
-              <a:p>
-                <a:pPr algn="ctr"/>
-                <a:endParaRPr lang="en-US"/>
-              </a:p>
-            </p:txBody>
-          </p:sp>
-          <p:cxnSp>
-            <p:nvCxnSpPr>
-              <p:cNvPr id="62" name="Straight Connector 61"/>
-              <p:cNvCxnSpPr>
-                <a:stCxn id="43" idx="4"/>
-                <a:endCxn id="61" idx="0"/>
-              </p:cNvCxnSpPr>
-              <p:nvPr/>
-            </p:nvCxnSpPr>
-            <p:spPr>
-              <a:xfrm>
-                <a:off x="6714058" y="2462669"/>
-                <a:ext cx="18619" cy="3005665"/>
-              </a:xfrm>
-              <a:prstGeom prst="line">
-                <a:avLst/>
-              </a:prstGeom>
-              <a:ln w="31750">
-                <a:solidFill>
-                  <a:schemeClr val="tx1"/>
-                </a:solidFill>
-              </a:ln>
-            </p:spPr>
-            <p:style>
-              <a:lnRef idx="2">
-                <a:schemeClr val="accent1"/>
-              </a:lnRef>
-              <a:fillRef idx="0">
-                <a:schemeClr val="accent1"/>
-              </a:fillRef>
-              <a:effectRef idx="1">
-                <a:schemeClr val="accent1"/>
-              </a:effectRef>
-              <a:fontRef idx="minor">
+            </a:ln>
+          </p:spPr>
+          <p:style>
+            <a:lnRef idx="2">
+              <a:schemeClr val="accent1"/>
+            </a:lnRef>
+            <a:fillRef idx="0">
+              <a:schemeClr val="accent1"/>
+            </a:fillRef>
+            <a:effectRef idx="1">
+              <a:schemeClr val="accent1"/>
+            </a:effectRef>
+            <a:fontRef idx="minor">
+              <a:schemeClr val="tx1"/>
+            </a:fontRef>
+          </p:style>
+        </p:cxnSp>
+        <p:cxnSp>
+          <p:nvCxnSpPr>
+            <p:cNvPr id="55" name="Straight Connector 54"/>
+            <p:cNvCxnSpPr>
+              <a:stCxn id="7" idx="5"/>
+              <a:endCxn id="24" idx="1"/>
+            </p:cNvCxnSpPr>
+            <p:nvPr/>
+          </p:nvCxnSpPr>
+          <p:spPr>
+            <a:xfrm>
+              <a:off x="2420076" y="1398439"/>
+              <a:ext cx="1021023" cy="2001461"/>
+            </a:xfrm>
+            <a:prstGeom prst="line">
+              <a:avLst/>
+            </a:prstGeom>
+            <a:ln w="31750">
+              <a:solidFill>
                 <a:schemeClr val="tx1"/>
-              </a:fontRef>
-            </p:style>
-          </p:cxnSp>
-          <p:cxnSp>
-            <p:nvCxnSpPr>
-              <p:cNvPr id="66" name="Straight Connector 65"/>
-              <p:cNvCxnSpPr>
-                <a:stCxn id="7" idx="5"/>
-                <a:endCxn id="50" idx="2"/>
-              </p:cNvCxnSpPr>
-              <p:nvPr/>
-            </p:nvCxnSpPr>
-            <p:spPr>
-              <a:xfrm>
-                <a:off x="2420076" y="1398439"/>
-                <a:ext cx="2075152" cy="993675"/>
-              </a:xfrm>
-              <a:prstGeom prst="line">
-                <a:avLst/>
-              </a:prstGeom>
-              <a:ln w="31750">
-                <a:solidFill>
-                  <a:schemeClr val="tx1"/>
-                </a:solidFill>
-              </a:ln>
-            </p:spPr>
-            <p:style>
-              <a:lnRef idx="2">
-                <a:schemeClr val="accent1"/>
-              </a:lnRef>
-              <a:fillRef idx="0">
-                <a:schemeClr val="accent1"/>
-              </a:fillRef>
-              <a:effectRef idx="1">
-                <a:schemeClr val="accent1"/>
-              </a:effectRef>
-              <a:fontRef idx="minor">
+              </a:solidFill>
+            </a:ln>
+          </p:spPr>
+          <p:style>
+            <a:lnRef idx="2">
+              <a:schemeClr val="accent1"/>
+            </a:lnRef>
+            <a:fillRef idx="0">
+              <a:schemeClr val="accent1"/>
+            </a:fillRef>
+            <a:effectRef idx="1">
+              <a:schemeClr val="accent1"/>
+            </a:effectRef>
+            <a:fontRef idx="minor">
+              <a:schemeClr val="tx1"/>
+            </a:fontRef>
+          </p:style>
+        </p:cxnSp>
+        <p:cxnSp>
+          <p:nvCxnSpPr>
+            <p:cNvPr id="59" name="Straight Connector 58"/>
+            <p:cNvCxnSpPr/>
+            <p:nvPr/>
+          </p:nvCxnSpPr>
+          <p:spPr>
+            <a:xfrm>
+              <a:off x="5675480" y="3541887"/>
+              <a:ext cx="1021023" cy="1930906"/>
+            </a:xfrm>
+            <a:prstGeom prst="line">
+              <a:avLst/>
+            </a:prstGeom>
+            <a:ln w="31750">
+              <a:solidFill>
                 <a:schemeClr val="tx1"/>
-              </a:fontRef>
-            </p:style>
-          </p:cxnSp>
-          <p:cxnSp>
-            <p:nvCxnSpPr>
-              <p:cNvPr id="69" name="Straight Connector 68"/>
-              <p:cNvCxnSpPr>
-                <a:stCxn id="22" idx="5"/>
-                <a:endCxn id="61" idx="2"/>
-              </p:cNvCxnSpPr>
-              <p:nvPr/>
-            </p:nvCxnSpPr>
-            <p:spPr>
-              <a:xfrm>
-                <a:off x="4602783" y="4587549"/>
-                <a:ext cx="2038454" cy="972225"/>
-              </a:xfrm>
-              <a:prstGeom prst="line">
-                <a:avLst/>
-              </a:prstGeom>
-              <a:ln w="31750">
-                <a:solidFill>
-                  <a:schemeClr val="tx1"/>
-                </a:solidFill>
-              </a:ln>
-            </p:spPr>
-            <p:style>
-              <a:lnRef idx="2">
-                <a:schemeClr val="accent1"/>
-              </a:lnRef>
-              <a:fillRef idx="0">
-                <a:schemeClr val="accent1"/>
-              </a:fillRef>
-              <a:effectRef idx="1">
-                <a:schemeClr val="accent1"/>
-              </a:effectRef>
-              <a:fontRef idx="minor">
-                <a:schemeClr val="tx1"/>
-              </a:fontRef>
-            </p:style>
-          </p:cxnSp>
-          <p:cxnSp>
-            <p:nvCxnSpPr>
-              <p:cNvPr id="72" name="Straight Connector 71"/>
-              <p:cNvCxnSpPr>
-                <a:stCxn id="45" idx="2"/>
-                <a:endCxn id="7" idx="6"/>
-              </p:cNvCxnSpPr>
-              <p:nvPr/>
-            </p:nvCxnSpPr>
-            <p:spPr>
-              <a:xfrm flipH="1">
-                <a:off x="2446858" y="1312896"/>
-                <a:ext cx="3143392" cy="20885"/>
-              </a:xfrm>
-              <a:prstGeom prst="line">
-                <a:avLst/>
-              </a:prstGeom>
-              <a:ln w="31750">
-                <a:solidFill>
-                  <a:schemeClr val="tx1"/>
-                </a:solidFill>
-              </a:ln>
-            </p:spPr>
-            <p:style>
-              <a:lnRef idx="2">
-                <a:schemeClr val="accent1"/>
-              </a:lnRef>
-              <a:fillRef idx="0">
-                <a:schemeClr val="accent1"/>
-              </a:fillRef>
-              <a:effectRef idx="1">
-                <a:schemeClr val="accent1"/>
-              </a:effectRef>
-              <a:fontRef idx="minor">
-                <a:schemeClr val="tx1"/>
-              </a:fontRef>
-            </p:style>
-          </p:cxnSp>
-          <p:cxnSp>
-            <p:nvCxnSpPr>
-              <p:cNvPr id="78" name="Straight Connector 77"/>
-              <p:cNvCxnSpPr>
-                <a:stCxn id="61" idx="3"/>
-                <a:endCxn id="16" idx="6"/>
-              </p:cNvCxnSpPr>
-              <p:nvPr/>
-            </p:nvCxnSpPr>
-            <p:spPr>
-              <a:xfrm flipH="1" flipV="1">
-                <a:off x="3534543" y="5602109"/>
-                <a:ext cx="3133476" cy="22323"/>
-              </a:xfrm>
-              <a:prstGeom prst="line">
-                <a:avLst/>
-              </a:prstGeom>
-              <a:ln w="31750">
-                <a:solidFill>
-                  <a:schemeClr val="tx1"/>
-                </a:solidFill>
-              </a:ln>
-            </p:spPr>
-            <p:style>
-              <a:lnRef idx="2">
-                <a:schemeClr val="accent1"/>
-              </a:lnRef>
-              <a:fillRef idx="0">
-                <a:schemeClr val="accent1"/>
-              </a:fillRef>
-              <a:effectRef idx="1">
-                <a:schemeClr val="accent1"/>
-              </a:effectRef>
-              <a:fontRef idx="minor">
-                <a:schemeClr val="tx1"/>
-              </a:fontRef>
-            </p:style>
-          </p:cxnSp>
-        </p:grpSp>
+              </a:solidFill>
+            </a:ln>
+          </p:spPr>
+          <p:style>
+            <a:lnRef idx="2">
+              <a:schemeClr val="accent1"/>
+            </a:lnRef>
+            <a:fillRef idx="0">
+              <a:schemeClr val="accent1"/>
+            </a:fillRef>
+            <a:effectRef idx="1">
+              <a:schemeClr val="accent1"/>
+            </a:effectRef>
+            <a:fontRef idx="minor">
+              <a:schemeClr val="tx1"/>
+            </a:fontRef>
+          </p:style>
+        </p:cxnSp>
         <p:sp>
           <p:nvSpPr>
-            <p:cNvPr id="82" name="Oval 81"/>
+            <p:cNvPr id="61" name="Oval 60"/>
             <p:cNvSpPr/>
             <p:nvPr/>
           </p:nvSpPr>
           <p:spPr>
             <a:xfrm>
-              <a:off x="4095600" y="1211861"/>
-              <a:ext cx="182880" cy="182880"/>
-            </a:xfrm>
-            <a:prstGeom prst="ellipse">
-              <a:avLst/>
-            </a:prstGeom>
-            <a:solidFill>
-              <a:schemeClr val="tx1"/>
-            </a:solidFill>
-            <a:ln w="31750">
-              <a:noFill/>
-            </a:ln>
-          </p:spPr>
-          <p:style>
-            <a:lnRef idx="1">
-              <a:schemeClr val="accent1"/>
-            </a:lnRef>
-            <a:fillRef idx="3">
-              <a:schemeClr val="accent1"/>
-            </a:fillRef>
-            <a:effectRef idx="2">
-              <a:schemeClr val="accent1"/>
-            </a:effectRef>
-            <a:fontRef idx="minor">
-              <a:schemeClr val="lt1"/>
-            </a:fontRef>
-          </p:style>
-          <p:txBody>
-            <a:bodyPr rot="0" spcFirstLastPara="0" vertOverflow="overflow" horzOverflow="overflow" vert="horz" wrap="square" lIns="91440" tIns="45720" rIns="91440" bIns="45720" numCol="1" spcCol="0" rtlCol="0" fromWordArt="0" anchor="ctr" anchorCtr="0" forceAA="0" compatLnSpc="1">
-              <a:prstTxWarp prst="textNoShape">
-                <a:avLst/>
-              </a:prstTxWarp>
-              <a:noAutofit/>
-            </a:bodyPr>
-            <a:lstStyle/>
-            <a:p>
-              <a:pPr algn="ctr"/>
-              <a:endParaRPr lang="en-US"/>
-            </a:p>
-          </p:txBody>
-        </p:sp>
-        <p:sp>
-          <p:nvSpPr>
-            <p:cNvPr id="83" name="Oval 82"/>
-            <p:cNvSpPr/>
-            <p:nvPr/>
-          </p:nvSpPr>
-          <p:spPr>
-            <a:xfrm>
-              <a:off x="3597197" y="1902741"/>
-              <a:ext cx="182880" cy="182880"/>
-            </a:xfrm>
-            <a:prstGeom prst="ellipse">
-              <a:avLst/>
-            </a:prstGeom>
-            <a:solidFill>
-              <a:schemeClr val="tx1"/>
-            </a:solidFill>
-            <a:ln w="31750">
-              <a:noFill/>
-            </a:ln>
-          </p:spPr>
-          <p:style>
-            <a:lnRef idx="1">
-              <a:schemeClr val="accent1"/>
-            </a:lnRef>
-            <a:fillRef idx="3">
-              <a:schemeClr val="accent1"/>
-            </a:fillRef>
-            <a:effectRef idx="2">
-              <a:schemeClr val="accent1"/>
-            </a:effectRef>
-            <a:fontRef idx="minor">
-              <a:schemeClr val="lt1"/>
-            </a:fontRef>
-          </p:style>
-          <p:txBody>
-            <a:bodyPr rot="0" spcFirstLastPara="0" vertOverflow="overflow" horzOverflow="overflow" vert="horz" wrap="square" lIns="91440" tIns="45720" rIns="91440" bIns="45720" numCol="1" spcCol="0" rtlCol="0" fromWordArt="0" anchor="ctr" anchorCtr="0" forceAA="0" compatLnSpc="1">
-              <a:prstTxWarp prst="textNoShape">
-                <a:avLst/>
-              </a:prstTxWarp>
-              <a:noAutofit/>
-            </a:bodyPr>
-            <a:lstStyle/>
-            <a:p>
-              <a:pPr algn="ctr"/>
-              <a:endParaRPr lang="en-US"/>
-            </a:p>
-          </p:txBody>
-        </p:sp>
-        <p:sp>
-          <p:nvSpPr>
-            <p:cNvPr id="84" name="Oval 83"/>
-            <p:cNvSpPr/>
-            <p:nvPr/>
-          </p:nvSpPr>
-          <p:spPr>
-            <a:xfrm>
-              <a:off x="5210378" y="4837852"/>
-              <a:ext cx="182880" cy="182880"/>
-            </a:xfrm>
-            <a:prstGeom prst="ellipse">
-              <a:avLst/>
-            </a:prstGeom>
-            <a:solidFill>
-              <a:schemeClr val="tx1"/>
-            </a:solidFill>
-            <a:ln w="31750">
-              <a:noFill/>
-            </a:ln>
-          </p:spPr>
-          <p:style>
-            <a:lnRef idx="1">
-              <a:schemeClr val="accent1"/>
-            </a:lnRef>
-            <a:fillRef idx="3">
-              <a:schemeClr val="accent1"/>
-            </a:fillRef>
-            <a:effectRef idx="2">
-              <a:schemeClr val="accent1"/>
-            </a:effectRef>
-            <a:fontRef idx="minor">
-              <a:schemeClr val="lt1"/>
-            </a:fontRef>
-          </p:style>
-          <p:txBody>
-            <a:bodyPr rot="0" spcFirstLastPara="0" vertOverflow="overflow" horzOverflow="overflow" vert="horz" wrap="square" lIns="91440" tIns="45720" rIns="91440" bIns="45720" numCol="1" spcCol="0" rtlCol="0" fromWordArt="0" anchor="ctr" anchorCtr="0" forceAA="0" compatLnSpc="1">
-              <a:prstTxWarp prst="textNoShape">
-                <a:avLst/>
-              </a:prstTxWarp>
-              <a:noAutofit/>
-            </a:bodyPr>
-            <a:lstStyle/>
-            <a:p>
-              <a:pPr algn="ctr"/>
-              <a:endParaRPr lang="en-US"/>
-            </a:p>
-          </p:txBody>
-        </p:sp>
-        <p:sp>
-          <p:nvSpPr>
-            <p:cNvPr id="85" name="Oval 84"/>
-            <p:cNvSpPr/>
-            <p:nvPr/>
-          </p:nvSpPr>
-          <p:spPr>
-            <a:xfrm>
-              <a:off x="4840666" y="5486395"/>
+              <a:off x="6641237" y="5468334"/>
               <a:ext cx="182880" cy="182880"/>
             </a:xfrm>
             <a:prstGeom prst="ellipse">
@@ -4958,17 +4566,17 @@
         </p:sp>
         <p:cxnSp>
           <p:nvCxnSpPr>
-            <p:cNvPr id="87" name="Straight Connector 86"/>
+            <p:cNvPr id="62" name="Straight Connector 61"/>
             <p:cNvCxnSpPr>
-              <a:stCxn id="82" idx="3"/>
-              <a:endCxn id="83" idx="7"/>
+              <a:stCxn id="43" idx="4"/>
+              <a:endCxn id="61" idx="0"/>
             </p:cNvCxnSpPr>
             <p:nvPr/>
           </p:nvCxnSpPr>
           <p:spPr>
-            <a:xfrm flipH="1">
-              <a:off x="3753295" y="1367959"/>
-              <a:ext cx="369087" cy="561564"/>
+            <a:xfrm>
+              <a:off x="6714058" y="2462669"/>
+              <a:ext cx="18619" cy="3005665"/>
             </a:xfrm>
             <a:prstGeom prst="line">
               <a:avLst/>
@@ -4996,17 +4604,17 @@
         </p:cxnSp>
         <p:cxnSp>
           <p:nvCxnSpPr>
-            <p:cNvPr id="89" name="Straight Connector 88"/>
+            <p:cNvPr id="66" name="Straight Connector 65"/>
             <p:cNvCxnSpPr>
-              <a:stCxn id="84" idx="3"/>
-              <a:endCxn id="85" idx="7"/>
+              <a:stCxn id="7" idx="5"/>
+              <a:endCxn id="50" idx="2"/>
             </p:cNvCxnSpPr>
             <p:nvPr/>
           </p:nvCxnSpPr>
           <p:spPr>
-            <a:xfrm flipH="1">
-              <a:off x="4996764" y="4993950"/>
-              <a:ext cx="240396" cy="519227"/>
+            <a:xfrm>
+              <a:off x="2420076" y="1398439"/>
+              <a:ext cx="2075152" cy="993675"/>
             </a:xfrm>
             <a:prstGeom prst="line">
               <a:avLst/>
@@ -5032,7 +4640,393 @@
             </a:fontRef>
           </p:style>
         </p:cxnSp>
+        <p:cxnSp>
+          <p:nvCxnSpPr>
+            <p:cNvPr id="69" name="Straight Connector 68"/>
+            <p:cNvCxnSpPr>
+              <a:stCxn id="22" idx="5"/>
+              <a:endCxn id="61" idx="2"/>
+            </p:cNvCxnSpPr>
+            <p:nvPr/>
+          </p:nvCxnSpPr>
+          <p:spPr>
+            <a:xfrm>
+              <a:off x="4602783" y="4587549"/>
+              <a:ext cx="2038454" cy="972225"/>
+            </a:xfrm>
+            <a:prstGeom prst="line">
+              <a:avLst/>
+            </a:prstGeom>
+            <a:ln w="31750">
+              <a:solidFill>
+                <a:schemeClr val="tx1"/>
+              </a:solidFill>
+            </a:ln>
+          </p:spPr>
+          <p:style>
+            <a:lnRef idx="2">
+              <a:schemeClr val="accent1"/>
+            </a:lnRef>
+            <a:fillRef idx="0">
+              <a:schemeClr val="accent1"/>
+            </a:fillRef>
+            <a:effectRef idx="1">
+              <a:schemeClr val="accent1"/>
+            </a:effectRef>
+            <a:fontRef idx="minor">
+              <a:schemeClr val="tx1"/>
+            </a:fontRef>
+          </p:style>
+        </p:cxnSp>
+        <p:cxnSp>
+          <p:nvCxnSpPr>
+            <p:cNvPr id="72" name="Straight Connector 71"/>
+            <p:cNvCxnSpPr>
+              <a:stCxn id="45" idx="2"/>
+              <a:endCxn id="7" idx="6"/>
+            </p:cNvCxnSpPr>
+            <p:nvPr/>
+          </p:nvCxnSpPr>
+          <p:spPr>
+            <a:xfrm flipH="1">
+              <a:off x="2446858" y="1312896"/>
+              <a:ext cx="3143392" cy="20885"/>
+            </a:xfrm>
+            <a:prstGeom prst="line">
+              <a:avLst/>
+            </a:prstGeom>
+            <a:ln w="31750">
+              <a:solidFill>
+                <a:schemeClr val="tx1"/>
+              </a:solidFill>
+            </a:ln>
+          </p:spPr>
+          <p:style>
+            <a:lnRef idx="2">
+              <a:schemeClr val="accent1"/>
+            </a:lnRef>
+            <a:fillRef idx="0">
+              <a:schemeClr val="accent1"/>
+            </a:fillRef>
+            <a:effectRef idx="1">
+              <a:schemeClr val="accent1"/>
+            </a:effectRef>
+            <a:fontRef idx="minor">
+              <a:schemeClr val="tx1"/>
+            </a:fontRef>
+          </p:style>
+        </p:cxnSp>
+        <p:cxnSp>
+          <p:nvCxnSpPr>
+            <p:cNvPr id="78" name="Straight Connector 77"/>
+            <p:cNvCxnSpPr>
+              <a:stCxn id="61" idx="3"/>
+              <a:endCxn id="16" idx="6"/>
+            </p:cNvCxnSpPr>
+            <p:nvPr/>
+          </p:nvCxnSpPr>
+          <p:spPr>
+            <a:xfrm flipH="1" flipV="1">
+              <a:off x="3534543" y="5602109"/>
+              <a:ext cx="3133476" cy="22323"/>
+            </a:xfrm>
+            <a:prstGeom prst="line">
+              <a:avLst/>
+            </a:prstGeom>
+            <a:ln w="31750">
+              <a:solidFill>
+                <a:schemeClr val="tx1"/>
+              </a:solidFill>
+            </a:ln>
+          </p:spPr>
+          <p:style>
+            <a:lnRef idx="2">
+              <a:schemeClr val="accent1"/>
+            </a:lnRef>
+            <a:fillRef idx="0">
+              <a:schemeClr val="accent1"/>
+            </a:fillRef>
+            <a:effectRef idx="1">
+              <a:schemeClr val="accent1"/>
+            </a:effectRef>
+            <a:fontRef idx="minor">
+              <a:schemeClr val="tx1"/>
+            </a:fontRef>
+          </p:style>
+        </p:cxnSp>
       </p:grpSp>
+      <p:sp>
+        <p:nvSpPr>
+          <p:cNvPr id="82" name="Oval 81"/>
+          <p:cNvSpPr/>
+          <p:nvPr/>
+        </p:nvSpPr>
+        <p:spPr>
+          <a:xfrm>
+            <a:off x="4095600" y="1211861"/>
+            <a:ext cx="182880" cy="182880"/>
+          </a:xfrm>
+          <a:prstGeom prst="ellipse">
+            <a:avLst/>
+          </a:prstGeom>
+          <a:solidFill>
+            <a:schemeClr val="tx1"/>
+          </a:solidFill>
+          <a:ln w="31750">
+            <a:noFill/>
+          </a:ln>
+        </p:spPr>
+        <p:style>
+          <a:lnRef idx="1">
+            <a:schemeClr val="accent1"/>
+          </a:lnRef>
+          <a:fillRef idx="3">
+            <a:schemeClr val="accent1"/>
+          </a:fillRef>
+          <a:effectRef idx="2">
+            <a:schemeClr val="accent1"/>
+          </a:effectRef>
+          <a:fontRef idx="minor">
+            <a:schemeClr val="lt1"/>
+          </a:fontRef>
+        </p:style>
+        <p:txBody>
+          <a:bodyPr rot="0" spcFirstLastPara="0" vertOverflow="overflow" horzOverflow="overflow" vert="horz" wrap="square" lIns="91440" tIns="45720" rIns="91440" bIns="45720" numCol="1" spcCol="0" rtlCol="0" fromWordArt="0" anchor="ctr" anchorCtr="0" forceAA="0" compatLnSpc="1">
+            <a:prstTxWarp prst="textNoShape">
+              <a:avLst/>
+            </a:prstTxWarp>
+            <a:noAutofit/>
+          </a:bodyPr>
+          <a:lstStyle/>
+          <a:p>
+            <a:pPr algn="ctr"/>
+            <a:endParaRPr lang="en-US"/>
+          </a:p>
+        </p:txBody>
+      </p:sp>
+      <p:sp>
+        <p:nvSpPr>
+          <p:cNvPr id="83" name="Oval 82"/>
+          <p:cNvSpPr/>
+          <p:nvPr/>
+        </p:nvSpPr>
+        <p:spPr>
+          <a:xfrm>
+            <a:off x="3597197" y="1902741"/>
+            <a:ext cx="182880" cy="182880"/>
+          </a:xfrm>
+          <a:prstGeom prst="ellipse">
+            <a:avLst/>
+          </a:prstGeom>
+          <a:solidFill>
+            <a:schemeClr val="tx1"/>
+          </a:solidFill>
+          <a:ln w="31750">
+            <a:noFill/>
+          </a:ln>
+        </p:spPr>
+        <p:style>
+          <a:lnRef idx="1">
+            <a:schemeClr val="accent1"/>
+          </a:lnRef>
+          <a:fillRef idx="3">
+            <a:schemeClr val="accent1"/>
+          </a:fillRef>
+          <a:effectRef idx="2">
+            <a:schemeClr val="accent1"/>
+          </a:effectRef>
+          <a:fontRef idx="minor">
+            <a:schemeClr val="lt1"/>
+          </a:fontRef>
+        </p:style>
+        <p:txBody>
+          <a:bodyPr rot="0" spcFirstLastPara="0" vertOverflow="overflow" horzOverflow="overflow" vert="horz" wrap="square" lIns="91440" tIns="45720" rIns="91440" bIns="45720" numCol="1" spcCol="0" rtlCol="0" fromWordArt="0" anchor="ctr" anchorCtr="0" forceAA="0" compatLnSpc="1">
+            <a:prstTxWarp prst="textNoShape">
+              <a:avLst/>
+            </a:prstTxWarp>
+            <a:noAutofit/>
+          </a:bodyPr>
+          <a:lstStyle/>
+          <a:p>
+            <a:pPr algn="ctr"/>
+            <a:endParaRPr lang="en-US"/>
+          </a:p>
+        </p:txBody>
+      </p:sp>
+      <p:sp>
+        <p:nvSpPr>
+          <p:cNvPr id="84" name="Oval 83"/>
+          <p:cNvSpPr/>
+          <p:nvPr/>
+        </p:nvSpPr>
+        <p:spPr>
+          <a:xfrm>
+            <a:off x="5210378" y="4837852"/>
+            <a:ext cx="182880" cy="182880"/>
+          </a:xfrm>
+          <a:prstGeom prst="ellipse">
+            <a:avLst/>
+          </a:prstGeom>
+          <a:solidFill>
+            <a:schemeClr val="tx1"/>
+          </a:solidFill>
+          <a:ln w="31750">
+            <a:noFill/>
+          </a:ln>
+        </p:spPr>
+        <p:style>
+          <a:lnRef idx="1">
+            <a:schemeClr val="accent1"/>
+          </a:lnRef>
+          <a:fillRef idx="3">
+            <a:schemeClr val="accent1"/>
+          </a:fillRef>
+          <a:effectRef idx="2">
+            <a:schemeClr val="accent1"/>
+          </a:effectRef>
+          <a:fontRef idx="minor">
+            <a:schemeClr val="lt1"/>
+          </a:fontRef>
+        </p:style>
+        <p:txBody>
+          <a:bodyPr rot="0" spcFirstLastPara="0" vertOverflow="overflow" horzOverflow="overflow" vert="horz" wrap="square" lIns="91440" tIns="45720" rIns="91440" bIns="45720" numCol="1" spcCol="0" rtlCol="0" fromWordArt="0" anchor="ctr" anchorCtr="0" forceAA="0" compatLnSpc="1">
+            <a:prstTxWarp prst="textNoShape">
+              <a:avLst/>
+            </a:prstTxWarp>
+            <a:noAutofit/>
+          </a:bodyPr>
+          <a:lstStyle/>
+          <a:p>
+            <a:pPr algn="ctr"/>
+            <a:endParaRPr lang="en-US"/>
+          </a:p>
+        </p:txBody>
+      </p:sp>
+      <p:sp>
+        <p:nvSpPr>
+          <p:cNvPr id="85" name="Oval 84"/>
+          <p:cNvSpPr/>
+          <p:nvPr/>
+        </p:nvSpPr>
+        <p:spPr>
+          <a:xfrm>
+            <a:off x="4840666" y="5486395"/>
+            <a:ext cx="182880" cy="182880"/>
+          </a:xfrm>
+          <a:prstGeom prst="ellipse">
+            <a:avLst/>
+          </a:prstGeom>
+          <a:solidFill>
+            <a:schemeClr val="tx1"/>
+          </a:solidFill>
+          <a:ln w="31750">
+            <a:noFill/>
+          </a:ln>
+        </p:spPr>
+        <p:style>
+          <a:lnRef idx="1">
+            <a:schemeClr val="accent1"/>
+          </a:lnRef>
+          <a:fillRef idx="3">
+            <a:schemeClr val="accent1"/>
+          </a:fillRef>
+          <a:effectRef idx="2">
+            <a:schemeClr val="accent1"/>
+          </a:effectRef>
+          <a:fontRef idx="minor">
+            <a:schemeClr val="lt1"/>
+          </a:fontRef>
+        </p:style>
+        <p:txBody>
+          <a:bodyPr rot="0" spcFirstLastPara="0" vertOverflow="overflow" horzOverflow="overflow" vert="horz" wrap="square" lIns="91440" tIns="45720" rIns="91440" bIns="45720" numCol="1" spcCol="0" rtlCol="0" fromWordArt="0" anchor="ctr" anchorCtr="0" forceAA="0" compatLnSpc="1">
+            <a:prstTxWarp prst="textNoShape">
+              <a:avLst/>
+            </a:prstTxWarp>
+            <a:noAutofit/>
+          </a:bodyPr>
+          <a:lstStyle/>
+          <a:p>
+            <a:pPr algn="ctr"/>
+            <a:endParaRPr lang="en-US"/>
+          </a:p>
+        </p:txBody>
+      </p:sp>
+      <p:cxnSp>
+        <p:nvCxnSpPr>
+          <p:cNvPr id="87" name="Straight Connector 86"/>
+          <p:cNvCxnSpPr>
+            <a:stCxn id="82" idx="3"/>
+            <a:endCxn id="83" idx="7"/>
+          </p:cNvCxnSpPr>
+          <p:nvPr/>
+        </p:nvCxnSpPr>
+        <p:spPr>
+          <a:xfrm flipH="1">
+            <a:off x="3753295" y="1367959"/>
+            <a:ext cx="369087" cy="561564"/>
+          </a:xfrm>
+          <a:prstGeom prst="line">
+            <a:avLst/>
+          </a:prstGeom>
+          <a:ln w="31750">
+            <a:solidFill>
+              <a:schemeClr val="tx1"/>
+            </a:solidFill>
+          </a:ln>
+        </p:spPr>
+        <p:style>
+          <a:lnRef idx="2">
+            <a:schemeClr val="accent1"/>
+          </a:lnRef>
+          <a:fillRef idx="0">
+            <a:schemeClr val="accent1"/>
+          </a:fillRef>
+          <a:effectRef idx="1">
+            <a:schemeClr val="accent1"/>
+          </a:effectRef>
+          <a:fontRef idx="minor">
+            <a:schemeClr val="tx1"/>
+          </a:fontRef>
+        </p:style>
+      </p:cxnSp>
+      <p:cxnSp>
+        <p:nvCxnSpPr>
+          <p:cNvPr id="89" name="Straight Connector 88"/>
+          <p:cNvCxnSpPr>
+            <a:stCxn id="84" idx="3"/>
+            <a:endCxn id="85" idx="7"/>
+          </p:cNvCxnSpPr>
+          <p:nvPr/>
+        </p:nvCxnSpPr>
+        <p:spPr>
+          <a:xfrm flipH="1">
+            <a:off x="4996764" y="4993950"/>
+            <a:ext cx="240396" cy="519227"/>
+          </a:xfrm>
+          <a:prstGeom prst="line">
+            <a:avLst/>
+          </a:prstGeom>
+          <a:ln w="31750">
+            <a:solidFill>
+              <a:schemeClr val="tx1"/>
+            </a:solidFill>
+          </a:ln>
+        </p:spPr>
+        <p:style>
+          <a:lnRef idx="2">
+            <a:schemeClr val="accent1"/>
+          </a:lnRef>
+          <a:fillRef idx="0">
+            <a:schemeClr val="accent1"/>
+          </a:fillRef>
+          <a:effectRef idx="1">
+            <a:schemeClr val="accent1"/>
+          </a:effectRef>
+          <a:fontRef idx="minor">
+            <a:schemeClr val="tx1"/>
+          </a:fontRef>
+        </p:style>
+      </p:cxnSp>
     </p:spTree>
     <p:extLst>
       <p:ext uri="{BB962C8B-B14F-4D97-AF65-F5344CB8AC3E}">
@@ -5043,6 +5037,13 @@
   <p:clrMapOvr>
     <a:masterClrMapping/>
   </p:clrMapOvr>
+  <p:timing>
+    <p:tnLst>
+      <p:par>
+        <p:cTn xmlns:p14="http://schemas.microsoft.com/office/powerpoint/2010/main" id="1" dur="indefinite" restart="never" nodeType="tmRoot"/>
+      </p:par>
+    </p:tnLst>
+  </p:timing>
 </p:sld>
 </file>
 
@@ -6712,6 +6713,13 @@
   <p:clrMapOvr>
     <a:masterClrMapping/>
   </p:clrMapOvr>
+  <p:timing>
+    <p:tnLst>
+      <p:par>
+        <p:cTn xmlns:p14="http://schemas.microsoft.com/office/powerpoint/2010/main" id="1" dur="indefinite" restart="never" nodeType="tmRoot"/>
+      </p:par>
+    </p:tnLst>
+  </p:timing>
 </p:sld>
 </file>
 
@@ -8381,6 +8389,2329 @@
   <p:clrMapOvr>
     <a:masterClrMapping/>
   </p:clrMapOvr>
+  <p:timing>
+    <p:tnLst>
+      <p:par>
+        <p:cTn xmlns:p14="http://schemas.microsoft.com/office/powerpoint/2010/main" id="1" dur="indefinite" restart="never" nodeType="tmRoot"/>
+      </p:par>
+    </p:tnLst>
+  </p:timing>
+</p:sld>
+</file>
+
+<file path=ppt/slides/slide5.xml><?xml version="1.0" encoding="utf-8"?>
+<p:sld xmlns:a="http://schemas.openxmlformats.org/drawingml/2006/main" xmlns:r="http://schemas.openxmlformats.org/officeDocument/2006/relationships" xmlns:p="http://schemas.openxmlformats.org/presentationml/2006/main">
+  <p:cSld>
+    <p:spTree>
+      <p:nvGrpSpPr>
+        <p:cNvPr id="1" name=""/>
+        <p:cNvGrpSpPr/>
+        <p:nvPr/>
+      </p:nvGrpSpPr>
+      <p:grpSpPr>
+        <a:xfrm>
+          <a:off x="0" y="0"/>
+          <a:ext cx="0" cy="0"/>
+          <a:chOff x="0" y="0"/>
+          <a:chExt cx="0" cy="0"/>
+        </a:xfrm>
+      </p:grpSpPr>
+      <p:grpSp>
+        <p:nvGrpSpPr>
+          <p:cNvPr id="22" name="Group 21"/>
+          <p:cNvGrpSpPr/>
+          <p:nvPr/>
+        </p:nvGrpSpPr>
+        <p:grpSpPr>
+          <a:xfrm>
+            <a:off x="2416370" y="1522306"/>
+            <a:ext cx="4393644" cy="3892408"/>
+            <a:chOff x="2416370" y="1522306"/>
+            <a:chExt cx="4393644" cy="3892408"/>
+          </a:xfrm>
+        </p:grpSpPr>
+        <p:sp>
+          <p:nvSpPr>
+            <p:cNvPr id="4" name="Oval 3"/>
+            <p:cNvSpPr/>
+            <p:nvPr/>
+          </p:nvSpPr>
+          <p:spPr>
+            <a:xfrm>
+              <a:off x="2486934" y="1522306"/>
+              <a:ext cx="182880" cy="182880"/>
+            </a:xfrm>
+            <a:prstGeom prst="ellipse">
+              <a:avLst/>
+            </a:prstGeom>
+            <a:solidFill>
+              <a:schemeClr val="tx1"/>
+            </a:solidFill>
+            <a:ln w="31750">
+              <a:noFill/>
+            </a:ln>
+          </p:spPr>
+          <p:style>
+            <a:lnRef idx="1">
+              <a:schemeClr val="accent1"/>
+            </a:lnRef>
+            <a:fillRef idx="3">
+              <a:schemeClr val="accent1"/>
+            </a:fillRef>
+            <a:effectRef idx="2">
+              <a:schemeClr val="accent1"/>
+            </a:effectRef>
+            <a:fontRef idx="minor">
+              <a:schemeClr val="lt1"/>
+            </a:fontRef>
+          </p:style>
+          <p:txBody>
+            <a:bodyPr rot="0" spcFirstLastPara="0" vertOverflow="overflow" horzOverflow="overflow" vert="horz" wrap="square" lIns="91440" tIns="45720" rIns="91440" bIns="45720" numCol="1" spcCol="0" rtlCol="0" fromWordArt="0" anchor="ctr" anchorCtr="0" forceAA="0" compatLnSpc="1">
+              <a:prstTxWarp prst="textNoShape">
+                <a:avLst/>
+              </a:prstTxWarp>
+              <a:noAutofit/>
+            </a:bodyPr>
+            <a:lstStyle/>
+            <a:p>
+              <a:pPr algn="ctr"/>
+              <a:endParaRPr lang="en-US"/>
+            </a:p>
+          </p:txBody>
+        </p:sp>
+        <p:sp>
+          <p:nvSpPr>
+            <p:cNvPr id="5" name="Oval 4"/>
+            <p:cNvSpPr/>
+            <p:nvPr/>
+          </p:nvSpPr>
+          <p:spPr>
+            <a:xfrm>
+              <a:off x="6627134" y="1644225"/>
+              <a:ext cx="182880" cy="182880"/>
+            </a:xfrm>
+            <a:prstGeom prst="ellipse">
+              <a:avLst/>
+            </a:prstGeom>
+            <a:solidFill>
+              <a:schemeClr val="tx1"/>
+            </a:solidFill>
+            <a:ln w="31750">
+              <a:noFill/>
+            </a:ln>
+          </p:spPr>
+          <p:style>
+            <a:lnRef idx="1">
+              <a:schemeClr val="accent1"/>
+            </a:lnRef>
+            <a:fillRef idx="3">
+              <a:schemeClr val="accent1"/>
+            </a:fillRef>
+            <a:effectRef idx="2">
+              <a:schemeClr val="accent1"/>
+            </a:effectRef>
+            <a:fontRef idx="minor">
+              <a:schemeClr val="lt1"/>
+            </a:fontRef>
+          </p:style>
+          <p:txBody>
+            <a:bodyPr rot="0" spcFirstLastPara="0" vertOverflow="overflow" horzOverflow="overflow" vert="horz" wrap="square" lIns="91440" tIns="45720" rIns="91440" bIns="45720" numCol="1" spcCol="0" rtlCol="0" fromWordArt="0" anchor="ctr" anchorCtr="0" forceAA="0" compatLnSpc="1">
+              <a:prstTxWarp prst="textNoShape">
+                <a:avLst/>
+              </a:prstTxWarp>
+              <a:noAutofit/>
+            </a:bodyPr>
+            <a:lstStyle/>
+            <a:p>
+              <a:pPr algn="ctr"/>
+              <a:endParaRPr lang="en-US"/>
+            </a:p>
+          </p:txBody>
+        </p:sp>
+        <p:sp>
+          <p:nvSpPr>
+            <p:cNvPr id="6" name="Oval 5"/>
+            <p:cNvSpPr/>
+            <p:nvPr/>
+          </p:nvSpPr>
+          <p:spPr>
+            <a:xfrm>
+              <a:off x="2416370" y="5231834"/>
+              <a:ext cx="182880" cy="182880"/>
+            </a:xfrm>
+            <a:prstGeom prst="ellipse">
+              <a:avLst/>
+            </a:prstGeom>
+            <a:solidFill>
+              <a:schemeClr val="tx1"/>
+            </a:solidFill>
+            <a:ln w="31750">
+              <a:noFill/>
+            </a:ln>
+          </p:spPr>
+          <p:style>
+            <a:lnRef idx="1">
+              <a:schemeClr val="accent1"/>
+            </a:lnRef>
+            <a:fillRef idx="3">
+              <a:schemeClr val="accent1"/>
+            </a:fillRef>
+            <a:effectRef idx="2">
+              <a:schemeClr val="accent1"/>
+            </a:effectRef>
+            <a:fontRef idx="minor">
+              <a:schemeClr val="lt1"/>
+            </a:fontRef>
+          </p:style>
+          <p:txBody>
+            <a:bodyPr rot="0" spcFirstLastPara="0" vertOverflow="overflow" horzOverflow="overflow" vert="horz" wrap="square" lIns="91440" tIns="45720" rIns="91440" bIns="45720" numCol="1" spcCol="0" rtlCol="0" fromWordArt="0" anchor="ctr" anchorCtr="0" forceAA="0" compatLnSpc="1">
+              <a:prstTxWarp prst="textNoShape">
+                <a:avLst/>
+              </a:prstTxWarp>
+              <a:noAutofit/>
+            </a:bodyPr>
+            <a:lstStyle/>
+            <a:p>
+              <a:pPr algn="ctr"/>
+              <a:endParaRPr lang="en-US"/>
+            </a:p>
+          </p:txBody>
+        </p:sp>
+        <p:sp>
+          <p:nvSpPr>
+            <p:cNvPr id="7" name="Oval 6"/>
+            <p:cNvSpPr/>
+            <p:nvPr/>
+          </p:nvSpPr>
+          <p:spPr>
+            <a:xfrm>
+              <a:off x="6509157" y="5192888"/>
+              <a:ext cx="182880" cy="182880"/>
+            </a:xfrm>
+            <a:prstGeom prst="ellipse">
+              <a:avLst/>
+            </a:prstGeom>
+            <a:solidFill>
+              <a:schemeClr val="tx1"/>
+            </a:solidFill>
+            <a:ln w="31750">
+              <a:noFill/>
+            </a:ln>
+          </p:spPr>
+          <p:style>
+            <a:lnRef idx="1">
+              <a:schemeClr val="accent1"/>
+            </a:lnRef>
+            <a:fillRef idx="3">
+              <a:schemeClr val="accent1"/>
+            </a:fillRef>
+            <a:effectRef idx="2">
+              <a:schemeClr val="accent1"/>
+            </a:effectRef>
+            <a:fontRef idx="minor">
+              <a:schemeClr val="lt1"/>
+            </a:fontRef>
+          </p:style>
+          <p:txBody>
+            <a:bodyPr rot="0" spcFirstLastPara="0" vertOverflow="overflow" horzOverflow="overflow" vert="horz" wrap="square" lIns="91440" tIns="45720" rIns="91440" bIns="45720" numCol="1" spcCol="0" rtlCol="0" fromWordArt="0" anchor="ctr" anchorCtr="0" forceAA="0" compatLnSpc="1">
+              <a:prstTxWarp prst="textNoShape">
+                <a:avLst/>
+              </a:prstTxWarp>
+              <a:noAutofit/>
+            </a:bodyPr>
+            <a:lstStyle/>
+            <a:p>
+              <a:pPr algn="ctr"/>
+              <a:endParaRPr lang="en-US"/>
+            </a:p>
+          </p:txBody>
+        </p:sp>
+        <p:cxnSp>
+          <p:nvCxnSpPr>
+            <p:cNvPr id="9" name="Straight Connector 8"/>
+            <p:cNvCxnSpPr>
+              <a:stCxn id="4" idx="5"/>
+              <a:endCxn id="7" idx="1"/>
+            </p:cNvCxnSpPr>
+            <p:nvPr/>
+          </p:nvCxnSpPr>
+          <p:spPr>
+            <a:xfrm>
+              <a:off x="2643032" y="1678404"/>
+              <a:ext cx="3892907" cy="3541266"/>
+            </a:xfrm>
+            <a:prstGeom prst="line">
+              <a:avLst/>
+            </a:prstGeom>
+            <a:ln w="31750">
+              <a:solidFill>
+                <a:schemeClr val="tx1"/>
+              </a:solidFill>
+            </a:ln>
+          </p:spPr>
+          <p:style>
+            <a:lnRef idx="2">
+              <a:schemeClr val="accent1"/>
+            </a:lnRef>
+            <a:fillRef idx="0">
+              <a:schemeClr val="accent1"/>
+            </a:fillRef>
+            <a:effectRef idx="1">
+              <a:schemeClr val="accent1"/>
+            </a:effectRef>
+            <a:fontRef idx="minor">
+              <a:schemeClr val="tx1"/>
+            </a:fontRef>
+          </p:style>
+        </p:cxnSp>
+        <p:cxnSp>
+          <p:nvCxnSpPr>
+            <p:cNvPr id="11" name="Straight Connector 10"/>
+            <p:cNvCxnSpPr>
+              <a:stCxn id="6" idx="7"/>
+            </p:cNvCxnSpPr>
+            <p:nvPr/>
+          </p:nvCxnSpPr>
+          <p:spPr>
+            <a:xfrm flipV="1">
+              <a:off x="2572468" y="3725332"/>
+              <a:ext cx="1801976" cy="1533284"/>
+            </a:xfrm>
+            <a:prstGeom prst="line">
+              <a:avLst/>
+            </a:prstGeom>
+            <a:ln w="31750">
+              <a:solidFill>
+                <a:schemeClr val="tx1"/>
+              </a:solidFill>
+            </a:ln>
+          </p:spPr>
+          <p:style>
+            <a:lnRef idx="2">
+              <a:schemeClr val="accent1"/>
+            </a:lnRef>
+            <a:fillRef idx="0">
+              <a:schemeClr val="accent1"/>
+            </a:fillRef>
+            <a:effectRef idx="1">
+              <a:schemeClr val="accent1"/>
+            </a:effectRef>
+            <a:fontRef idx="minor">
+              <a:schemeClr val="tx1"/>
+            </a:fontRef>
+          </p:style>
+        </p:cxnSp>
+        <p:cxnSp>
+          <p:nvCxnSpPr>
+            <p:cNvPr id="15" name="Straight Connector 14"/>
+            <p:cNvCxnSpPr>
+              <a:endCxn id="5" idx="3"/>
+            </p:cNvCxnSpPr>
+            <p:nvPr/>
+          </p:nvCxnSpPr>
+          <p:spPr>
+            <a:xfrm flipV="1">
+              <a:off x="4851940" y="1800323"/>
+              <a:ext cx="1801976" cy="1560066"/>
+            </a:xfrm>
+            <a:prstGeom prst="line">
+              <a:avLst/>
+            </a:prstGeom>
+            <a:ln w="31750">
+              <a:solidFill>
+                <a:schemeClr val="tx1"/>
+              </a:solidFill>
+            </a:ln>
+          </p:spPr>
+          <p:style>
+            <a:lnRef idx="2">
+              <a:schemeClr val="accent1"/>
+            </a:lnRef>
+            <a:fillRef idx="0">
+              <a:schemeClr val="accent1"/>
+            </a:fillRef>
+            <a:effectRef idx="1">
+              <a:schemeClr val="accent1"/>
+            </a:effectRef>
+            <a:fontRef idx="minor">
+              <a:schemeClr val="tx1"/>
+            </a:fontRef>
+          </p:style>
+        </p:cxnSp>
+        <p:sp>
+          <p:nvSpPr>
+            <p:cNvPr id="21" name="Freeform 20"/>
+            <p:cNvSpPr/>
+            <p:nvPr/>
+          </p:nvSpPr>
+          <p:spPr>
+            <a:xfrm>
+              <a:off x="4243366" y="3062111"/>
+              <a:ext cx="624967" cy="663222"/>
+            </a:xfrm>
+            <a:custGeom>
+              <a:avLst/>
+              <a:gdLst>
+                <a:gd name="connsiteX0" fmla="*/ 145190 w 624967"/>
+                <a:gd name="connsiteY0" fmla="*/ 663222 h 663222"/>
+                <a:gd name="connsiteX1" fmla="*/ 4078 w 624967"/>
+                <a:gd name="connsiteY1" fmla="*/ 282222 h 663222"/>
+                <a:gd name="connsiteX2" fmla="*/ 286301 w 624967"/>
+                <a:gd name="connsiteY2" fmla="*/ 0 h 663222"/>
+                <a:gd name="connsiteX3" fmla="*/ 624967 w 624967"/>
+                <a:gd name="connsiteY3" fmla="*/ 282222 h 663222"/>
+              </a:gdLst>
+              <a:ahLst/>
+              <a:cxnLst>
+                <a:cxn ang="0">
+                  <a:pos x="connsiteX0" y="connsiteY0"/>
+                </a:cxn>
+                <a:cxn ang="0">
+                  <a:pos x="connsiteX1" y="connsiteY1"/>
+                </a:cxn>
+                <a:cxn ang="0">
+                  <a:pos x="connsiteX2" y="connsiteY2"/>
+                </a:cxn>
+                <a:cxn ang="0">
+                  <a:pos x="connsiteX3" y="connsiteY3"/>
+                </a:cxn>
+              </a:cxnLst>
+              <a:rect l="l" t="t" r="r" b="b"/>
+              <a:pathLst>
+                <a:path w="624967" h="663222">
+                  <a:moveTo>
+                    <a:pt x="145190" y="663222"/>
+                  </a:moveTo>
+                  <a:cubicBezTo>
+                    <a:pt x="62875" y="527990"/>
+                    <a:pt x="-19440" y="392759"/>
+                    <a:pt x="4078" y="282222"/>
+                  </a:cubicBezTo>
+                  <a:cubicBezTo>
+                    <a:pt x="27596" y="171685"/>
+                    <a:pt x="182820" y="0"/>
+                    <a:pt x="286301" y="0"/>
+                  </a:cubicBezTo>
+                  <a:cubicBezTo>
+                    <a:pt x="389782" y="0"/>
+                    <a:pt x="624967" y="282222"/>
+                    <a:pt x="624967" y="282222"/>
+                  </a:cubicBezTo>
+                </a:path>
+              </a:pathLst>
+            </a:custGeom>
+            <a:ln w="31750">
+              <a:solidFill>
+                <a:schemeClr val="tx1"/>
+              </a:solidFill>
+            </a:ln>
+          </p:spPr>
+          <p:style>
+            <a:lnRef idx="2">
+              <a:schemeClr val="accent1"/>
+            </a:lnRef>
+            <a:fillRef idx="0">
+              <a:schemeClr val="accent1"/>
+            </a:fillRef>
+            <a:effectRef idx="1">
+              <a:schemeClr val="accent1"/>
+            </a:effectRef>
+            <a:fontRef idx="minor">
+              <a:schemeClr val="tx1"/>
+            </a:fontRef>
+          </p:style>
+          <p:txBody>
+            <a:bodyPr rtlCol="0" anchor="ctr"/>
+            <a:lstStyle/>
+            <a:p>
+              <a:pPr algn="ctr"/>
+              <a:endParaRPr lang="en-US"/>
+            </a:p>
+          </p:txBody>
+        </p:sp>
+      </p:grpSp>
+    </p:spTree>
+    <p:extLst>
+      <p:ext uri="{BB962C8B-B14F-4D97-AF65-F5344CB8AC3E}">
+        <p14:creationId xmlns:p14="http://schemas.microsoft.com/office/powerpoint/2010/main" val="3603496778"/>
+      </p:ext>
+    </p:extLst>
+  </p:cSld>
+  <p:clrMapOvr>
+    <a:masterClrMapping/>
+  </p:clrMapOvr>
+  <p:timing>
+    <p:tnLst>
+      <p:par>
+        <p:cTn xmlns:p14="http://schemas.microsoft.com/office/powerpoint/2010/main" id="1" dur="indefinite" restart="never" nodeType="tmRoot"/>
+      </p:par>
+    </p:tnLst>
+  </p:timing>
+</p:sld>
+</file>
+
+<file path=ppt/slides/slide6.xml><?xml version="1.0" encoding="utf-8"?>
+<p:sld xmlns:a="http://schemas.openxmlformats.org/drawingml/2006/main" xmlns:r="http://schemas.openxmlformats.org/officeDocument/2006/relationships" xmlns:p="http://schemas.openxmlformats.org/presentationml/2006/main">
+  <p:cSld>
+    <p:spTree>
+      <p:nvGrpSpPr>
+        <p:cNvPr id="1" name=""/>
+        <p:cNvGrpSpPr/>
+        <p:nvPr/>
+      </p:nvGrpSpPr>
+      <p:grpSpPr>
+        <a:xfrm>
+          <a:off x="0" y="0"/>
+          <a:ext cx="0" cy="0"/>
+          <a:chOff x="0" y="0"/>
+          <a:chExt cx="0" cy="0"/>
+        </a:xfrm>
+      </p:grpSpPr>
+      <p:grpSp>
+        <p:nvGrpSpPr>
+          <p:cNvPr id="66" name="Group 65"/>
+          <p:cNvGrpSpPr/>
+          <p:nvPr/>
+        </p:nvGrpSpPr>
+        <p:grpSpPr>
+          <a:xfrm>
+            <a:off x="2416370" y="1522306"/>
+            <a:ext cx="4393644" cy="3892408"/>
+            <a:chOff x="2416370" y="1522306"/>
+            <a:chExt cx="4393644" cy="3892408"/>
+          </a:xfrm>
+        </p:grpSpPr>
+        <p:sp>
+          <p:nvSpPr>
+            <p:cNvPr id="4" name="Oval 3"/>
+            <p:cNvSpPr/>
+            <p:nvPr/>
+          </p:nvSpPr>
+          <p:spPr>
+            <a:xfrm>
+              <a:off x="2486934" y="1522306"/>
+              <a:ext cx="182880" cy="182880"/>
+            </a:xfrm>
+            <a:prstGeom prst="ellipse">
+              <a:avLst/>
+            </a:prstGeom>
+            <a:solidFill>
+              <a:schemeClr val="tx1"/>
+            </a:solidFill>
+            <a:ln w="31750">
+              <a:noFill/>
+            </a:ln>
+          </p:spPr>
+          <p:style>
+            <a:lnRef idx="1">
+              <a:schemeClr val="accent1"/>
+            </a:lnRef>
+            <a:fillRef idx="3">
+              <a:schemeClr val="accent1"/>
+            </a:fillRef>
+            <a:effectRef idx="2">
+              <a:schemeClr val="accent1"/>
+            </a:effectRef>
+            <a:fontRef idx="minor">
+              <a:schemeClr val="lt1"/>
+            </a:fontRef>
+          </p:style>
+          <p:txBody>
+            <a:bodyPr rot="0" spcFirstLastPara="0" vertOverflow="overflow" horzOverflow="overflow" vert="horz" wrap="square" lIns="91440" tIns="45720" rIns="91440" bIns="45720" numCol="1" spcCol="0" rtlCol="0" fromWordArt="0" anchor="ctr" anchorCtr="0" forceAA="0" compatLnSpc="1">
+              <a:prstTxWarp prst="textNoShape">
+                <a:avLst/>
+              </a:prstTxWarp>
+              <a:noAutofit/>
+            </a:bodyPr>
+            <a:lstStyle/>
+            <a:p>
+              <a:pPr algn="ctr"/>
+              <a:endParaRPr lang="en-US"/>
+            </a:p>
+          </p:txBody>
+        </p:sp>
+        <p:sp>
+          <p:nvSpPr>
+            <p:cNvPr id="5" name="Oval 4"/>
+            <p:cNvSpPr/>
+            <p:nvPr/>
+          </p:nvSpPr>
+          <p:spPr>
+            <a:xfrm>
+              <a:off x="6627134" y="1644225"/>
+              <a:ext cx="182880" cy="182880"/>
+            </a:xfrm>
+            <a:prstGeom prst="ellipse">
+              <a:avLst/>
+            </a:prstGeom>
+            <a:solidFill>
+              <a:schemeClr val="tx1"/>
+            </a:solidFill>
+            <a:ln w="31750">
+              <a:noFill/>
+            </a:ln>
+          </p:spPr>
+          <p:style>
+            <a:lnRef idx="1">
+              <a:schemeClr val="accent1"/>
+            </a:lnRef>
+            <a:fillRef idx="3">
+              <a:schemeClr val="accent1"/>
+            </a:fillRef>
+            <a:effectRef idx="2">
+              <a:schemeClr val="accent1"/>
+            </a:effectRef>
+            <a:fontRef idx="minor">
+              <a:schemeClr val="lt1"/>
+            </a:fontRef>
+          </p:style>
+          <p:txBody>
+            <a:bodyPr rot="0" spcFirstLastPara="0" vertOverflow="overflow" horzOverflow="overflow" vert="horz" wrap="square" lIns="91440" tIns="45720" rIns="91440" bIns="45720" numCol="1" spcCol="0" rtlCol="0" fromWordArt="0" anchor="ctr" anchorCtr="0" forceAA="0" compatLnSpc="1">
+              <a:prstTxWarp prst="textNoShape">
+                <a:avLst/>
+              </a:prstTxWarp>
+              <a:noAutofit/>
+            </a:bodyPr>
+            <a:lstStyle/>
+            <a:p>
+              <a:pPr algn="ctr"/>
+              <a:endParaRPr lang="en-US"/>
+            </a:p>
+          </p:txBody>
+        </p:sp>
+        <p:sp>
+          <p:nvSpPr>
+            <p:cNvPr id="6" name="Oval 5"/>
+            <p:cNvSpPr/>
+            <p:nvPr/>
+          </p:nvSpPr>
+          <p:spPr>
+            <a:xfrm>
+              <a:off x="2416370" y="5231834"/>
+              <a:ext cx="182880" cy="182880"/>
+            </a:xfrm>
+            <a:prstGeom prst="ellipse">
+              <a:avLst/>
+            </a:prstGeom>
+            <a:solidFill>
+              <a:schemeClr val="tx1"/>
+            </a:solidFill>
+            <a:ln w="31750">
+              <a:noFill/>
+            </a:ln>
+          </p:spPr>
+          <p:style>
+            <a:lnRef idx="1">
+              <a:schemeClr val="accent1"/>
+            </a:lnRef>
+            <a:fillRef idx="3">
+              <a:schemeClr val="accent1"/>
+            </a:fillRef>
+            <a:effectRef idx="2">
+              <a:schemeClr val="accent1"/>
+            </a:effectRef>
+            <a:fontRef idx="minor">
+              <a:schemeClr val="lt1"/>
+            </a:fontRef>
+          </p:style>
+          <p:txBody>
+            <a:bodyPr rot="0" spcFirstLastPara="0" vertOverflow="overflow" horzOverflow="overflow" vert="horz" wrap="square" lIns="91440" tIns="45720" rIns="91440" bIns="45720" numCol="1" spcCol="0" rtlCol="0" fromWordArt="0" anchor="ctr" anchorCtr="0" forceAA="0" compatLnSpc="1">
+              <a:prstTxWarp prst="textNoShape">
+                <a:avLst/>
+              </a:prstTxWarp>
+              <a:noAutofit/>
+            </a:bodyPr>
+            <a:lstStyle/>
+            <a:p>
+              <a:pPr algn="ctr"/>
+              <a:endParaRPr lang="en-US"/>
+            </a:p>
+          </p:txBody>
+        </p:sp>
+        <p:sp>
+          <p:nvSpPr>
+            <p:cNvPr id="7" name="Oval 6"/>
+            <p:cNvSpPr/>
+            <p:nvPr/>
+          </p:nvSpPr>
+          <p:spPr>
+            <a:xfrm>
+              <a:off x="6509157" y="5192888"/>
+              <a:ext cx="182880" cy="182880"/>
+            </a:xfrm>
+            <a:prstGeom prst="ellipse">
+              <a:avLst/>
+            </a:prstGeom>
+            <a:solidFill>
+              <a:schemeClr val="tx1"/>
+            </a:solidFill>
+            <a:ln w="31750">
+              <a:noFill/>
+            </a:ln>
+          </p:spPr>
+          <p:style>
+            <a:lnRef idx="1">
+              <a:schemeClr val="accent1"/>
+            </a:lnRef>
+            <a:fillRef idx="3">
+              <a:schemeClr val="accent1"/>
+            </a:fillRef>
+            <a:effectRef idx="2">
+              <a:schemeClr val="accent1"/>
+            </a:effectRef>
+            <a:fontRef idx="minor">
+              <a:schemeClr val="lt1"/>
+            </a:fontRef>
+          </p:style>
+          <p:txBody>
+            <a:bodyPr rot="0" spcFirstLastPara="0" vertOverflow="overflow" horzOverflow="overflow" vert="horz" wrap="square" lIns="91440" tIns="45720" rIns="91440" bIns="45720" numCol="1" spcCol="0" rtlCol="0" fromWordArt="0" anchor="ctr" anchorCtr="0" forceAA="0" compatLnSpc="1">
+              <a:prstTxWarp prst="textNoShape">
+                <a:avLst/>
+              </a:prstTxWarp>
+              <a:noAutofit/>
+            </a:bodyPr>
+            <a:lstStyle/>
+            <a:p>
+              <a:pPr algn="ctr"/>
+              <a:endParaRPr lang="en-US"/>
+            </a:p>
+          </p:txBody>
+        </p:sp>
+        <p:cxnSp>
+          <p:nvCxnSpPr>
+            <p:cNvPr id="9" name="Straight Connector 8"/>
+            <p:cNvCxnSpPr/>
+            <p:nvPr/>
+          </p:nvCxnSpPr>
+          <p:spPr>
+            <a:xfrm>
+              <a:off x="2671085" y="1725115"/>
+              <a:ext cx="1109647" cy="875832"/>
+            </a:xfrm>
+            <a:prstGeom prst="line">
+              <a:avLst/>
+            </a:prstGeom>
+            <a:ln w="31750">
+              <a:solidFill>
+                <a:schemeClr val="tx1"/>
+              </a:solidFill>
+            </a:ln>
+          </p:spPr>
+          <p:style>
+            <a:lnRef idx="2">
+              <a:schemeClr val="accent1"/>
+            </a:lnRef>
+            <a:fillRef idx="0">
+              <a:schemeClr val="accent1"/>
+            </a:fillRef>
+            <a:effectRef idx="1">
+              <a:schemeClr val="accent1"/>
+            </a:effectRef>
+            <a:fontRef idx="minor">
+              <a:schemeClr val="tx1"/>
+            </a:fontRef>
+          </p:style>
+        </p:cxnSp>
+        <p:cxnSp>
+          <p:nvCxnSpPr>
+            <p:cNvPr id="11" name="Straight Connector 10"/>
+            <p:cNvCxnSpPr/>
+            <p:nvPr/>
+          </p:nvCxnSpPr>
+          <p:spPr>
+            <a:xfrm flipV="1">
+              <a:off x="2458703" y="4162778"/>
+              <a:ext cx="1293976" cy="1212989"/>
+            </a:xfrm>
+            <a:prstGeom prst="line">
+              <a:avLst/>
+            </a:prstGeom>
+            <a:ln w="31750">
+              <a:solidFill>
+                <a:schemeClr val="tx1"/>
+              </a:solidFill>
+            </a:ln>
+          </p:spPr>
+          <p:style>
+            <a:lnRef idx="2">
+              <a:schemeClr val="accent1"/>
+            </a:lnRef>
+            <a:fillRef idx="0">
+              <a:schemeClr val="accent1"/>
+            </a:fillRef>
+            <a:effectRef idx="1">
+              <a:schemeClr val="accent1"/>
+            </a:effectRef>
+            <a:fontRef idx="minor">
+              <a:schemeClr val="tx1"/>
+            </a:fontRef>
+          </p:style>
+        </p:cxnSp>
+        <p:cxnSp>
+          <p:nvCxnSpPr>
+            <p:cNvPr id="15" name="Straight Connector 14"/>
+            <p:cNvCxnSpPr>
+              <a:stCxn id="35" idx="6"/>
+              <a:endCxn id="5" idx="3"/>
+            </p:cNvCxnSpPr>
+            <p:nvPr/>
+          </p:nvCxnSpPr>
+          <p:spPr>
+            <a:xfrm flipV="1">
+              <a:off x="5383737" y="1800323"/>
+              <a:ext cx="1270179" cy="800624"/>
+            </a:xfrm>
+            <a:prstGeom prst="line">
+              <a:avLst/>
+            </a:prstGeom>
+            <a:ln w="31750">
+              <a:solidFill>
+                <a:schemeClr val="tx1"/>
+              </a:solidFill>
+            </a:ln>
+          </p:spPr>
+          <p:style>
+            <a:lnRef idx="2">
+              <a:schemeClr val="accent1"/>
+            </a:lnRef>
+            <a:fillRef idx="0">
+              <a:schemeClr val="accent1"/>
+            </a:fillRef>
+            <a:effectRef idx="1">
+              <a:schemeClr val="accent1"/>
+            </a:effectRef>
+            <a:fontRef idx="minor">
+              <a:schemeClr val="tx1"/>
+            </a:fontRef>
+          </p:style>
+        </p:cxnSp>
+        <p:cxnSp>
+          <p:nvCxnSpPr>
+            <p:cNvPr id="17" name="Straight Connector 16"/>
+            <p:cNvCxnSpPr>
+              <a:stCxn id="29" idx="5"/>
+            </p:cNvCxnSpPr>
+            <p:nvPr/>
+          </p:nvCxnSpPr>
+          <p:spPr>
+            <a:xfrm>
+              <a:off x="5380797" y="4138134"/>
+              <a:ext cx="1142471" cy="1125310"/>
+            </a:xfrm>
+            <a:prstGeom prst="line">
+              <a:avLst/>
+            </a:prstGeom>
+            <a:ln w="31750">
+              <a:solidFill>
+                <a:schemeClr val="tx1"/>
+              </a:solidFill>
+            </a:ln>
+          </p:spPr>
+          <p:style>
+            <a:lnRef idx="2">
+              <a:schemeClr val="accent1"/>
+            </a:lnRef>
+            <a:fillRef idx="0">
+              <a:schemeClr val="accent1"/>
+            </a:fillRef>
+            <a:effectRef idx="1">
+              <a:schemeClr val="accent1"/>
+            </a:effectRef>
+            <a:fontRef idx="minor">
+              <a:schemeClr val="tx1"/>
+            </a:fontRef>
+          </p:style>
+        </p:cxnSp>
+        <p:grpSp>
+          <p:nvGrpSpPr>
+            <p:cNvPr id="23" name="Group 22"/>
+            <p:cNvGrpSpPr/>
+            <p:nvPr/>
+          </p:nvGrpSpPr>
+          <p:grpSpPr>
+            <a:xfrm>
+              <a:off x="3747591" y="2568346"/>
+              <a:ext cx="1642853" cy="1594431"/>
+              <a:chOff x="2263415" y="1221456"/>
+              <a:chExt cx="4560702" cy="4472093"/>
+            </a:xfrm>
+          </p:grpSpPr>
+          <p:sp>
+            <p:nvSpPr>
+              <p:cNvPr id="24" name="Oval 23"/>
+              <p:cNvSpPr/>
+              <p:nvPr/>
+            </p:nvSpPr>
+            <p:spPr>
+              <a:xfrm>
+                <a:off x="2263978" y="1242341"/>
+                <a:ext cx="182880" cy="182880"/>
+              </a:xfrm>
+              <a:prstGeom prst="ellipse">
+                <a:avLst/>
+              </a:prstGeom>
+              <a:solidFill>
+                <a:schemeClr val="tx1"/>
+              </a:solidFill>
+              <a:ln w="31750">
+                <a:noFill/>
+              </a:ln>
+            </p:spPr>
+            <p:style>
+              <a:lnRef idx="1">
+                <a:schemeClr val="accent1"/>
+              </a:lnRef>
+              <a:fillRef idx="3">
+                <a:schemeClr val="accent1"/>
+              </a:fillRef>
+              <a:effectRef idx="2">
+                <a:schemeClr val="accent1"/>
+              </a:effectRef>
+              <a:fontRef idx="minor">
+                <a:schemeClr val="lt1"/>
+              </a:fontRef>
+            </p:style>
+            <p:txBody>
+              <a:bodyPr rot="0" spcFirstLastPara="0" vertOverflow="overflow" horzOverflow="overflow" vert="horz" wrap="square" lIns="91440" tIns="45720" rIns="91440" bIns="45720" numCol="1" spcCol="0" rtlCol="0" fromWordArt="0" anchor="ctr" anchorCtr="0" forceAA="0" compatLnSpc="1">
+                <a:prstTxWarp prst="textNoShape">
+                  <a:avLst/>
+                </a:prstTxWarp>
+                <a:noAutofit/>
+              </a:bodyPr>
+              <a:lstStyle/>
+              <a:p>
+                <a:pPr algn="ctr"/>
+                <a:endParaRPr lang="en-US"/>
+              </a:p>
+            </p:txBody>
+          </p:sp>
+          <p:grpSp>
+            <p:nvGrpSpPr>
+              <p:cNvPr id="25" name="Group 24"/>
+              <p:cNvGrpSpPr/>
+              <p:nvPr/>
+            </p:nvGrpSpPr>
+            <p:grpSpPr>
+              <a:xfrm>
+                <a:off x="2263415" y="1221456"/>
+                <a:ext cx="4542083" cy="4472093"/>
+                <a:chOff x="1106313" y="1348455"/>
+                <a:chExt cx="4542083" cy="4472093"/>
+              </a:xfrm>
+            </p:grpSpPr>
+            <p:sp>
+              <p:nvSpPr>
+                <p:cNvPr id="35" name="Oval 34"/>
+                <p:cNvSpPr/>
+                <p:nvPr/>
+              </p:nvSpPr>
+              <p:spPr>
+                <a:xfrm>
+                  <a:off x="5465516" y="1348455"/>
+                  <a:ext cx="182880" cy="182880"/>
+                </a:xfrm>
+                <a:prstGeom prst="ellipse">
+                  <a:avLst/>
+                </a:prstGeom>
+                <a:solidFill>
+                  <a:schemeClr val="tx1"/>
+                </a:solidFill>
+                <a:ln w="31750">
+                  <a:noFill/>
+                </a:ln>
+              </p:spPr>
+              <p:style>
+                <a:lnRef idx="1">
+                  <a:schemeClr val="accent1"/>
+                </a:lnRef>
+                <a:fillRef idx="3">
+                  <a:schemeClr val="accent1"/>
+                </a:fillRef>
+                <a:effectRef idx="2">
+                  <a:schemeClr val="accent1"/>
+                </a:effectRef>
+                <a:fontRef idx="minor">
+                  <a:schemeClr val="lt1"/>
+                </a:fontRef>
+              </p:style>
+              <p:txBody>
+                <a:bodyPr rot="0" spcFirstLastPara="0" vertOverflow="overflow" horzOverflow="overflow" vert="horz" wrap="square" lIns="91440" tIns="45720" rIns="91440" bIns="45720" numCol="1" spcCol="0" rtlCol="0" fromWordArt="0" anchor="ctr" anchorCtr="0" forceAA="0" compatLnSpc="1">
+                  <a:prstTxWarp prst="textNoShape">
+                    <a:avLst/>
+                  </a:prstTxWarp>
+                  <a:noAutofit/>
+                </a:bodyPr>
+                <a:lstStyle/>
+                <a:p>
+                  <a:pPr algn="ctr"/>
+                  <a:endParaRPr lang="en-US"/>
+                </a:p>
+              </p:txBody>
+            </p:sp>
+            <p:grpSp>
+              <p:nvGrpSpPr>
+                <p:cNvPr id="36" name="Group 35"/>
+                <p:cNvGrpSpPr/>
+                <p:nvPr/>
+              </p:nvGrpSpPr>
+              <p:grpSpPr>
+                <a:xfrm>
+                  <a:off x="1106313" y="3500117"/>
+                  <a:ext cx="2366150" cy="2320431"/>
+                  <a:chOff x="1106313" y="3500117"/>
+                  <a:chExt cx="2366150" cy="2320431"/>
+                </a:xfrm>
+              </p:grpSpPr>
+              <p:grpSp>
+                <p:nvGrpSpPr>
+                  <p:cNvPr id="50" name="Group 49"/>
+                  <p:cNvGrpSpPr/>
+                  <p:nvPr/>
+                </p:nvGrpSpPr>
+                <p:grpSpPr>
+                  <a:xfrm>
+                    <a:off x="1106313" y="4579335"/>
+                    <a:ext cx="1271128" cy="1241213"/>
+                    <a:chOff x="1106313" y="4579335"/>
+                    <a:chExt cx="1271128" cy="1241213"/>
+                  </a:xfrm>
+                </p:grpSpPr>
+                <p:sp>
+                  <p:nvSpPr>
+                    <p:cNvPr id="57" name="Rectangle 56"/>
+                    <p:cNvSpPr/>
+                    <p:nvPr/>
+                  </p:nvSpPr>
+                  <p:spPr>
+                    <a:xfrm>
+                      <a:off x="1227668" y="4670775"/>
+                      <a:ext cx="1058333" cy="1058333"/>
+                    </a:xfrm>
+                    <a:prstGeom prst="rect">
+                      <a:avLst/>
+                    </a:prstGeom>
+                    <a:noFill/>
+                    <a:ln w="31750">
+                      <a:solidFill>
+                        <a:schemeClr val="tx1"/>
+                      </a:solidFill>
+                    </a:ln>
+                  </p:spPr>
+                  <p:style>
+                    <a:lnRef idx="1">
+                      <a:schemeClr val="accent1"/>
+                    </a:lnRef>
+                    <a:fillRef idx="3">
+                      <a:schemeClr val="accent1"/>
+                    </a:fillRef>
+                    <a:effectRef idx="2">
+                      <a:schemeClr val="accent1"/>
+                    </a:effectRef>
+                    <a:fontRef idx="minor">
+                      <a:schemeClr val="lt1"/>
+                    </a:fontRef>
+                  </p:style>
+                  <p:txBody>
+                    <a:bodyPr rtlCol="0" anchor="ctr"/>
+                    <a:lstStyle/>
+                    <a:p>
+                      <a:pPr algn="ctr"/>
+                      <a:endParaRPr lang="en-US"/>
+                    </a:p>
+                  </p:txBody>
+                </p:sp>
+                <p:cxnSp>
+                  <p:nvCxnSpPr>
+                    <p:cNvPr id="58" name="Straight Connector 57"/>
+                    <p:cNvCxnSpPr/>
+                    <p:nvPr/>
+                  </p:nvCxnSpPr>
+                  <p:spPr>
+                    <a:xfrm>
+                      <a:off x="1227668" y="4670775"/>
+                      <a:ext cx="1058333" cy="1058333"/>
+                    </a:xfrm>
+                    <a:prstGeom prst="line">
+                      <a:avLst/>
+                    </a:prstGeom>
+                    <a:ln w="31750">
+                      <a:solidFill>
+                        <a:schemeClr val="tx1"/>
+                      </a:solidFill>
+                    </a:ln>
+                  </p:spPr>
+                  <p:style>
+                    <a:lnRef idx="2">
+                      <a:schemeClr val="accent1"/>
+                    </a:lnRef>
+                    <a:fillRef idx="0">
+                      <a:schemeClr val="accent1"/>
+                    </a:fillRef>
+                    <a:effectRef idx="1">
+                      <a:schemeClr val="accent1"/>
+                    </a:effectRef>
+                    <a:fontRef idx="minor">
+                      <a:schemeClr val="tx1"/>
+                    </a:fontRef>
+                  </p:style>
+                </p:cxnSp>
+                <p:sp>
+                  <p:nvSpPr>
+                    <p:cNvPr id="59" name="Oval 58"/>
+                    <p:cNvSpPr/>
+                    <p:nvPr/>
+                  </p:nvSpPr>
+                  <p:spPr>
+                    <a:xfrm>
+                      <a:off x="2194561" y="5637668"/>
+                      <a:ext cx="182880" cy="182880"/>
+                    </a:xfrm>
+                    <a:prstGeom prst="ellipse">
+                      <a:avLst/>
+                    </a:prstGeom>
+                    <a:solidFill>
+                      <a:schemeClr val="tx1"/>
+                    </a:solidFill>
+                    <a:ln w="31750">
+                      <a:noFill/>
+                    </a:ln>
+                  </p:spPr>
+                  <p:style>
+                    <a:lnRef idx="1">
+                      <a:schemeClr val="accent1"/>
+                    </a:lnRef>
+                    <a:fillRef idx="3">
+                      <a:schemeClr val="accent1"/>
+                    </a:fillRef>
+                    <a:effectRef idx="2">
+                      <a:schemeClr val="accent1"/>
+                    </a:effectRef>
+                    <a:fontRef idx="minor">
+                      <a:schemeClr val="lt1"/>
+                    </a:fontRef>
+                  </p:style>
+                  <p:txBody>
+                    <a:bodyPr rot="0" spcFirstLastPara="0" vertOverflow="overflow" horzOverflow="overflow" vert="horz" wrap="square" lIns="91440" tIns="45720" rIns="91440" bIns="45720" numCol="1" spcCol="0" rtlCol="0" fromWordArt="0" anchor="ctr" anchorCtr="0" forceAA="0" compatLnSpc="1">
+                      <a:prstTxWarp prst="textNoShape">
+                        <a:avLst/>
+                      </a:prstTxWarp>
+                      <a:noAutofit/>
+                    </a:bodyPr>
+                    <a:lstStyle/>
+                    <a:p>
+                      <a:pPr algn="ctr"/>
+                      <a:endParaRPr lang="en-US"/>
+                    </a:p>
+                  </p:txBody>
+                </p:sp>
+                <p:sp>
+                  <p:nvSpPr>
+                    <p:cNvPr id="60" name="Oval 59"/>
+                    <p:cNvSpPr/>
+                    <p:nvPr/>
+                  </p:nvSpPr>
+                  <p:spPr>
+                    <a:xfrm>
+                      <a:off x="1106313" y="5637668"/>
+                      <a:ext cx="182880" cy="182880"/>
+                    </a:xfrm>
+                    <a:prstGeom prst="ellipse">
+                      <a:avLst/>
+                    </a:prstGeom>
+                    <a:solidFill>
+                      <a:schemeClr val="tx1"/>
+                    </a:solidFill>
+                    <a:ln w="31750">
+                      <a:noFill/>
+                    </a:ln>
+                  </p:spPr>
+                  <p:style>
+                    <a:lnRef idx="1">
+                      <a:schemeClr val="accent1"/>
+                    </a:lnRef>
+                    <a:fillRef idx="3">
+                      <a:schemeClr val="accent1"/>
+                    </a:fillRef>
+                    <a:effectRef idx="2">
+                      <a:schemeClr val="accent1"/>
+                    </a:effectRef>
+                    <a:fontRef idx="minor">
+                      <a:schemeClr val="lt1"/>
+                    </a:fontRef>
+                  </p:style>
+                  <p:txBody>
+                    <a:bodyPr rot="0" spcFirstLastPara="0" vertOverflow="overflow" horzOverflow="overflow" vert="horz" wrap="square" lIns="91440" tIns="45720" rIns="91440" bIns="45720" numCol="1" spcCol="0" rtlCol="0" fromWordArt="0" anchor="ctr" anchorCtr="0" forceAA="0" compatLnSpc="1">
+                      <a:prstTxWarp prst="textNoShape">
+                        <a:avLst/>
+                      </a:prstTxWarp>
+                      <a:noAutofit/>
+                    </a:bodyPr>
+                    <a:lstStyle/>
+                    <a:p>
+                      <a:pPr algn="ctr"/>
+                      <a:endParaRPr lang="en-US"/>
+                    </a:p>
+                  </p:txBody>
+                </p:sp>
+                <p:sp>
+                  <p:nvSpPr>
+                    <p:cNvPr id="61" name="Oval 60"/>
+                    <p:cNvSpPr/>
+                    <p:nvPr/>
+                  </p:nvSpPr>
+                  <p:spPr>
+                    <a:xfrm>
+                      <a:off x="1162193" y="4579335"/>
+                      <a:ext cx="182880" cy="182880"/>
+                    </a:xfrm>
+                    <a:prstGeom prst="ellipse">
+                      <a:avLst/>
+                    </a:prstGeom>
+                    <a:solidFill>
+                      <a:schemeClr val="tx1"/>
+                    </a:solidFill>
+                    <a:ln w="31750">
+                      <a:noFill/>
+                    </a:ln>
+                  </p:spPr>
+                  <p:style>
+                    <a:lnRef idx="1">
+                      <a:schemeClr val="accent1"/>
+                    </a:lnRef>
+                    <a:fillRef idx="3">
+                      <a:schemeClr val="accent1"/>
+                    </a:fillRef>
+                    <a:effectRef idx="2">
+                      <a:schemeClr val="accent1"/>
+                    </a:effectRef>
+                    <a:fontRef idx="minor">
+                      <a:schemeClr val="lt1"/>
+                    </a:fontRef>
+                  </p:style>
+                  <p:txBody>
+                    <a:bodyPr rot="0" spcFirstLastPara="0" vertOverflow="overflow" horzOverflow="overflow" vert="horz" wrap="square" lIns="91440" tIns="45720" rIns="91440" bIns="45720" numCol="1" spcCol="0" rtlCol="0" fromWordArt="0" anchor="ctr" anchorCtr="0" forceAA="0" compatLnSpc="1">
+                      <a:prstTxWarp prst="textNoShape">
+                        <a:avLst/>
+                      </a:prstTxWarp>
+                      <a:noAutofit/>
+                    </a:bodyPr>
+                    <a:lstStyle/>
+                    <a:p>
+                      <a:pPr algn="ctr"/>
+                      <a:endParaRPr lang="en-US"/>
+                    </a:p>
+                  </p:txBody>
+                </p:sp>
+              </p:grpSp>
+              <p:grpSp>
+                <p:nvGrpSpPr>
+                  <p:cNvPr id="51" name="Group 50"/>
+                  <p:cNvGrpSpPr/>
+                  <p:nvPr/>
+                </p:nvGrpSpPr>
+                <p:grpSpPr>
+                  <a:xfrm>
+                    <a:off x="2201335" y="3500117"/>
+                    <a:ext cx="1271128" cy="1241213"/>
+                    <a:chOff x="1106313" y="4579335"/>
+                    <a:chExt cx="1271128" cy="1241213"/>
+                  </a:xfrm>
+                </p:grpSpPr>
+                <p:sp>
+                  <p:nvSpPr>
+                    <p:cNvPr id="52" name="Rectangle 51"/>
+                    <p:cNvSpPr/>
+                    <p:nvPr/>
+                  </p:nvSpPr>
+                  <p:spPr>
+                    <a:xfrm>
+                      <a:off x="1227668" y="4670775"/>
+                      <a:ext cx="1058333" cy="1058333"/>
+                    </a:xfrm>
+                    <a:prstGeom prst="rect">
+                      <a:avLst/>
+                    </a:prstGeom>
+                    <a:noFill/>
+                    <a:ln w="31750">
+                      <a:solidFill>
+                        <a:schemeClr val="tx1"/>
+                      </a:solidFill>
+                    </a:ln>
+                  </p:spPr>
+                  <p:style>
+                    <a:lnRef idx="1">
+                      <a:schemeClr val="accent1"/>
+                    </a:lnRef>
+                    <a:fillRef idx="3">
+                      <a:schemeClr val="accent1"/>
+                    </a:fillRef>
+                    <a:effectRef idx="2">
+                      <a:schemeClr val="accent1"/>
+                    </a:effectRef>
+                    <a:fontRef idx="minor">
+                      <a:schemeClr val="lt1"/>
+                    </a:fontRef>
+                  </p:style>
+                  <p:txBody>
+                    <a:bodyPr rtlCol="0" anchor="ctr"/>
+                    <a:lstStyle/>
+                    <a:p>
+                      <a:pPr algn="ctr"/>
+                      <a:endParaRPr lang="en-US"/>
+                    </a:p>
+                  </p:txBody>
+                </p:sp>
+                <p:cxnSp>
+                  <p:nvCxnSpPr>
+                    <p:cNvPr id="53" name="Straight Connector 52"/>
+                    <p:cNvCxnSpPr/>
+                    <p:nvPr/>
+                  </p:nvCxnSpPr>
+                  <p:spPr>
+                    <a:xfrm>
+                      <a:off x="1227668" y="4670775"/>
+                      <a:ext cx="1058333" cy="1058333"/>
+                    </a:xfrm>
+                    <a:prstGeom prst="line">
+                      <a:avLst/>
+                    </a:prstGeom>
+                    <a:ln w="31750">
+                      <a:solidFill>
+                        <a:schemeClr val="tx1"/>
+                      </a:solidFill>
+                    </a:ln>
+                  </p:spPr>
+                  <p:style>
+                    <a:lnRef idx="2">
+                      <a:schemeClr val="accent1"/>
+                    </a:lnRef>
+                    <a:fillRef idx="0">
+                      <a:schemeClr val="accent1"/>
+                    </a:fillRef>
+                    <a:effectRef idx="1">
+                      <a:schemeClr val="accent1"/>
+                    </a:effectRef>
+                    <a:fontRef idx="minor">
+                      <a:schemeClr val="tx1"/>
+                    </a:fontRef>
+                  </p:style>
+                </p:cxnSp>
+                <p:sp>
+                  <p:nvSpPr>
+                    <p:cNvPr id="54" name="Oval 53"/>
+                    <p:cNvSpPr/>
+                    <p:nvPr/>
+                  </p:nvSpPr>
+                  <p:spPr>
+                    <a:xfrm>
+                      <a:off x="2194561" y="5637668"/>
+                      <a:ext cx="182880" cy="182880"/>
+                    </a:xfrm>
+                    <a:prstGeom prst="ellipse">
+                      <a:avLst/>
+                    </a:prstGeom>
+                    <a:solidFill>
+                      <a:schemeClr val="tx1"/>
+                    </a:solidFill>
+                    <a:ln w="31750">
+                      <a:noFill/>
+                    </a:ln>
+                  </p:spPr>
+                  <p:style>
+                    <a:lnRef idx="1">
+                      <a:schemeClr val="accent1"/>
+                    </a:lnRef>
+                    <a:fillRef idx="3">
+                      <a:schemeClr val="accent1"/>
+                    </a:fillRef>
+                    <a:effectRef idx="2">
+                      <a:schemeClr val="accent1"/>
+                    </a:effectRef>
+                    <a:fontRef idx="minor">
+                      <a:schemeClr val="lt1"/>
+                    </a:fontRef>
+                  </p:style>
+                  <p:txBody>
+                    <a:bodyPr rot="0" spcFirstLastPara="0" vertOverflow="overflow" horzOverflow="overflow" vert="horz" wrap="square" lIns="91440" tIns="45720" rIns="91440" bIns="45720" numCol="1" spcCol="0" rtlCol="0" fromWordArt="0" anchor="ctr" anchorCtr="0" forceAA="0" compatLnSpc="1">
+                      <a:prstTxWarp prst="textNoShape">
+                        <a:avLst/>
+                      </a:prstTxWarp>
+                      <a:noAutofit/>
+                    </a:bodyPr>
+                    <a:lstStyle/>
+                    <a:p>
+                      <a:pPr algn="ctr"/>
+                      <a:endParaRPr lang="en-US"/>
+                    </a:p>
+                  </p:txBody>
+                </p:sp>
+                <p:sp>
+                  <p:nvSpPr>
+                    <p:cNvPr id="55" name="Oval 54"/>
+                    <p:cNvSpPr/>
+                    <p:nvPr/>
+                  </p:nvSpPr>
+                  <p:spPr>
+                    <a:xfrm>
+                      <a:off x="1106313" y="5637668"/>
+                      <a:ext cx="182880" cy="182880"/>
+                    </a:xfrm>
+                    <a:prstGeom prst="ellipse">
+                      <a:avLst/>
+                    </a:prstGeom>
+                    <a:solidFill>
+                      <a:schemeClr val="tx1"/>
+                    </a:solidFill>
+                    <a:ln w="31750">
+                      <a:noFill/>
+                    </a:ln>
+                  </p:spPr>
+                  <p:style>
+                    <a:lnRef idx="1">
+                      <a:schemeClr val="accent1"/>
+                    </a:lnRef>
+                    <a:fillRef idx="3">
+                      <a:schemeClr val="accent1"/>
+                    </a:fillRef>
+                    <a:effectRef idx="2">
+                      <a:schemeClr val="accent1"/>
+                    </a:effectRef>
+                    <a:fontRef idx="minor">
+                      <a:schemeClr val="lt1"/>
+                    </a:fontRef>
+                  </p:style>
+                  <p:txBody>
+                    <a:bodyPr rot="0" spcFirstLastPara="0" vertOverflow="overflow" horzOverflow="overflow" vert="horz" wrap="square" lIns="91440" tIns="45720" rIns="91440" bIns="45720" numCol="1" spcCol="0" rtlCol="0" fromWordArt="0" anchor="ctr" anchorCtr="0" forceAA="0" compatLnSpc="1">
+                      <a:prstTxWarp prst="textNoShape">
+                        <a:avLst/>
+                      </a:prstTxWarp>
+                      <a:noAutofit/>
+                    </a:bodyPr>
+                    <a:lstStyle/>
+                    <a:p>
+                      <a:pPr algn="ctr"/>
+                      <a:endParaRPr lang="en-US"/>
+                    </a:p>
+                  </p:txBody>
+                </p:sp>
+                <p:sp>
+                  <p:nvSpPr>
+                    <p:cNvPr id="56" name="Oval 55"/>
+                    <p:cNvSpPr/>
+                    <p:nvPr/>
+                  </p:nvSpPr>
+                  <p:spPr>
+                    <a:xfrm>
+                      <a:off x="1162193" y="4579335"/>
+                      <a:ext cx="182880" cy="182880"/>
+                    </a:xfrm>
+                    <a:prstGeom prst="ellipse">
+                      <a:avLst/>
+                    </a:prstGeom>
+                    <a:solidFill>
+                      <a:schemeClr val="tx1"/>
+                    </a:solidFill>
+                    <a:ln w="31750">
+                      <a:noFill/>
+                    </a:ln>
+                  </p:spPr>
+                  <p:style>
+                    <a:lnRef idx="1">
+                      <a:schemeClr val="accent1"/>
+                    </a:lnRef>
+                    <a:fillRef idx="3">
+                      <a:schemeClr val="accent1"/>
+                    </a:fillRef>
+                    <a:effectRef idx="2">
+                      <a:schemeClr val="accent1"/>
+                    </a:effectRef>
+                    <a:fontRef idx="minor">
+                      <a:schemeClr val="lt1"/>
+                    </a:fontRef>
+                  </p:style>
+                  <p:txBody>
+                    <a:bodyPr rot="0" spcFirstLastPara="0" vertOverflow="overflow" horzOverflow="overflow" vert="horz" wrap="square" lIns="91440" tIns="45720" rIns="91440" bIns="45720" numCol="1" spcCol="0" rtlCol="0" fromWordArt="0" anchor="ctr" anchorCtr="0" forceAA="0" compatLnSpc="1">
+                      <a:prstTxWarp prst="textNoShape">
+                        <a:avLst/>
+                      </a:prstTxWarp>
+                      <a:noAutofit/>
+                    </a:bodyPr>
+                    <a:lstStyle/>
+                    <a:p>
+                      <a:pPr algn="ctr"/>
+                      <a:endParaRPr lang="en-US"/>
+                    </a:p>
+                  </p:txBody>
+                </p:sp>
+              </p:grpSp>
+            </p:grpSp>
+            <p:grpSp>
+              <p:nvGrpSpPr>
+                <p:cNvPr id="37" name="Group 36"/>
+                <p:cNvGrpSpPr/>
+                <p:nvPr/>
+              </p:nvGrpSpPr>
+              <p:grpSpPr>
+                <a:xfrm>
+                  <a:off x="3282246" y="1348455"/>
+                  <a:ext cx="2366150" cy="2320431"/>
+                  <a:chOff x="1106313" y="3500117"/>
+                  <a:chExt cx="2366150" cy="2320431"/>
+                </a:xfrm>
+              </p:grpSpPr>
+              <p:grpSp>
+                <p:nvGrpSpPr>
+                  <p:cNvPr id="38" name="Group 37"/>
+                  <p:cNvGrpSpPr/>
+                  <p:nvPr/>
+                </p:nvGrpSpPr>
+                <p:grpSpPr>
+                  <a:xfrm>
+                    <a:off x="1106313" y="4579335"/>
+                    <a:ext cx="1271128" cy="1241213"/>
+                    <a:chOff x="1106313" y="4579335"/>
+                    <a:chExt cx="1271128" cy="1241213"/>
+                  </a:xfrm>
+                </p:grpSpPr>
+                <p:sp>
+                  <p:nvSpPr>
+                    <p:cNvPr id="45" name="Rectangle 44"/>
+                    <p:cNvSpPr/>
+                    <p:nvPr/>
+                  </p:nvSpPr>
+                  <p:spPr>
+                    <a:xfrm>
+                      <a:off x="1227668" y="4670775"/>
+                      <a:ext cx="1058333" cy="1058333"/>
+                    </a:xfrm>
+                    <a:prstGeom prst="rect">
+                      <a:avLst/>
+                    </a:prstGeom>
+                    <a:noFill/>
+                    <a:ln w="31750">
+                      <a:solidFill>
+                        <a:schemeClr val="tx1"/>
+                      </a:solidFill>
+                    </a:ln>
+                  </p:spPr>
+                  <p:style>
+                    <a:lnRef idx="1">
+                      <a:schemeClr val="accent1"/>
+                    </a:lnRef>
+                    <a:fillRef idx="3">
+                      <a:schemeClr val="accent1"/>
+                    </a:fillRef>
+                    <a:effectRef idx="2">
+                      <a:schemeClr val="accent1"/>
+                    </a:effectRef>
+                    <a:fontRef idx="minor">
+                      <a:schemeClr val="lt1"/>
+                    </a:fontRef>
+                  </p:style>
+                  <p:txBody>
+                    <a:bodyPr rtlCol="0" anchor="ctr"/>
+                    <a:lstStyle/>
+                    <a:p>
+                      <a:pPr algn="ctr"/>
+                      <a:endParaRPr lang="en-US"/>
+                    </a:p>
+                  </p:txBody>
+                </p:sp>
+                <p:cxnSp>
+                  <p:nvCxnSpPr>
+                    <p:cNvPr id="46" name="Straight Connector 45"/>
+                    <p:cNvCxnSpPr/>
+                    <p:nvPr/>
+                  </p:nvCxnSpPr>
+                  <p:spPr>
+                    <a:xfrm>
+                      <a:off x="1227668" y="4670775"/>
+                      <a:ext cx="1058333" cy="1058333"/>
+                    </a:xfrm>
+                    <a:prstGeom prst="line">
+                      <a:avLst/>
+                    </a:prstGeom>
+                    <a:ln w="31750">
+                      <a:solidFill>
+                        <a:schemeClr val="tx1"/>
+                      </a:solidFill>
+                    </a:ln>
+                  </p:spPr>
+                  <p:style>
+                    <a:lnRef idx="2">
+                      <a:schemeClr val="accent1"/>
+                    </a:lnRef>
+                    <a:fillRef idx="0">
+                      <a:schemeClr val="accent1"/>
+                    </a:fillRef>
+                    <a:effectRef idx="1">
+                      <a:schemeClr val="accent1"/>
+                    </a:effectRef>
+                    <a:fontRef idx="minor">
+                      <a:schemeClr val="tx1"/>
+                    </a:fontRef>
+                  </p:style>
+                </p:cxnSp>
+                <p:sp>
+                  <p:nvSpPr>
+                    <p:cNvPr id="47" name="Oval 46"/>
+                    <p:cNvSpPr/>
+                    <p:nvPr/>
+                  </p:nvSpPr>
+                  <p:spPr>
+                    <a:xfrm>
+                      <a:off x="2194561" y="5637668"/>
+                      <a:ext cx="182880" cy="182880"/>
+                    </a:xfrm>
+                    <a:prstGeom prst="ellipse">
+                      <a:avLst/>
+                    </a:prstGeom>
+                    <a:solidFill>
+                      <a:schemeClr val="tx1"/>
+                    </a:solidFill>
+                    <a:ln w="31750">
+                      <a:noFill/>
+                    </a:ln>
+                  </p:spPr>
+                  <p:style>
+                    <a:lnRef idx="1">
+                      <a:schemeClr val="accent1"/>
+                    </a:lnRef>
+                    <a:fillRef idx="3">
+                      <a:schemeClr val="accent1"/>
+                    </a:fillRef>
+                    <a:effectRef idx="2">
+                      <a:schemeClr val="accent1"/>
+                    </a:effectRef>
+                    <a:fontRef idx="minor">
+                      <a:schemeClr val="lt1"/>
+                    </a:fontRef>
+                  </p:style>
+                  <p:txBody>
+                    <a:bodyPr rot="0" spcFirstLastPara="0" vertOverflow="overflow" horzOverflow="overflow" vert="horz" wrap="square" lIns="91440" tIns="45720" rIns="91440" bIns="45720" numCol="1" spcCol="0" rtlCol="0" fromWordArt="0" anchor="ctr" anchorCtr="0" forceAA="0" compatLnSpc="1">
+                      <a:prstTxWarp prst="textNoShape">
+                        <a:avLst/>
+                      </a:prstTxWarp>
+                      <a:noAutofit/>
+                    </a:bodyPr>
+                    <a:lstStyle/>
+                    <a:p>
+                      <a:pPr algn="ctr"/>
+                      <a:endParaRPr lang="en-US"/>
+                    </a:p>
+                  </p:txBody>
+                </p:sp>
+                <p:sp>
+                  <p:nvSpPr>
+                    <p:cNvPr id="48" name="Oval 47"/>
+                    <p:cNvSpPr/>
+                    <p:nvPr/>
+                  </p:nvSpPr>
+                  <p:spPr>
+                    <a:xfrm>
+                      <a:off x="1106313" y="5637668"/>
+                      <a:ext cx="182880" cy="182880"/>
+                    </a:xfrm>
+                    <a:prstGeom prst="ellipse">
+                      <a:avLst/>
+                    </a:prstGeom>
+                    <a:solidFill>
+                      <a:schemeClr val="tx1"/>
+                    </a:solidFill>
+                    <a:ln w="31750">
+                      <a:noFill/>
+                    </a:ln>
+                  </p:spPr>
+                  <p:style>
+                    <a:lnRef idx="1">
+                      <a:schemeClr val="accent1"/>
+                    </a:lnRef>
+                    <a:fillRef idx="3">
+                      <a:schemeClr val="accent1"/>
+                    </a:fillRef>
+                    <a:effectRef idx="2">
+                      <a:schemeClr val="accent1"/>
+                    </a:effectRef>
+                    <a:fontRef idx="minor">
+                      <a:schemeClr val="lt1"/>
+                    </a:fontRef>
+                  </p:style>
+                  <p:txBody>
+                    <a:bodyPr rot="0" spcFirstLastPara="0" vertOverflow="overflow" horzOverflow="overflow" vert="horz" wrap="square" lIns="91440" tIns="45720" rIns="91440" bIns="45720" numCol="1" spcCol="0" rtlCol="0" fromWordArt="0" anchor="ctr" anchorCtr="0" forceAA="0" compatLnSpc="1">
+                      <a:prstTxWarp prst="textNoShape">
+                        <a:avLst/>
+                      </a:prstTxWarp>
+                      <a:noAutofit/>
+                    </a:bodyPr>
+                    <a:lstStyle/>
+                    <a:p>
+                      <a:pPr algn="ctr"/>
+                      <a:endParaRPr lang="en-US"/>
+                    </a:p>
+                  </p:txBody>
+                </p:sp>
+                <p:sp>
+                  <p:nvSpPr>
+                    <p:cNvPr id="49" name="Oval 48"/>
+                    <p:cNvSpPr/>
+                    <p:nvPr/>
+                  </p:nvSpPr>
+                  <p:spPr>
+                    <a:xfrm>
+                      <a:off x="1162193" y="4579335"/>
+                      <a:ext cx="182880" cy="182880"/>
+                    </a:xfrm>
+                    <a:prstGeom prst="ellipse">
+                      <a:avLst/>
+                    </a:prstGeom>
+                    <a:solidFill>
+                      <a:schemeClr val="tx1"/>
+                    </a:solidFill>
+                    <a:ln w="31750">
+                      <a:noFill/>
+                    </a:ln>
+                  </p:spPr>
+                  <p:style>
+                    <a:lnRef idx="1">
+                      <a:schemeClr val="accent1"/>
+                    </a:lnRef>
+                    <a:fillRef idx="3">
+                      <a:schemeClr val="accent1"/>
+                    </a:fillRef>
+                    <a:effectRef idx="2">
+                      <a:schemeClr val="accent1"/>
+                    </a:effectRef>
+                    <a:fontRef idx="minor">
+                      <a:schemeClr val="lt1"/>
+                    </a:fontRef>
+                  </p:style>
+                  <p:txBody>
+                    <a:bodyPr rot="0" spcFirstLastPara="0" vertOverflow="overflow" horzOverflow="overflow" vert="horz" wrap="square" lIns="91440" tIns="45720" rIns="91440" bIns="45720" numCol="1" spcCol="0" rtlCol="0" fromWordArt="0" anchor="ctr" anchorCtr="0" forceAA="0" compatLnSpc="1">
+                      <a:prstTxWarp prst="textNoShape">
+                        <a:avLst/>
+                      </a:prstTxWarp>
+                      <a:noAutofit/>
+                    </a:bodyPr>
+                    <a:lstStyle/>
+                    <a:p>
+                      <a:pPr algn="ctr"/>
+                      <a:endParaRPr lang="en-US"/>
+                    </a:p>
+                  </p:txBody>
+                </p:sp>
+              </p:grpSp>
+              <p:grpSp>
+                <p:nvGrpSpPr>
+                  <p:cNvPr id="39" name="Group 38"/>
+                  <p:cNvGrpSpPr/>
+                  <p:nvPr/>
+                </p:nvGrpSpPr>
+                <p:grpSpPr>
+                  <a:xfrm>
+                    <a:off x="2201335" y="3500117"/>
+                    <a:ext cx="1271128" cy="1241213"/>
+                    <a:chOff x="1106313" y="4579335"/>
+                    <a:chExt cx="1271128" cy="1241213"/>
+                  </a:xfrm>
+                </p:grpSpPr>
+                <p:sp>
+                  <p:nvSpPr>
+                    <p:cNvPr id="40" name="Rectangle 39"/>
+                    <p:cNvSpPr/>
+                    <p:nvPr/>
+                  </p:nvSpPr>
+                  <p:spPr>
+                    <a:xfrm>
+                      <a:off x="1227668" y="4670775"/>
+                      <a:ext cx="1058333" cy="1058333"/>
+                    </a:xfrm>
+                    <a:prstGeom prst="rect">
+                      <a:avLst/>
+                    </a:prstGeom>
+                    <a:noFill/>
+                    <a:ln w="31750">
+                      <a:solidFill>
+                        <a:schemeClr val="tx1"/>
+                      </a:solidFill>
+                    </a:ln>
+                  </p:spPr>
+                  <p:style>
+                    <a:lnRef idx="1">
+                      <a:schemeClr val="accent1"/>
+                    </a:lnRef>
+                    <a:fillRef idx="3">
+                      <a:schemeClr val="accent1"/>
+                    </a:fillRef>
+                    <a:effectRef idx="2">
+                      <a:schemeClr val="accent1"/>
+                    </a:effectRef>
+                    <a:fontRef idx="minor">
+                      <a:schemeClr val="lt1"/>
+                    </a:fontRef>
+                  </p:style>
+                  <p:txBody>
+                    <a:bodyPr rtlCol="0" anchor="ctr"/>
+                    <a:lstStyle/>
+                    <a:p>
+                      <a:pPr algn="ctr"/>
+                      <a:endParaRPr lang="en-US"/>
+                    </a:p>
+                  </p:txBody>
+                </p:sp>
+                <p:cxnSp>
+                  <p:nvCxnSpPr>
+                    <p:cNvPr id="41" name="Straight Connector 40"/>
+                    <p:cNvCxnSpPr/>
+                    <p:nvPr/>
+                  </p:nvCxnSpPr>
+                  <p:spPr>
+                    <a:xfrm>
+                      <a:off x="1227668" y="4670775"/>
+                      <a:ext cx="1058333" cy="1058333"/>
+                    </a:xfrm>
+                    <a:prstGeom prst="line">
+                      <a:avLst/>
+                    </a:prstGeom>
+                    <a:ln w="31750">
+                      <a:solidFill>
+                        <a:schemeClr val="tx1"/>
+                      </a:solidFill>
+                    </a:ln>
+                  </p:spPr>
+                  <p:style>
+                    <a:lnRef idx="2">
+                      <a:schemeClr val="accent1"/>
+                    </a:lnRef>
+                    <a:fillRef idx="0">
+                      <a:schemeClr val="accent1"/>
+                    </a:fillRef>
+                    <a:effectRef idx="1">
+                      <a:schemeClr val="accent1"/>
+                    </a:effectRef>
+                    <a:fontRef idx="minor">
+                      <a:schemeClr val="tx1"/>
+                    </a:fontRef>
+                  </p:style>
+                </p:cxnSp>
+                <p:sp>
+                  <p:nvSpPr>
+                    <p:cNvPr id="42" name="Oval 41"/>
+                    <p:cNvSpPr/>
+                    <p:nvPr/>
+                  </p:nvSpPr>
+                  <p:spPr>
+                    <a:xfrm>
+                      <a:off x="2194561" y="5637668"/>
+                      <a:ext cx="182880" cy="182880"/>
+                    </a:xfrm>
+                    <a:prstGeom prst="ellipse">
+                      <a:avLst/>
+                    </a:prstGeom>
+                    <a:solidFill>
+                      <a:schemeClr val="tx1"/>
+                    </a:solidFill>
+                    <a:ln w="31750">
+                      <a:noFill/>
+                    </a:ln>
+                  </p:spPr>
+                  <p:style>
+                    <a:lnRef idx="1">
+                      <a:schemeClr val="accent1"/>
+                    </a:lnRef>
+                    <a:fillRef idx="3">
+                      <a:schemeClr val="accent1"/>
+                    </a:fillRef>
+                    <a:effectRef idx="2">
+                      <a:schemeClr val="accent1"/>
+                    </a:effectRef>
+                    <a:fontRef idx="minor">
+                      <a:schemeClr val="lt1"/>
+                    </a:fontRef>
+                  </p:style>
+                  <p:txBody>
+                    <a:bodyPr rot="0" spcFirstLastPara="0" vertOverflow="overflow" horzOverflow="overflow" vert="horz" wrap="square" lIns="91440" tIns="45720" rIns="91440" bIns="45720" numCol="1" spcCol="0" rtlCol="0" fromWordArt="0" anchor="ctr" anchorCtr="0" forceAA="0" compatLnSpc="1">
+                      <a:prstTxWarp prst="textNoShape">
+                        <a:avLst/>
+                      </a:prstTxWarp>
+                      <a:noAutofit/>
+                    </a:bodyPr>
+                    <a:lstStyle/>
+                    <a:p>
+                      <a:pPr algn="ctr"/>
+                      <a:endParaRPr lang="en-US"/>
+                    </a:p>
+                  </p:txBody>
+                </p:sp>
+                <p:sp>
+                  <p:nvSpPr>
+                    <p:cNvPr id="43" name="Oval 42"/>
+                    <p:cNvSpPr/>
+                    <p:nvPr/>
+                  </p:nvSpPr>
+                  <p:spPr>
+                    <a:xfrm>
+                      <a:off x="1106313" y="5637668"/>
+                      <a:ext cx="182880" cy="182880"/>
+                    </a:xfrm>
+                    <a:prstGeom prst="ellipse">
+                      <a:avLst/>
+                    </a:prstGeom>
+                    <a:solidFill>
+                      <a:schemeClr val="tx1"/>
+                    </a:solidFill>
+                    <a:ln w="31750">
+                      <a:noFill/>
+                    </a:ln>
+                  </p:spPr>
+                  <p:style>
+                    <a:lnRef idx="1">
+                      <a:schemeClr val="accent1"/>
+                    </a:lnRef>
+                    <a:fillRef idx="3">
+                      <a:schemeClr val="accent1"/>
+                    </a:fillRef>
+                    <a:effectRef idx="2">
+                      <a:schemeClr val="accent1"/>
+                    </a:effectRef>
+                    <a:fontRef idx="minor">
+                      <a:schemeClr val="lt1"/>
+                    </a:fontRef>
+                  </p:style>
+                  <p:txBody>
+                    <a:bodyPr rot="0" spcFirstLastPara="0" vertOverflow="overflow" horzOverflow="overflow" vert="horz" wrap="square" lIns="91440" tIns="45720" rIns="91440" bIns="45720" numCol="1" spcCol="0" rtlCol="0" fromWordArt="0" anchor="ctr" anchorCtr="0" forceAA="0" compatLnSpc="1">
+                      <a:prstTxWarp prst="textNoShape">
+                        <a:avLst/>
+                      </a:prstTxWarp>
+                      <a:noAutofit/>
+                    </a:bodyPr>
+                    <a:lstStyle/>
+                    <a:p>
+                      <a:pPr algn="ctr"/>
+                      <a:endParaRPr lang="en-US"/>
+                    </a:p>
+                  </p:txBody>
+                </p:sp>
+                <p:sp>
+                  <p:nvSpPr>
+                    <p:cNvPr id="44" name="Oval 43"/>
+                    <p:cNvSpPr/>
+                    <p:nvPr/>
+                  </p:nvSpPr>
+                  <p:spPr>
+                    <a:xfrm>
+                      <a:off x="1162193" y="4579335"/>
+                      <a:ext cx="182880" cy="182880"/>
+                    </a:xfrm>
+                    <a:prstGeom prst="ellipse">
+                      <a:avLst/>
+                    </a:prstGeom>
+                    <a:solidFill>
+                      <a:schemeClr val="tx1"/>
+                    </a:solidFill>
+                    <a:ln w="31750">
+                      <a:noFill/>
+                    </a:ln>
+                  </p:spPr>
+                  <p:style>
+                    <a:lnRef idx="1">
+                      <a:schemeClr val="accent1"/>
+                    </a:lnRef>
+                    <a:fillRef idx="3">
+                      <a:schemeClr val="accent1"/>
+                    </a:fillRef>
+                    <a:effectRef idx="2">
+                      <a:schemeClr val="accent1"/>
+                    </a:effectRef>
+                    <a:fontRef idx="minor">
+                      <a:schemeClr val="lt1"/>
+                    </a:fontRef>
+                  </p:style>
+                  <p:txBody>
+                    <a:bodyPr rot="0" spcFirstLastPara="0" vertOverflow="overflow" horzOverflow="overflow" vert="horz" wrap="square" lIns="91440" tIns="45720" rIns="91440" bIns="45720" numCol="1" spcCol="0" rtlCol="0" fromWordArt="0" anchor="ctr" anchorCtr="0" forceAA="0" compatLnSpc="1">
+                      <a:prstTxWarp prst="textNoShape">
+                        <a:avLst/>
+                      </a:prstTxWarp>
+                      <a:noAutofit/>
+                    </a:bodyPr>
+                    <a:lstStyle/>
+                    <a:p>
+                      <a:pPr algn="ctr"/>
+                      <a:endParaRPr lang="en-US"/>
+                    </a:p>
+                  </p:txBody>
+                </p:sp>
+              </p:grpSp>
+            </p:grpSp>
+          </p:grpSp>
+          <p:cxnSp>
+            <p:nvCxnSpPr>
+              <p:cNvPr id="26" name="Straight Connector 25"/>
+              <p:cNvCxnSpPr>
+                <a:stCxn id="24" idx="4"/>
+                <a:endCxn id="61" idx="0"/>
+              </p:cNvCxnSpPr>
+              <p:nvPr/>
+            </p:nvCxnSpPr>
+            <p:spPr>
+              <a:xfrm>
+                <a:off x="2355418" y="1425221"/>
+                <a:ext cx="55317" cy="3027115"/>
+              </a:xfrm>
+              <a:prstGeom prst="line">
+                <a:avLst/>
+              </a:prstGeom>
+              <a:ln w="31750">
+                <a:solidFill>
+                  <a:schemeClr val="tx1"/>
+                </a:solidFill>
+              </a:ln>
+            </p:spPr>
+            <p:style>
+              <a:lnRef idx="2">
+                <a:schemeClr val="accent1"/>
+              </a:lnRef>
+              <a:fillRef idx="0">
+                <a:schemeClr val="accent1"/>
+              </a:fillRef>
+              <a:effectRef idx="1">
+                <a:schemeClr val="accent1"/>
+              </a:effectRef>
+              <a:fontRef idx="minor">
+                <a:schemeClr val="tx1"/>
+              </a:fontRef>
+            </p:style>
+          </p:cxnSp>
+          <p:cxnSp>
+            <p:nvCxnSpPr>
+              <p:cNvPr id="27" name="Straight Connector 26"/>
+              <p:cNvCxnSpPr>
+                <a:stCxn id="24" idx="5"/>
+                <a:endCxn id="56" idx="1"/>
+              </p:cNvCxnSpPr>
+              <p:nvPr/>
+            </p:nvCxnSpPr>
+            <p:spPr>
+              <a:xfrm>
+                <a:off x="2420076" y="1398439"/>
+                <a:ext cx="1021023" cy="2001461"/>
+              </a:xfrm>
+              <a:prstGeom prst="line">
+                <a:avLst/>
+              </a:prstGeom>
+              <a:ln w="31750">
+                <a:solidFill>
+                  <a:schemeClr val="tx1"/>
+                </a:solidFill>
+              </a:ln>
+            </p:spPr>
+            <p:style>
+              <a:lnRef idx="2">
+                <a:schemeClr val="accent1"/>
+              </a:lnRef>
+              <a:fillRef idx="0">
+                <a:schemeClr val="accent1"/>
+              </a:fillRef>
+              <a:effectRef idx="1">
+                <a:schemeClr val="accent1"/>
+              </a:effectRef>
+              <a:fontRef idx="minor">
+                <a:schemeClr val="tx1"/>
+              </a:fontRef>
+            </p:style>
+          </p:cxnSp>
+          <p:cxnSp>
+            <p:nvCxnSpPr>
+              <p:cNvPr id="28" name="Straight Connector 27"/>
+              <p:cNvCxnSpPr/>
+              <p:nvPr/>
+            </p:nvCxnSpPr>
+            <p:spPr>
+              <a:xfrm>
+                <a:off x="5675480" y="3541887"/>
+                <a:ext cx="1021023" cy="1930906"/>
+              </a:xfrm>
+              <a:prstGeom prst="line">
+                <a:avLst/>
+              </a:prstGeom>
+              <a:ln w="31750">
+                <a:solidFill>
+                  <a:schemeClr val="tx1"/>
+                </a:solidFill>
+              </a:ln>
+            </p:spPr>
+            <p:style>
+              <a:lnRef idx="2">
+                <a:schemeClr val="accent1"/>
+              </a:lnRef>
+              <a:fillRef idx="0">
+                <a:schemeClr val="accent1"/>
+              </a:fillRef>
+              <a:effectRef idx="1">
+                <a:schemeClr val="accent1"/>
+              </a:effectRef>
+              <a:fontRef idx="minor">
+                <a:schemeClr val="tx1"/>
+              </a:fontRef>
+            </p:style>
+          </p:cxnSp>
+          <p:sp>
+            <p:nvSpPr>
+              <p:cNvPr id="29" name="Oval 28"/>
+              <p:cNvSpPr/>
+              <p:nvPr/>
+            </p:nvSpPr>
+            <p:spPr>
+              <a:xfrm>
+                <a:off x="6641237" y="5468334"/>
+                <a:ext cx="182880" cy="182880"/>
+              </a:xfrm>
+              <a:prstGeom prst="ellipse">
+                <a:avLst/>
+              </a:prstGeom>
+              <a:solidFill>
+                <a:schemeClr val="tx1"/>
+              </a:solidFill>
+              <a:ln w="31750">
+                <a:noFill/>
+              </a:ln>
+            </p:spPr>
+            <p:style>
+              <a:lnRef idx="1">
+                <a:schemeClr val="accent1"/>
+              </a:lnRef>
+              <a:fillRef idx="3">
+                <a:schemeClr val="accent1"/>
+              </a:fillRef>
+              <a:effectRef idx="2">
+                <a:schemeClr val="accent1"/>
+              </a:effectRef>
+              <a:fontRef idx="minor">
+                <a:schemeClr val="lt1"/>
+              </a:fontRef>
+            </p:style>
+            <p:txBody>
+              <a:bodyPr rot="0" spcFirstLastPara="0" vertOverflow="overflow" horzOverflow="overflow" vert="horz" wrap="square" lIns="91440" tIns="45720" rIns="91440" bIns="45720" numCol="1" spcCol="0" rtlCol="0" fromWordArt="0" anchor="ctr" anchorCtr="0" forceAA="0" compatLnSpc="1">
+                <a:prstTxWarp prst="textNoShape">
+                  <a:avLst/>
+                </a:prstTxWarp>
+                <a:noAutofit/>
+              </a:bodyPr>
+              <a:lstStyle/>
+              <a:p>
+                <a:pPr algn="ctr"/>
+                <a:endParaRPr lang="en-US"/>
+              </a:p>
+            </p:txBody>
+          </p:sp>
+          <p:cxnSp>
+            <p:nvCxnSpPr>
+              <p:cNvPr id="30" name="Straight Connector 29"/>
+              <p:cNvCxnSpPr>
+                <a:stCxn id="42" idx="4"/>
+                <a:endCxn id="29" idx="0"/>
+              </p:cNvCxnSpPr>
+              <p:nvPr/>
+            </p:nvCxnSpPr>
+            <p:spPr>
+              <a:xfrm>
+                <a:off x="6714058" y="2462669"/>
+                <a:ext cx="18619" cy="3005665"/>
+              </a:xfrm>
+              <a:prstGeom prst="line">
+                <a:avLst/>
+              </a:prstGeom>
+              <a:ln w="31750">
+                <a:solidFill>
+                  <a:schemeClr val="tx1"/>
+                </a:solidFill>
+              </a:ln>
+            </p:spPr>
+            <p:style>
+              <a:lnRef idx="2">
+                <a:schemeClr val="accent1"/>
+              </a:lnRef>
+              <a:fillRef idx="0">
+                <a:schemeClr val="accent1"/>
+              </a:fillRef>
+              <a:effectRef idx="1">
+                <a:schemeClr val="accent1"/>
+              </a:effectRef>
+              <a:fontRef idx="minor">
+                <a:schemeClr val="tx1"/>
+              </a:fontRef>
+            </p:style>
+          </p:cxnSp>
+          <p:cxnSp>
+            <p:nvCxnSpPr>
+              <p:cNvPr id="31" name="Straight Connector 30"/>
+              <p:cNvCxnSpPr>
+                <a:stCxn id="24" idx="5"/>
+                <a:endCxn id="49" idx="2"/>
+              </p:cNvCxnSpPr>
+              <p:nvPr/>
+            </p:nvCxnSpPr>
+            <p:spPr>
+              <a:xfrm>
+                <a:off x="2420076" y="1398439"/>
+                <a:ext cx="2075152" cy="993675"/>
+              </a:xfrm>
+              <a:prstGeom prst="line">
+                <a:avLst/>
+              </a:prstGeom>
+              <a:ln w="31750">
+                <a:solidFill>
+                  <a:schemeClr val="tx1"/>
+                </a:solidFill>
+              </a:ln>
+            </p:spPr>
+            <p:style>
+              <a:lnRef idx="2">
+                <a:schemeClr val="accent1"/>
+              </a:lnRef>
+              <a:fillRef idx="0">
+                <a:schemeClr val="accent1"/>
+              </a:fillRef>
+              <a:effectRef idx="1">
+                <a:schemeClr val="accent1"/>
+              </a:effectRef>
+              <a:fontRef idx="minor">
+                <a:schemeClr val="tx1"/>
+              </a:fontRef>
+            </p:style>
+          </p:cxnSp>
+          <p:cxnSp>
+            <p:nvCxnSpPr>
+              <p:cNvPr id="32" name="Straight Connector 31"/>
+              <p:cNvCxnSpPr>
+                <a:stCxn id="54" idx="5"/>
+                <a:endCxn id="29" idx="2"/>
+              </p:cNvCxnSpPr>
+              <p:nvPr/>
+            </p:nvCxnSpPr>
+            <p:spPr>
+              <a:xfrm>
+                <a:off x="4602783" y="4587549"/>
+                <a:ext cx="2038454" cy="972225"/>
+              </a:xfrm>
+              <a:prstGeom prst="line">
+                <a:avLst/>
+              </a:prstGeom>
+              <a:ln w="31750">
+                <a:solidFill>
+                  <a:schemeClr val="tx1"/>
+                </a:solidFill>
+              </a:ln>
+            </p:spPr>
+            <p:style>
+              <a:lnRef idx="2">
+                <a:schemeClr val="accent1"/>
+              </a:lnRef>
+              <a:fillRef idx="0">
+                <a:schemeClr val="accent1"/>
+              </a:fillRef>
+              <a:effectRef idx="1">
+                <a:schemeClr val="accent1"/>
+              </a:effectRef>
+              <a:fontRef idx="minor">
+                <a:schemeClr val="tx1"/>
+              </a:fontRef>
+            </p:style>
+          </p:cxnSp>
+          <p:cxnSp>
+            <p:nvCxnSpPr>
+              <p:cNvPr id="33" name="Straight Connector 32"/>
+              <p:cNvCxnSpPr>
+                <a:stCxn id="44" idx="2"/>
+                <a:endCxn id="24" idx="6"/>
+              </p:cNvCxnSpPr>
+              <p:nvPr/>
+            </p:nvCxnSpPr>
+            <p:spPr>
+              <a:xfrm flipH="1">
+                <a:off x="2446858" y="1312896"/>
+                <a:ext cx="3143392" cy="20885"/>
+              </a:xfrm>
+              <a:prstGeom prst="line">
+                <a:avLst/>
+              </a:prstGeom>
+              <a:ln w="31750">
+                <a:solidFill>
+                  <a:schemeClr val="tx1"/>
+                </a:solidFill>
+              </a:ln>
+            </p:spPr>
+            <p:style>
+              <a:lnRef idx="2">
+                <a:schemeClr val="accent1"/>
+              </a:lnRef>
+              <a:fillRef idx="0">
+                <a:schemeClr val="accent1"/>
+              </a:fillRef>
+              <a:effectRef idx="1">
+                <a:schemeClr val="accent1"/>
+              </a:effectRef>
+              <a:fontRef idx="minor">
+                <a:schemeClr val="tx1"/>
+              </a:fontRef>
+            </p:style>
+          </p:cxnSp>
+          <p:cxnSp>
+            <p:nvCxnSpPr>
+              <p:cNvPr id="34" name="Straight Connector 33"/>
+              <p:cNvCxnSpPr>
+                <a:stCxn id="29" idx="3"/>
+                <a:endCxn id="59" idx="6"/>
+              </p:cNvCxnSpPr>
+              <p:nvPr/>
+            </p:nvCxnSpPr>
+            <p:spPr>
+              <a:xfrm flipH="1" flipV="1">
+                <a:off x="3534543" y="5602109"/>
+                <a:ext cx="3133476" cy="22323"/>
+              </a:xfrm>
+              <a:prstGeom prst="line">
+                <a:avLst/>
+              </a:prstGeom>
+              <a:ln w="31750">
+                <a:solidFill>
+                  <a:schemeClr val="tx1"/>
+                </a:solidFill>
+              </a:ln>
+            </p:spPr>
+            <p:style>
+              <a:lnRef idx="2">
+                <a:schemeClr val="accent1"/>
+              </a:lnRef>
+              <a:fillRef idx="0">
+                <a:schemeClr val="accent1"/>
+              </a:fillRef>
+              <a:effectRef idx="1">
+                <a:schemeClr val="accent1"/>
+              </a:effectRef>
+              <a:fontRef idx="minor">
+                <a:schemeClr val="tx1"/>
+              </a:fontRef>
+            </p:style>
+          </p:cxnSp>
+        </p:grpSp>
+      </p:grpSp>
+    </p:spTree>
+    <p:extLst>
+      <p:ext uri="{BB962C8B-B14F-4D97-AF65-F5344CB8AC3E}">
+        <p14:creationId xmlns:p14="http://schemas.microsoft.com/office/powerpoint/2010/main" val="2862616182"/>
+      </p:ext>
+    </p:extLst>
+  </p:cSld>
+  <p:clrMapOvr>
+    <a:masterClrMapping/>
+  </p:clrMapOvr>
+  <p:timing>
+    <p:tnLst>
+      <p:par>
+        <p:cTn xmlns:p14="http://schemas.microsoft.com/office/powerpoint/2010/main" id="1" dur="indefinite" restart="never" nodeType="tmRoot"/>
+      </p:par>
+    </p:tnLst>
+  </p:timing>
 </p:sld>
 </file>
 

--- a/spring14/slidesS14/3color-crossover.pptx
+++ b/spring14/slidesS14/3color-crossover.pptx
@@ -1109,37 +1109,7 @@
                 <a:uFillTx/>
                 <a:latin typeface="Comic Sans MS" pitchFamily="66" charset="0"/>
               </a:rPr>
-              <a:t>Albert R Meyer            </a:t>
-            </a:r>
-            <a:r>
-              <a:rPr kumimoji="0" lang="en-US" sz="1200" b="0" i="0" u="none" strike="noStrike" kern="1200" cap="none" spc="0" normalizeH="0" baseline="0" noProof="0" dirty="0" smtClean="0">
-                <a:ln>
-                  <a:noFill/>
-                </a:ln>
-                <a:solidFill>
-                  <a:schemeClr val="tx1"/>
-                </a:solidFill>
-                <a:effectLst/>
-                <a:uLnTx/>
-                <a:uFillTx/>
-                <a:latin typeface="Comic Sans MS" pitchFamily="66" charset="0"/>
-              </a:rPr>
-              <a:t>April 8, </a:t>
-            </a:r>
-            <a:r>
-              <a:rPr kumimoji="0" lang="en-US" sz="1200" b="0" i="0" u="none" strike="noStrike" kern="1200" cap="none" spc="0" normalizeH="0" baseline="0" noProof="0" dirty="0" smtClean="0">
-                <a:ln>
-                  <a:noFill/>
-                </a:ln>
-                <a:solidFill>
-                  <a:schemeClr val="tx1"/>
-                </a:solidFill>
-                <a:effectLst/>
-                <a:uLnTx/>
-                <a:uFillTx/>
-                <a:latin typeface="Comic Sans MS" pitchFamily="66" charset="0"/>
-              </a:rPr>
-              <a:t>2014</a:t>
+              <a:t>Albert R Meyer            April 8, 2014</a:t>
             </a:r>
             <a:endParaRPr kumimoji="0" lang="en-US" sz="1200" b="0" i="0" u="none" strike="noStrike" kern="1200" cap="none" spc="0" normalizeH="0" baseline="0" noProof="0" dirty="0">
               <a:ln>
@@ -11658,21 +11628,7 @@
                 <a:latin typeface="Comic Sans MS"/>
                 <a:cs typeface="Comic Sans MS"/>
               </a:rPr>
-              <a:t>can be extended to </a:t>
-            </a:r>
-            <a:r>
-              <a:rPr lang="en-US" sz="4800" dirty="0" smtClean="0">
-                <a:latin typeface="Comic Sans MS"/>
-                <a:cs typeface="Comic Sans MS"/>
-              </a:rPr>
-              <a:t>a </a:t>
-            </a:r>
-            <a:r>
-              <a:rPr lang="en-US" sz="4800" dirty="0" smtClean="0">
-                <a:latin typeface="Comic Sans MS"/>
-                <a:cs typeface="Comic Sans MS"/>
-              </a:rPr>
-              <a:t>3-coloring of the gadget</a:t>
+              <a:t>can be extended to a 3-coloring of the gadget</a:t>
             </a:r>
           </a:p>
         </p:txBody>
@@ -15444,7 +15400,7 @@
           </a:bodyPr>
           <a:lstStyle/>
           <a:p>
-            <a:pPr marL="914400" indent="-914400">
+            <a:pPr marL="685800" indent="-685800">
               <a:buFont typeface="Arial"/>
               <a:buChar char="•"/>
             </a:pPr>
